--- a/presentation/KernelImageProcessing.pptx
+++ b/presentation/KernelImageProcessing.pptx
@@ -5,10 +5,10 @@
     <p:sldMasterId id="2147483648" r:id="rId1"/>
   </p:sldMasterIdLst>
   <p:notesMasterIdLst>
-    <p:notesMasterId r:id="rId15"/>
+    <p:notesMasterId r:id="rId18"/>
   </p:notesMasterIdLst>
   <p:handoutMasterIdLst>
-    <p:handoutMasterId r:id="rId16"/>
+    <p:handoutMasterId r:id="rId19"/>
   </p:handoutMasterIdLst>
   <p:sldIdLst>
     <p:sldId id="256" r:id="rId2"/>
@@ -20,10 +20,13 @@
     <p:sldId id="261" r:id="rId8"/>
     <p:sldId id="272" r:id="rId9"/>
     <p:sldId id="264" r:id="rId10"/>
-    <p:sldId id="269" r:id="rId11"/>
-    <p:sldId id="267" r:id="rId12"/>
-    <p:sldId id="268" r:id="rId13"/>
-    <p:sldId id="270" r:id="rId14"/>
+    <p:sldId id="273" r:id="rId11"/>
+    <p:sldId id="274" r:id="rId12"/>
+    <p:sldId id="275" r:id="rId13"/>
+    <p:sldId id="269" r:id="rId14"/>
+    <p:sldId id="267" r:id="rId15"/>
+    <p:sldId id="268" r:id="rId16"/>
+    <p:sldId id="270" r:id="rId17"/>
   </p:sldIdLst>
   <p:sldSz cx="9144000" cy="6858000" type="screen4x3"/>
   <p:notesSz cx="6858000" cy="9144000"/>
@@ -140,6 +143,9 @@
             <p14:sldId id="261"/>
             <p14:sldId id="272"/>
             <p14:sldId id="264"/>
+            <p14:sldId id="273"/>
+            <p14:sldId id="274"/>
+            <p14:sldId id="275"/>
             <p14:sldId id="269"/>
             <p14:sldId id="267"/>
             <p14:sldId id="268"/>
@@ -846,7 +852,7 @@
     </p:spTree>
     <p:extLst>
       <p:ext uri="{BB962C8B-B14F-4D97-AF65-F5344CB8AC3E}">
-        <p14:creationId xmlns:p14="http://schemas.microsoft.com/office/powerpoint/2010/main" val="2956334855"/>
+        <p14:creationId xmlns:p14="http://schemas.microsoft.com/office/powerpoint/2010/main" val="234906703"/>
       </p:ext>
     </p:extLst>
   </p:cSld>
@@ -931,7 +937,7 @@
     </p:spTree>
     <p:extLst>
       <p:ext uri="{BB962C8B-B14F-4D97-AF65-F5344CB8AC3E}">
-        <p14:creationId xmlns:p14="http://schemas.microsoft.com/office/powerpoint/2010/main" val="4123982893"/>
+        <p14:creationId xmlns:p14="http://schemas.microsoft.com/office/powerpoint/2010/main" val="4247510288"/>
       </p:ext>
     </p:extLst>
   </p:cSld>
@@ -1008,6 +1014,261 @@
               <a:rPr lang="it-IT" smtClean="0"/>
               <a:pPr/>
               <a:t>13</a:t>
+            </a:fld>
+            <a:endParaRPr lang="it-IT"/>
+          </a:p>
+        </p:txBody>
+      </p:sp>
+    </p:spTree>
+    <p:extLst>
+      <p:ext uri="{BB962C8B-B14F-4D97-AF65-F5344CB8AC3E}">
+        <p14:creationId xmlns:p14="http://schemas.microsoft.com/office/powerpoint/2010/main" val="922020138"/>
+      </p:ext>
+    </p:extLst>
+  </p:cSld>
+  <p:clrMapOvr>
+    <a:masterClrMapping/>
+  </p:clrMapOvr>
+</p:notes>
+</file>
+
+<file path=ppt/notesSlides/notesSlide13.xml><?xml version="1.0" encoding="utf-8"?>
+<p:notes xmlns:a="http://schemas.openxmlformats.org/drawingml/2006/main" xmlns:r="http://schemas.openxmlformats.org/officeDocument/2006/relationships" xmlns:p="http://schemas.openxmlformats.org/presentationml/2006/main">
+  <p:cSld>
+    <p:spTree>
+      <p:nvGrpSpPr>
+        <p:cNvPr id="1" name=""/>
+        <p:cNvGrpSpPr/>
+        <p:nvPr/>
+      </p:nvGrpSpPr>
+      <p:grpSpPr>
+        <a:xfrm>
+          <a:off x="0" y="0"/>
+          <a:ext cx="0" cy="0"/>
+          <a:chOff x="0" y="0"/>
+          <a:chExt cx="0" cy="0"/>
+        </a:xfrm>
+      </p:grpSpPr>
+      <p:sp>
+        <p:nvSpPr>
+          <p:cNvPr id="2" name="Segnaposto immagine diapositiva 1"/>
+          <p:cNvSpPr>
+            <a:spLocks noGrp="1" noRot="1" noChangeAspect="1"/>
+          </p:cNvSpPr>
+          <p:nvPr>
+            <p:ph type="sldImg"/>
+          </p:nvPr>
+        </p:nvSpPr>
+        <p:spPr/>
+      </p:sp>
+      <p:sp>
+        <p:nvSpPr>
+          <p:cNvPr id="3" name="Segnaposto note 2"/>
+          <p:cNvSpPr>
+            <a:spLocks noGrp="1"/>
+          </p:cNvSpPr>
+          <p:nvPr>
+            <p:ph type="body" idx="1"/>
+          </p:nvPr>
+        </p:nvSpPr>
+        <p:spPr/>
+        <p:txBody>
+          <a:bodyPr/>
+          <a:lstStyle/>
+          <a:p>
+            <a:endParaRPr lang="it-IT"/>
+          </a:p>
+        </p:txBody>
+      </p:sp>
+      <p:sp>
+        <p:nvSpPr>
+          <p:cNvPr id="4" name="Segnaposto numero diapositiva 3"/>
+          <p:cNvSpPr>
+            <a:spLocks noGrp="1"/>
+          </p:cNvSpPr>
+          <p:nvPr>
+            <p:ph type="sldNum" sz="quarter" idx="10"/>
+          </p:nvPr>
+        </p:nvSpPr>
+        <p:spPr/>
+        <p:txBody>
+          <a:bodyPr/>
+          <a:lstStyle/>
+          <a:p>
+            <a:fld id="{96986711-015B-0142-88C4-65D50E44FA77}" type="slidenum">
+              <a:rPr lang="it-IT" smtClean="0"/>
+              <a:pPr/>
+              <a:t>14</a:t>
+            </a:fld>
+            <a:endParaRPr lang="it-IT"/>
+          </a:p>
+        </p:txBody>
+      </p:sp>
+    </p:spTree>
+    <p:extLst>
+      <p:ext uri="{BB962C8B-B14F-4D97-AF65-F5344CB8AC3E}">
+        <p14:creationId xmlns:p14="http://schemas.microsoft.com/office/powerpoint/2010/main" val="2956334855"/>
+      </p:ext>
+    </p:extLst>
+  </p:cSld>
+  <p:clrMapOvr>
+    <a:masterClrMapping/>
+  </p:clrMapOvr>
+</p:notes>
+</file>
+
+<file path=ppt/notesSlides/notesSlide14.xml><?xml version="1.0" encoding="utf-8"?>
+<p:notes xmlns:a="http://schemas.openxmlformats.org/drawingml/2006/main" xmlns:r="http://schemas.openxmlformats.org/officeDocument/2006/relationships" xmlns:p="http://schemas.openxmlformats.org/presentationml/2006/main">
+  <p:cSld>
+    <p:spTree>
+      <p:nvGrpSpPr>
+        <p:cNvPr id="1" name=""/>
+        <p:cNvGrpSpPr/>
+        <p:nvPr/>
+      </p:nvGrpSpPr>
+      <p:grpSpPr>
+        <a:xfrm>
+          <a:off x="0" y="0"/>
+          <a:ext cx="0" cy="0"/>
+          <a:chOff x="0" y="0"/>
+          <a:chExt cx="0" cy="0"/>
+        </a:xfrm>
+      </p:grpSpPr>
+      <p:sp>
+        <p:nvSpPr>
+          <p:cNvPr id="2" name="Segnaposto immagine diapositiva 1"/>
+          <p:cNvSpPr>
+            <a:spLocks noGrp="1" noRot="1" noChangeAspect="1"/>
+          </p:cNvSpPr>
+          <p:nvPr>
+            <p:ph type="sldImg"/>
+          </p:nvPr>
+        </p:nvSpPr>
+        <p:spPr/>
+      </p:sp>
+      <p:sp>
+        <p:nvSpPr>
+          <p:cNvPr id="3" name="Segnaposto note 2"/>
+          <p:cNvSpPr>
+            <a:spLocks noGrp="1"/>
+          </p:cNvSpPr>
+          <p:nvPr>
+            <p:ph type="body" idx="1"/>
+          </p:nvPr>
+        </p:nvSpPr>
+        <p:spPr/>
+        <p:txBody>
+          <a:bodyPr/>
+          <a:lstStyle/>
+          <a:p>
+            <a:endParaRPr lang="it-IT"/>
+          </a:p>
+        </p:txBody>
+      </p:sp>
+      <p:sp>
+        <p:nvSpPr>
+          <p:cNvPr id="4" name="Segnaposto numero diapositiva 3"/>
+          <p:cNvSpPr>
+            <a:spLocks noGrp="1"/>
+          </p:cNvSpPr>
+          <p:nvPr>
+            <p:ph type="sldNum" sz="quarter" idx="10"/>
+          </p:nvPr>
+        </p:nvSpPr>
+        <p:spPr/>
+        <p:txBody>
+          <a:bodyPr/>
+          <a:lstStyle/>
+          <a:p>
+            <a:fld id="{96986711-015B-0142-88C4-65D50E44FA77}" type="slidenum">
+              <a:rPr lang="it-IT" smtClean="0"/>
+              <a:pPr/>
+              <a:t>15</a:t>
+            </a:fld>
+            <a:endParaRPr lang="it-IT"/>
+          </a:p>
+        </p:txBody>
+      </p:sp>
+    </p:spTree>
+    <p:extLst>
+      <p:ext uri="{BB962C8B-B14F-4D97-AF65-F5344CB8AC3E}">
+        <p14:creationId xmlns:p14="http://schemas.microsoft.com/office/powerpoint/2010/main" val="4123982893"/>
+      </p:ext>
+    </p:extLst>
+  </p:cSld>
+  <p:clrMapOvr>
+    <a:masterClrMapping/>
+  </p:clrMapOvr>
+</p:notes>
+</file>
+
+<file path=ppt/notesSlides/notesSlide15.xml><?xml version="1.0" encoding="utf-8"?>
+<p:notes xmlns:a="http://schemas.openxmlformats.org/drawingml/2006/main" xmlns:r="http://schemas.openxmlformats.org/officeDocument/2006/relationships" xmlns:p="http://schemas.openxmlformats.org/presentationml/2006/main">
+  <p:cSld>
+    <p:spTree>
+      <p:nvGrpSpPr>
+        <p:cNvPr id="1" name=""/>
+        <p:cNvGrpSpPr/>
+        <p:nvPr/>
+      </p:nvGrpSpPr>
+      <p:grpSpPr>
+        <a:xfrm>
+          <a:off x="0" y="0"/>
+          <a:ext cx="0" cy="0"/>
+          <a:chOff x="0" y="0"/>
+          <a:chExt cx="0" cy="0"/>
+        </a:xfrm>
+      </p:grpSpPr>
+      <p:sp>
+        <p:nvSpPr>
+          <p:cNvPr id="2" name="Segnaposto immagine diapositiva 1"/>
+          <p:cNvSpPr>
+            <a:spLocks noGrp="1" noRot="1" noChangeAspect="1"/>
+          </p:cNvSpPr>
+          <p:nvPr>
+            <p:ph type="sldImg"/>
+          </p:nvPr>
+        </p:nvSpPr>
+        <p:spPr/>
+      </p:sp>
+      <p:sp>
+        <p:nvSpPr>
+          <p:cNvPr id="3" name="Segnaposto note 2"/>
+          <p:cNvSpPr>
+            <a:spLocks noGrp="1"/>
+          </p:cNvSpPr>
+          <p:nvPr>
+            <p:ph type="body" idx="1"/>
+          </p:nvPr>
+        </p:nvSpPr>
+        <p:spPr/>
+        <p:txBody>
+          <a:bodyPr/>
+          <a:lstStyle/>
+          <a:p>
+            <a:endParaRPr lang="it-IT"/>
+          </a:p>
+        </p:txBody>
+      </p:sp>
+      <p:sp>
+        <p:nvSpPr>
+          <p:cNvPr id="4" name="Segnaposto numero diapositiva 3"/>
+          <p:cNvSpPr>
+            <a:spLocks noGrp="1"/>
+          </p:cNvSpPr>
+          <p:nvPr>
+            <p:ph type="sldNum" sz="quarter" idx="10"/>
+          </p:nvPr>
+        </p:nvSpPr>
+        <p:spPr/>
+        <p:txBody>
+          <a:bodyPr/>
+          <a:lstStyle/>
+          <a:p>
+            <a:fld id="{96986711-015B-0142-88C4-65D50E44FA77}" type="slidenum">
+              <a:rPr lang="it-IT" smtClean="0"/>
+              <a:pPr/>
+              <a:t>16</a:t>
             </a:fld>
             <a:endParaRPr lang="it-IT"/>
           </a:p>
@@ -1696,7 +1957,7 @@
     </p:spTree>
     <p:extLst>
       <p:ext uri="{BB962C8B-B14F-4D97-AF65-F5344CB8AC3E}">
-        <p14:creationId xmlns:p14="http://schemas.microsoft.com/office/powerpoint/2010/main" val="922020138"/>
+        <p14:creationId xmlns:p14="http://schemas.microsoft.com/office/powerpoint/2010/main" val="3597911633"/>
       </p:ext>
     </p:extLst>
   </p:cSld>
@@ -4988,7 +5249,7 @@
         <p:spPr>
           <a:xfrm>
             <a:off x="648253" y="1305402"/>
-            <a:ext cx="5196702" cy="830997"/>
+            <a:ext cx="5196702" cy="461665"/>
           </a:xfrm>
           <a:prstGeom prst="rect">
             <a:avLst/>
@@ -5011,7 +5272,7 @@
                 <a:latin typeface="Arial"/>
                 <a:cs typeface="Arial"/>
               </a:rPr>
-              <a:t>Speedup</a:t>
+              <a:t>Parallelization</a:t>
             </a:r>
             <a:r>
               <a:rPr lang="it-IT" sz="2400" b="1" dirty="0">
@@ -5023,10 +5284,20 @@
                 <a:latin typeface="Arial"/>
                 <a:cs typeface="Arial"/>
               </a:rPr>
-              <a:t> Analysis</a:t>
-            </a:r>
-          </a:p>
-          <a:p>
+              <a:t> with </a:t>
+            </a:r>
+            <a:r>
+              <a:rPr lang="it-IT" sz="2400" b="1" dirty="0" err="1">
+                <a:solidFill>
+                  <a:schemeClr val="accent1">
+                    <a:lumMod val="75000"/>
+                  </a:schemeClr>
+                </a:solidFill>
+                <a:latin typeface="Arial"/>
+                <a:cs typeface="Arial"/>
+              </a:rPr>
+              <a:t>Joblib</a:t>
+            </a:r>
             <a:endParaRPr lang="it-IT" sz="2400" b="1" dirty="0">
               <a:solidFill>
                 <a:schemeClr val="accent1">
@@ -5048,7 +5319,7 @@
         <p:spPr>
           <a:xfrm>
             <a:off x="648253" y="1705113"/>
-            <a:ext cx="1146468" cy="369332"/>
+            <a:ext cx="736099" cy="369332"/>
           </a:xfrm>
           <a:prstGeom prst="rect">
             <a:avLst/>
@@ -5066,56 +5337,7 @@
                 <a:latin typeface="Arial"/>
                 <a:cs typeface="Arial"/>
               </a:rPr>
-              <a:t>Definition</a:t>
-            </a:r>
-          </a:p>
-        </p:txBody>
-      </p:sp>
-      <p:sp>
-        <p:nvSpPr>
-          <p:cNvPr id="9" name="CasellaDiTesto 8"/>
-          <p:cNvSpPr txBox="1"/>
-          <p:nvPr/>
-        </p:nvSpPr>
-        <p:spPr>
-          <a:xfrm>
-            <a:off x="648253" y="2378264"/>
-            <a:ext cx="7819027" cy="1169551"/>
-          </a:xfrm>
-          <a:prstGeom prst="rect">
-            <a:avLst/>
-          </a:prstGeom>
-          <a:noFill/>
-        </p:spPr>
-        <p:txBody>
-          <a:bodyPr wrap="square" rtlCol="0">
-            <a:spAutoFit/>
-          </a:bodyPr>
-          <a:lstStyle/>
-          <a:p>
-            <a:pPr algn="just"/>
-            <a:r>
-              <a:rPr lang="en-US" sz="1400" dirty="0"/>
-              <a:t>In order to compare the performance of a sequential algorithm with its parallel version we can use the concept of </a:t>
-            </a:r>
-            <a:r>
-              <a:rPr lang="en-US" sz="1400" b="1" dirty="0"/>
-              <a:t>speedup</a:t>
-            </a:r>
-            <a:r>
-              <a:rPr lang="en-US" sz="1400" dirty="0"/>
-              <a:t>.</a:t>
-            </a:r>
-          </a:p>
-          <a:p>
-            <a:pPr algn="just"/>
-            <a:endParaRPr lang="en-US" sz="1400" dirty="0"/>
-          </a:p>
-          <a:p>
-            <a:pPr algn="just"/>
-            <a:r>
-              <a:rPr lang="en-US" sz="1400" dirty="0"/>
-              <a:t>Speedup is measured as the ratio between the execution time of the sequential algorithm and the parallel one.</a:t>
+              <a:t>Code</a:t>
             </a:r>
           </a:p>
         </p:txBody>
@@ -5383,10 +5605,10 @@
       </p:sp>
       <p:pic>
         <p:nvPicPr>
-          <p:cNvPr id="5" name="Immagine 4">
+          <p:cNvPr id="4" name="Immagine 3" descr="Immagine che contiene testo&#10;&#10;Descrizione generata automaticamente">
             <a:extLst>
               <a:ext uri="{FF2B5EF4-FFF2-40B4-BE49-F238E27FC236}">
-                <a16:creationId xmlns:a16="http://schemas.microsoft.com/office/drawing/2014/main" id="{50110DEC-1E9A-2C82-AA49-62E6374C5D9F}"/>
+                <a16:creationId xmlns:a16="http://schemas.microsoft.com/office/drawing/2014/main" id="{4CF9567F-F609-552A-7929-B54989AC7A7A}"/>
               </a:ext>
             </a:extLst>
           </p:cNvPr>
@@ -5403,70 +5625,18 @@
         </p:blipFill>
         <p:spPr>
           <a:xfrm>
-            <a:off x="4040484" y="3547815"/>
-            <a:ext cx="1099544" cy="1056842"/>
+            <a:off x="453813" y="2166778"/>
+            <a:ext cx="8236373" cy="4083260"/>
           </a:xfrm>
           <a:prstGeom prst="rect">
             <a:avLst/>
           </a:prstGeom>
         </p:spPr>
       </p:pic>
-      <p:sp>
-        <p:nvSpPr>
-          <p:cNvPr id="6" name="CasellaDiTesto 5">
-            <a:extLst>
-              <a:ext uri="{FF2B5EF4-FFF2-40B4-BE49-F238E27FC236}">
-                <a16:creationId xmlns:a16="http://schemas.microsoft.com/office/drawing/2014/main" id="{1ABFE85D-59C6-350B-0C36-765E48E99E35}"/>
-              </a:ext>
-            </a:extLst>
-          </p:cNvPr>
-          <p:cNvSpPr txBox="1"/>
-          <p:nvPr/>
-        </p:nvSpPr>
-        <p:spPr>
-          <a:xfrm>
-            <a:off x="648252" y="4768544"/>
-            <a:ext cx="7819027" cy="523220"/>
-          </a:xfrm>
-          <a:prstGeom prst="rect">
-            <a:avLst/>
-          </a:prstGeom>
-          <a:noFill/>
-        </p:spPr>
-        <p:txBody>
-          <a:bodyPr wrap="square" rtlCol="0">
-            <a:spAutoFit/>
-          </a:bodyPr>
-          <a:lstStyle/>
-          <a:p>
-            <a:pPr algn="just"/>
-            <a:r>
-              <a:rPr lang="en-US" sz="1400" dirty="0"/>
-              <a:t>Ideally, we should look for </a:t>
-            </a:r>
-            <a:r>
-              <a:rPr lang="en-US" sz="1400" i="1" dirty="0"/>
-              <a:t>perfect speedup </a:t>
-            </a:r>
-            <a:r>
-              <a:rPr lang="en-US" sz="1400" dirty="0"/>
-              <a:t>or even </a:t>
-            </a:r>
-            <a:r>
-              <a:rPr lang="en-US" sz="1400" i="1" dirty="0"/>
-              <a:t>linear speedup</a:t>
-            </a:r>
-            <a:r>
-              <a:rPr lang="en-US" sz="1400" dirty="0"/>
-              <a:t>, meaning S should be equal or similar to the number of processors used to perform the parallel algorithm.</a:t>
-            </a:r>
-          </a:p>
-        </p:txBody>
-      </p:sp>
     </p:spTree>
     <p:extLst>
       <p:ext uri="{BB962C8B-B14F-4D97-AF65-F5344CB8AC3E}">
-        <p14:creationId xmlns:p14="http://schemas.microsoft.com/office/powerpoint/2010/main" val="2140452309"/>
+        <p14:creationId xmlns:p14="http://schemas.microsoft.com/office/powerpoint/2010/main" val="939164369"/>
       </p:ext>
     </p:extLst>
   </p:cSld>
@@ -5549,7 +5719,7 @@
                 <a:latin typeface="Arial"/>
                 <a:cs typeface="Arial"/>
               </a:rPr>
-              <a:t>Speedup</a:t>
+              <a:t>Parallelization</a:t>
             </a:r>
             <a:r>
               <a:rPr lang="it-IT" sz="2400" b="1" dirty="0">
@@ -5561,8 +5731,29 @@
                 <a:latin typeface="Arial"/>
                 <a:cs typeface="Arial"/>
               </a:rPr>
-              <a:t> Analysis</a:t>
-            </a:r>
+              <a:t> with </a:t>
+            </a:r>
+            <a:r>
+              <a:rPr lang="it-IT" sz="2400" b="1" dirty="0" err="1">
+                <a:solidFill>
+                  <a:schemeClr val="accent1">
+                    <a:lumMod val="75000"/>
+                  </a:schemeClr>
+                </a:solidFill>
+                <a:latin typeface="Arial"/>
+                <a:cs typeface="Arial"/>
+              </a:rPr>
+              <a:t>Joblib</a:t>
+            </a:r>
+            <a:endParaRPr lang="it-IT" sz="2400" b="1" dirty="0">
+              <a:solidFill>
+                <a:schemeClr val="accent1">
+                  <a:lumMod val="75000"/>
+                </a:schemeClr>
+              </a:solidFill>
+              <a:latin typeface="Arial"/>
+              <a:cs typeface="Arial"/>
+            </a:endParaRPr>
           </a:p>
         </p:txBody>
       </p:sp>
@@ -5575,7 +5766,7 @@
         <p:spPr>
           <a:xfrm>
             <a:off x="648253" y="1705113"/>
-            <a:ext cx="4117474" cy="369332"/>
+            <a:ext cx="736099" cy="369332"/>
           </a:xfrm>
           <a:prstGeom prst="rect">
             <a:avLst/>
@@ -5589,46 +5780,11 @@
           <a:lstStyle/>
           <a:p>
             <a:r>
-              <a:rPr lang="it-IT" dirty="0" err="1">
-                <a:latin typeface="Arial"/>
-                <a:cs typeface="Arial"/>
-              </a:rPr>
-              <a:t>Speedup</a:t>
-            </a:r>
-            <a:r>
               <a:rPr lang="it-IT" dirty="0">
                 <a:latin typeface="Arial"/>
                 <a:cs typeface="Arial"/>
               </a:rPr>
-              <a:t> </a:t>
-            </a:r>
-            <a:r>
-              <a:rPr lang="it-IT" dirty="0" err="1">
-                <a:latin typeface="Arial"/>
-                <a:cs typeface="Arial"/>
-              </a:rPr>
-              <a:t>results</a:t>
-            </a:r>
-            <a:r>
-              <a:rPr lang="it-IT" dirty="0">
-                <a:latin typeface="Arial"/>
-                <a:cs typeface="Arial"/>
-              </a:rPr>
-              <a:t> with </a:t>
-            </a:r>
-            <a:r>
-              <a:rPr lang="it-IT" dirty="0" err="1">
-                <a:latin typeface="Arial"/>
-                <a:cs typeface="Arial"/>
-              </a:rPr>
-              <a:t>different</a:t>
-            </a:r>
-            <a:r>
-              <a:rPr lang="it-IT" dirty="0">
-                <a:latin typeface="Arial"/>
-                <a:cs typeface="Arial"/>
-              </a:rPr>
-              <a:t> K and N</a:t>
+              <a:t>Code</a:t>
             </a:r>
           </a:p>
         </p:txBody>
@@ -5894,59 +6050,12 @@
           </a:p>
         </p:txBody>
       </p:sp>
-      <p:sp>
-        <p:nvSpPr>
-          <p:cNvPr id="3" name="CasellaDiTesto 2">
+      <p:pic>
+        <p:nvPicPr>
+          <p:cNvPr id="5" name="Immagine 4" descr="Immagine che contiene testo&#10;&#10;Descrizione generata automaticamente">
             <a:extLst>
               <a:ext uri="{FF2B5EF4-FFF2-40B4-BE49-F238E27FC236}">
-                <a16:creationId xmlns:a16="http://schemas.microsoft.com/office/drawing/2014/main" id="{B95BC8D1-F5D2-3865-EF9B-C4FEEBA9C244}"/>
-              </a:ext>
-            </a:extLst>
-          </p:cNvPr>
-          <p:cNvSpPr txBox="1"/>
-          <p:nvPr/>
-        </p:nvSpPr>
-        <p:spPr>
-          <a:xfrm>
-            <a:off x="648253" y="2378264"/>
-            <a:ext cx="7819027" cy="738664"/>
-          </a:xfrm>
-          <a:prstGeom prst="rect">
-            <a:avLst/>
-          </a:prstGeom>
-          <a:noFill/>
-        </p:spPr>
-        <p:txBody>
-          <a:bodyPr wrap="square" rtlCol="0">
-            <a:spAutoFit/>
-          </a:bodyPr>
-          <a:lstStyle/>
-          <a:p>
-            <a:pPr algn="just"/>
-            <a:r>
-              <a:rPr lang="en-US" sz="1400" dirty="0"/>
-              <a:t>The experiments were performed on a Intel Core i7-1165G7 with 4 physical cores 8 logical cores.</a:t>
-            </a:r>
-          </a:p>
-          <a:p>
-            <a:pPr algn="just"/>
-            <a:endParaRPr lang="en-US" sz="1400" dirty="0"/>
-          </a:p>
-          <a:p>
-            <a:pPr algn="just"/>
-            <a:r>
-              <a:rPr lang="en-US" sz="1400" dirty="0"/>
-              <a:t>To evaluate the application performance, different images and kernel sizes were used.</a:t>
-            </a:r>
-          </a:p>
-        </p:txBody>
-      </p:sp>
-      <p:pic>
-        <p:nvPicPr>
-          <p:cNvPr id="9" name="Immagine 8">
-            <a:extLst>
-              <a:ext uri="{FF2B5EF4-FFF2-40B4-BE49-F238E27FC236}">
-                <a16:creationId xmlns:a16="http://schemas.microsoft.com/office/drawing/2014/main" id="{10857534-F219-B1DB-7276-B82CC8185C70}"/>
+                <a16:creationId xmlns:a16="http://schemas.microsoft.com/office/drawing/2014/main" id="{84E7D8A8-2021-8FCB-9AA5-1AE666E05FA3}"/>
               </a:ext>
             </a:extLst>
           </p:cNvPr>
@@ -5963,38 +6072,8 @@
         </p:blipFill>
         <p:spPr>
           <a:xfrm>
-            <a:off x="4799747" y="3426989"/>
-            <a:ext cx="4221659" cy="3336770"/>
-          </a:xfrm>
-          <a:prstGeom prst="rect">
-            <a:avLst/>
-          </a:prstGeom>
-        </p:spPr>
-      </p:pic>
-      <p:pic>
-        <p:nvPicPr>
-          <p:cNvPr id="15" name="Immagine 14">
-            <a:extLst>
-              <a:ext uri="{FF2B5EF4-FFF2-40B4-BE49-F238E27FC236}">
-                <a16:creationId xmlns:a16="http://schemas.microsoft.com/office/drawing/2014/main" id="{5D01A203-6486-DB8F-EAB1-71C84FB6C7D1}"/>
-              </a:ext>
-            </a:extLst>
-          </p:cNvPr>
-          <p:cNvPicPr>
-            <a:picLocks noChangeAspect="1"/>
-          </p:cNvPicPr>
-          <p:nvPr/>
-        </p:nvPicPr>
-        <p:blipFill>
-          <a:blip r:embed="rId5"/>
-          <a:stretch>
-            <a:fillRect/>
-          </a:stretch>
-        </p:blipFill>
-        <p:spPr>
-          <a:xfrm>
-            <a:off x="544068" y="3291642"/>
-            <a:ext cx="4221659" cy="3487729"/>
+            <a:off x="2465328" y="2910357"/>
+            <a:ext cx="4616687" cy="1949550"/>
           </a:xfrm>
           <a:prstGeom prst="rect">
             <a:avLst/>
@@ -6004,7 +6083,7 @@
     </p:spTree>
     <p:extLst>
       <p:ext uri="{BB962C8B-B14F-4D97-AF65-F5344CB8AC3E}">
-        <p14:creationId xmlns:p14="http://schemas.microsoft.com/office/powerpoint/2010/main" val="3113929549"/>
+        <p14:creationId xmlns:p14="http://schemas.microsoft.com/office/powerpoint/2010/main" val="4286268623"/>
       </p:ext>
     </p:extLst>
   </p:cSld>
@@ -6087,7 +6166,7 @@
                 <a:latin typeface="Arial"/>
                 <a:cs typeface="Arial"/>
               </a:rPr>
-              <a:t>Speedup</a:t>
+              <a:t>Parallelization</a:t>
             </a:r>
             <a:r>
               <a:rPr lang="it-IT" sz="2400" b="1" dirty="0">
@@ -6099,8 +6178,29 @@
                 <a:latin typeface="Arial"/>
                 <a:cs typeface="Arial"/>
               </a:rPr>
-              <a:t> Analysis</a:t>
-            </a:r>
+              <a:t> with </a:t>
+            </a:r>
+            <a:r>
+              <a:rPr lang="it-IT" sz="2400" b="1" dirty="0" err="1">
+                <a:solidFill>
+                  <a:schemeClr val="accent1">
+                    <a:lumMod val="75000"/>
+                  </a:schemeClr>
+                </a:solidFill>
+                <a:latin typeface="Arial"/>
+                <a:cs typeface="Arial"/>
+              </a:rPr>
+              <a:t>Joblib</a:t>
+            </a:r>
+            <a:endParaRPr lang="it-IT" sz="2400" b="1" dirty="0">
+              <a:solidFill>
+                <a:schemeClr val="accent1">
+                  <a:lumMod val="75000"/>
+                </a:schemeClr>
+              </a:solidFill>
+              <a:latin typeface="Arial"/>
+              <a:cs typeface="Arial"/>
+            </a:endParaRPr>
           </a:p>
         </p:txBody>
       </p:sp>
@@ -6113,7 +6213,7 @@
         <p:spPr>
           <a:xfrm>
             <a:off x="648253" y="1705113"/>
-            <a:ext cx="1877502" cy="369332"/>
+            <a:ext cx="736099" cy="369332"/>
           </a:xfrm>
           <a:prstGeom prst="rect">
             <a:avLst/>
@@ -6127,18 +6227,11 @@
           <a:lstStyle/>
           <a:p>
             <a:r>
-              <a:rPr lang="it-IT" dirty="0" err="1">
-                <a:latin typeface="Arial"/>
-                <a:cs typeface="Arial"/>
-              </a:rPr>
-              <a:t>Execution</a:t>
-            </a:r>
-            <a:r>
               <a:rPr lang="it-IT" dirty="0">
                 <a:latin typeface="Arial"/>
                 <a:cs typeface="Arial"/>
               </a:rPr>
-              <a:t> Times</a:t>
+              <a:t>Code</a:t>
             </a:r>
           </a:p>
         </p:txBody>
@@ -6406,10 +6499,10 @@
       </p:sp>
       <p:pic>
         <p:nvPicPr>
-          <p:cNvPr id="4" name="Immagine 3" descr="Immagine che contiene tavolo&#10;&#10;Descrizione generata automaticamente">
+          <p:cNvPr id="4" name="Immagine 3" descr="Immagine che contiene testo&#10;&#10;Descrizione generata automaticamente">
             <a:extLst>
               <a:ext uri="{FF2B5EF4-FFF2-40B4-BE49-F238E27FC236}">
-                <a16:creationId xmlns:a16="http://schemas.microsoft.com/office/drawing/2014/main" id="{B4B15DC2-E009-372D-9662-353A87104BB8}"/>
+                <a16:creationId xmlns:a16="http://schemas.microsoft.com/office/drawing/2014/main" id="{197E8CA9-F312-0B4F-936A-DC9DC27D64F0}"/>
               </a:ext>
             </a:extLst>
           </p:cNvPr>
@@ -6426,98 +6519,8 @@
         </p:blipFill>
         <p:spPr>
           <a:xfrm>
-            <a:off x="648253" y="2246488"/>
-            <a:ext cx="3492679" cy="1797142"/>
-          </a:xfrm>
-          <a:prstGeom prst="rect">
-            <a:avLst/>
-          </a:prstGeom>
-        </p:spPr>
-      </p:pic>
-      <p:pic>
-        <p:nvPicPr>
-          <p:cNvPr id="9" name="Immagine 8" descr="Immagine che contiene tavolo&#10;&#10;Descrizione generata automaticamente">
-            <a:extLst>
-              <a:ext uri="{FF2B5EF4-FFF2-40B4-BE49-F238E27FC236}">
-                <a16:creationId xmlns:a16="http://schemas.microsoft.com/office/drawing/2014/main" id="{F4C8D6E4-823A-0EEE-F6CC-0BD0D9131245}"/>
-              </a:ext>
-            </a:extLst>
-          </p:cNvPr>
-          <p:cNvPicPr>
-            <a:picLocks noChangeAspect="1"/>
-          </p:cNvPicPr>
-          <p:nvPr/>
-        </p:nvPicPr>
-        <p:blipFill>
-          <a:blip r:embed="rId5"/>
-          <a:stretch>
-            <a:fillRect/>
-          </a:stretch>
-        </p:blipFill>
-        <p:spPr>
-          <a:xfrm>
-            <a:off x="4921752" y="2199620"/>
-            <a:ext cx="3473629" cy="1835244"/>
-          </a:xfrm>
-          <a:prstGeom prst="rect">
-            <a:avLst/>
-          </a:prstGeom>
-        </p:spPr>
-      </p:pic>
-      <p:pic>
-        <p:nvPicPr>
-          <p:cNvPr id="17" name="Immagine 16" descr="Immagine che contiene tavolo&#10;&#10;Descrizione generata automaticamente">
-            <a:extLst>
-              <a:ext uri="{FF2B5EF4-FFF2-40B4-BE49-F238E27FC236}">
-                <a16:creationId xmlns:a16="http://schemas.microsoft.com/office/drawing/2014/main" id="{9D827D87-8A9B-E327-CCC9-189ED9197A10}"/>
-              </a:ext>
-            </a:extLst>
-          </p:cNvPr>
-          <p:cNvPicPr>
-            <a:picLocks noChangeAspect="1"/>
-          </p:cNvPicPr>
-          <p:nvPr/>
-        </p:nvPicPr>
-        <p:blipFill>
-          <a:blip r:embed="rId6"/>
-          <a:stretch>
-            <a:fillRect/>
-          </a:stretch>
-        </p:blipFill>
-        <p:spPr>
-          <a:xfrm>
-            <a:off x="705405" y="4201888"/>
-            <a:ext cx="3435527" cy="1778091"/>
-          </a:xfrm>
-          <a:prstGeom prst="rect">
-            <a:avLst/>
-          </a:prstGeom>
-        </p:spPr>
-      </p:pic>
-      <p:pic>
-        <p:nvPicPr>
-          <p:cNvPr id="20" name="Immagine 19" descr="Immagine che contiene tavolo&#10;&#10;Descrizione generata automaticamente">
-            <a:extLst>
-              <a:ext uri="{FF2B5EF4-FFF2-40B4-BE49-F238E27FC236}">
-                <a16:creationId xmlns:a16="http://schemas.microsoft.com/office/drawing/2014/main" id="{F66D0063-C10D-C32C-6CEF-0FFE397D0E8C}"/>
-              </a:ext>
-            </a:extLst>
-          </p:cNvPr>
-          <p:cNvPicPr>
-            <a:picLocks noChangeAspect="1"/>
-          </p:cNvPicPr>
-          <p:nvPr/>
-        </p:nvPicPr>
-        <p:blipFill>
-          <a:blip r:embed="rId7"/>
-          <a:stretch>
-            <a:fillRect/>
-          </a:stretch>
-        </p:blipFill>
-        <p:spPr>
-          <a:xfrm>
-            <a:off x="4883542" y="4154552"/>
-            <a:ext cx="3448227" cy="1835244"/>
+            <a:off x="648253" y="2074445"/>
+            <a:ext cx="7556998" cy="4553873"/>
           </a:xfrm>
           <a:prstGeom prst="rect">
             <a:avLst/>
@@ -6527,7 +6530,7 @@
     </p:spTree>
     <p:extLst>
       <p:ext uri="{BB962C8B-B14F-4D97-AF65-F5344CB8AC3E}">
-        <p14:creationId xmlns:p14="http://schemas.microsoft.com/office/powerpoint/2010/main" val="3526100407"/>
+        <p14:creationId xmlns:p14="http://schemas.microsoft.com/office/powerpoint/2010/main" val="3873782385"/>
       </p:ext>
     </p:extLst>
   </p:cSld>
@@ -6587,7 +6590,7 @@
         <p:spPr>
           <a:xfrm>
             <a:off x="648253" y="1305402"/>
-            <a:ext cx="5196702" cy="461665"/>
+            <a:ext cx="5196702" cy="830997"/>
           </a:xfrm>
           <a:prstGeom prst="rect">
             <a:avLst/>
@@ -6625,6 +6628,17 @@
               <a:t> Analysis</a:t>
             </a:r>
           </a:p>
+          <a:p>
+            <a:endParaRPr lang="it-IT" sz="2400" b="1" dirty="0">
+              <a:solidFill>
+                <a:schemeClr val="accent1">
+                  <a:lumMod val="75000"/>
+                </a:schemeClr>
+              </a:solidFill>
+              <a:latin typeface="Arial"/>
+              <a:cs typeface="Arial"/>
+            </a:endParaRPr>
+          </a:p>
         </p:txBody>
       </p:sp>
       <p:sp>
@@ -6636,7 +6650,7 @@
         <p:spPr>
           <a:xfrm>
             <a:off x="648253" y="1705113"/>
-            <a:ext cx="1877502" cy="369332"/>
+            <a:ext cx="1146468" cy="369332"/>
           </a:xfrm>
           <a:prstGeom prst="rect">
             <a:avLst/>
@@ -6650,18 +6664,60 @@
           <a:lstStyle/>
           <a:p>
             <a:r>
-              <a:rPr lang="it-IT" dirty="0" err="1">
-                <a:latin typeface="Arial"/>
-                <a:cs typeface="Arial"/>
-              </a:rPr>
-              <a:t>Execution</a:t>
-            </a:r>
-            <a:r>
               <a:rPr lang="it-IT" dirty="0">
                 <a:latin typeface="Arial"/>
                 <a:cs typeface="Arial"/>
               </a:rPr>
-              <a:t> Times</a:t>
+              <a:t>Definition</a:t>
+            </a:r>
+          </a:p>
+        </p:txBody>
+      </p:sp>
+      <p:sp>
+        <p:nvSpPr>
+          <p:cNvPr id="9" name="CasellaDiTesto 8"/>
+          <p:cNvSpPr txBox="1"/>
+          <p:nvPr/>
+        </p:nvSpPr>
+        <p:spPr>
+          <a:xfrm>
+            <a:off x="648253" y="2378264"/>
+            <a:ext cx="7819027" cy="1169551"/>
+          </a:xfrm>
+          <a:prstGeom prst="rect">
+            <a:avLst/>
+          </a:prstGeom>
+          <a:noFill/>
+        </p:spPr>
+        <p:txBody>
+          <a:bodyPr wrap="square" rtlCol="0">
+            <a:spAutoFit/>
+          </a:bodyPr>
+          <a:lstStyle/>
+          <a:p>
+            <a:pPr algn="just"/>
+            <a:r>
+              <a:rPr lang="en-US" sz="1400" dirty="0"/>
+              <a:t>In order to compare the performance of a sequential algorithm with its parallel version we can use the concept of </a:t>
+            </a:r>
+            <a:r>
+              <a:rPr lang="en-US" sz="1400" b="1" dirty="0"/>
+              <a:t>speedup</a:t>
+            </a:r>
+            <a:r>
+              <a:rPr lang="en-US" sz="1400" dirty="0"/>
+              <a:t>.</a:t>
+            </a:r>
+          </a:p>
+          <a:p>
+            <a:pPr algn="just"/>
+            <a:endParaRPr lang="en-US" sz="1400" dirty="0"/>
+          </a:p>
+          <a:p>
+            <a:pPr algn="just"/>
+            <a:r>
+              <a:rPr lang="en-US" sz="1400" dirty="0"/>
+              <a:t>Speedup is measured as the ratio between the execution time of the sequential algorithm and the parallel one.</a:t>
             </a:r>
           </a:p>
         </p:txBody>
@@ -6741,6 +6797,1552 @@
               </a:rPr>
               <a:pPr/>
               <a:t>13</a:t>
+            </a:fld>
+            <a:endParaRPr lang="it-IT" b="1" dirty="0">
+              <a:solidFill>
+                <a:schemeClr val="bg1"/>
+              </a:solidFill>
+              <a:latin typeface="Arial"/>
+              <a:cs typeface="Arial"/>
+            </a:endParaRPr>
+          </a:p>
+        </p:txBody>
+      </p:sp>
+      <p:sp>
+        <p:nvSpPr>
+          <p:cNvPr id="10" name="CasellaDiTesto 9"/>
+          <p:cNvSpPr txBox="1"/>
+          <p:nvPr/>
+        </p:nvSpPr>
+        <p:spPr>
+          <a:xfrm>
+            <a:off x="5844956" y="51433"/>
+            <a:ext cx="2848857" cy="338554"/>
+          </a:xfrm>
+          <a:prstGeom prst="rect">
+            <a:avLst/>
+          </a:prstGeom>
+          <a:noFill/>
+        </p:spPr>
+        <p:txBody>
+          <a:bodyPr wrap="none" rtlCol="0">
+            <a:spAutoFit/>
+          </a:bodyPr>
+          <a:lstStyle/>
+          <a:p>
+            <a:pPr algn="r"/>
+            <a:r>
+              <a:rPr lang="it-IT" sz="800" b="1" dirty="0">
+                <a:solidFill>
+                  <a:schemeClr val="bg1"/>
+                </a:solidFill>
+                <a:latin typeface="Arial"/>
+                <a:cs typeface="Arial"/>
+              </a:rPr>
+              <a:t>Kernel Image Processing</a:t>
+            </a:r>
+          </a:p>
+          <a:p>
+            <a:pPr algn="r"/>
+            <a:r>
+              <a:rPr lang="it-IT" sz="800" b="1" dirty="0" err="1">
+                <a:solidFill>
+                  <a:schemeClr val="bg1"/>
+                </a:solidFill>
+                <a:latin typeface="Arial"/>
+                <a:cs typeface="Arial"/>
+              </a:rPr>
+              <a:t>Comparison</a:t>
+            </a:r>
+            <a:r>
+              <a:rPr lang="it-IT" sz="800" b="1" dirty="0">
+                <a:solidFill>
+                  <a:schemeClr val="bg1"/>
+                </a:solidFill>
+                <a:latin typeface="Arial"/>
+                <a:cs typeface="Arial"/>
+              </a:rPr>
+              <a:t> </a:t>
+            </a:r>
+            <a:r>
+              <a:rPr lang="it-IT" sz="800" b="1" dirty="0" err="1">
+                <a:solidFill>
+                  <a:schemeClr val="bg1"/>
+                </a:solidFill>
+                <a:latin typeface="Arial"/>
+                <a:cs typeface="Arial"/>
+              </a:rPr>
+              <a:t>between</a:t>
+            </a:r>
+            <a:r>
+              <a:rPr lang="it-IT" sz="800" b="1" dirty="0">
+                <a:solidFill>
+                  <a:schemeClr val="bg1"/>
+                </a:solidFill>
+                <a:latin typeface="Arial"/>
+                <a:cs typeface="Arial"/>
+              </a:rPr>
+              <a:t> a </a:t>
+            </a:r>
+            <a:r>
+              <a:rPr lang="it-IT" sz="800" b="1" dirty="0" err="1">
+                <a:solidFill>
+                  <a:schemeClr val="bg1"/>
+                </a:solidFill>
+                <a:latin typeface="Arial"/>
+                <a:cs typeface="Arial"/>
+              </a:rPr>
+              <a:t>sequential</a:t>
+            </a:r>
+            <a:r>
+              <a:rPr lang="it-IT" sz="800" b="1" dirty="0">
+                <a:solidFill>
+                  <a:schemeClr val="bg1"/>
+                </a:solidFill>
+                <a:latin typeface="Arial"/>
+                <a:cs typeface="Arial"/>
+              </a:rPr>
+              <a:t> and </a:t>
+            </a:r>
+            <a:r>
+              <a:rPr lang="it-IT" sz="800" b="1" dirty="0" err="1">
+                <a:solidFill>
+                  <a:schemeClr val="bg1"/>
+                </a:solidFill>
+                <a:latin typeface="Arial"/>
+                <a:cs typeface="Arial"/>
+              </a:rPr>
+              <a:t>parallel</a:t>
+            </a:r>
+            <a:r>
+              <a:rPr lang="it-IT" sz="800" b="1" dirty="0">
+                <a:solidFill>
+                  <a:schemeClr val="bg1"/>
+                </a:solidFill>
+                <a:latin typeface="Arial"/>
+                <a:cs typeface="Arial"/>
+              </a:rPr>
+              <a:t> </a:t>
+            </a:r>
+            <a:r>
+              <a:rPr lang="it-IT" sz="800" b="1" dirty="0" err="1">
+                <a:solidFill>
+                  <a:schemeClr val="bg1"/>
+                </a:solidFill>
+                <a:latin typeface="Arial"/>
+                <a:cs typeface="Arial"/>
+              </a:rPr>
+              <a:t>version</a:t>
+            </a:r>
+            <a:endParaRPr lang="it-IT" sz="800" b="1" dirty="0">
+              <a:solidFill>
+                <a:schemeClr val="bg1"/>
+              </a:solidFill>
+              <a:latin typeface="Arial"/>
+              <a:cs typeface="Arial"/>
+            </a:endParaRPr>
+          </a:p>
+        </p:txBody>
+      </p:sp>
+      <p:sp>
+        <p:nvSpPr>
+          <p:cNvPr id="14" name="CasellaDiTesto 13"/>
+          <p:cNvSpPr txBox="1"/>
+          <p:nvPr/>
+        </p:nvSpPr>
+        <p:spPr>
+          <a:xfrm>
+            <a:off x="7082015" y="403482"/>
+            <a:ext cx="1621846" cy="492443"/>
+          </a:xfrm>
+          <a:prstGeom prst="rect">
+            <a:avLst/>
+          </a:prstGeom>
+          <a:noFill/>
+        </p:spPr>
+        <p:txBody>
+          <a:bodyPr wrap="none" rtlCol="0">
+            <a:spAutoFit/>
+          </a:bodyPr>
+          <a:lstStyle/>
+          <a:p>
+            <a:pPr algn="r"/>
+            <a:r>
+              <a:rPr lang="it-IT" sz="800" dirty="0">
+                <a:solidFill>
+                  <a:schemeClr val="bg1"/>
+                </a:solidFill>
+                <a:latin typeface="Arial"/>
+                <a:cs typeface="Arial"/>
+              </a:rPr>
+              <a:t>Firenze – 12/1/2023</a:t>
+            </a:r>
+          </a:p>
+          <a:p>
+            <a:endParaRPr lang="it-IT" dirty="0"/>
+          </a:p>
+        </p:txBody>
+      </p:sp>
+      <p:pic>
+        <p:nvPicPr>
+          <p:cNvPr id="5" name="Immagine 4">
+            <a:extLst>
+              <a:ext uri="{FF2B5EF4-FFF2-40B4-BE49-F238E27FC236}">
+                <a16:creationId xmlns:a16="http://schemas.microsoft.com/office/drawing/2014/main" id="{50110DEC-1E9A-2C82-AA49-62E6374C5D9F}"/>
+              </a:ext>
+            </a:extLst>
+          </p:cNvPr>
+          <p:cNvPicPr>
+            <a:picLocks noChangeAspect="1"/>
+          </p:cNvPicPr>
+          <p:nvPr/>
+        </p:nvPicPr>
+        <p:blipFill>
+          <a:blip r:embed="rId4"/>
+          <a:stretch>
+            <a:fillRect/>
+          </a:stretch>
+        </p:blipFill>
+        <p:spPr>
+          <a:xfrm>
+            <a:off x="4040484" y="3547815"/>
+            <a:ext cx="1099544" cy="1056842"/>
+          </a:xfrm>
+          <a:prstGeom prst="rect">
+            <a:avLst/>
+          </a:prstGeom>
+        </p:spPr>
+      </p:pic>
+      <p:sp>
+        <p:nvSpPr>
+          <p:cNvPr id="6" name="CasellaDiTesto 5">
+            <a:extLst>
+              <a:ext uri="{FF2B5EF4-FFF2-40B4-BE49-F238E27FC236}">
+                <a16:creationId xmlns:a16="http://schemas.microsoft.com/office/drawing/2014/main" id="{1ABFE85D-59C6-350B-0C36-765E48E99E35}"/>
+              </a:ext>
+            </a:extLst>
+          </p:cNvPr>
+          <p:cNvSpPr txBox="1"/>
+          <p:nvPr/>
+        </p:nvSpPr>
+        <p:spPr>
+          <a:xfrm>
+            <a:off x="648252" y="4768544"/>
+            <a:ext cx="7819027" cy="523220"/>
+          </a:xfrm>
+          <a:prstGeom prst="rect">
+            <a:avLst/>
+          </a:prstGeom>
+          <a:noFill/>
+        </p:spPr>
+        <p:txBody>
+          <a:bodyPr wrap="square" rtlCol="0">
+            <a:spAutoFit/>
+          </a:bodyPr>
+          <a:lstStyle/>
+          <a:p>
+            <a:pPr algn="just"/>
+            <a:r>
+              <a:rPr lang="en-US" sz="1400" dirty="0"/>
+              <a:t>Ideally, we should look for </a:t>
+            </a:r>
+            <a:r>
+              <a:rPr lang="en-US" sz="1400" i="1" dirty="0"/>
+              <a:t>perfect speedup </a:t>
+            </a:r>
+            <a:r>
+              <a:rPr lang="en-US" sz="1400" dirty="0"/>
+              <a:t>or even </a:t>
+            </a:r>
+            <a:r>
+              <a:rPr lang="en-US" sz="1400" i="1" dirty="0"/>
+              <a:t>linear speedup</a:t>
+            </a:r>
+            <a:r>
+              <a:rPr lang="en-US" sz="1400" dirty="0"/>
+              <a:t>, meaning S should be equal or similar to the number of processors used to perform the parallel algorithm.</a:t>
+            </a:r>
+          </a:p>
+        </p:txBody>
+      </p:sp>
+    </p:spTree>
+    <p:extLst>
+      <p:ext uri="{BB962C8B-B14F-4D97-AF65-F5344CB8AC3E}">
+        <p14:creationId xmlns:p14="http://schemas.microsoft.com/office/powerpoint/2010/main" val="2140452309"/>
+      </p:ext>
+    </p:extLst>
+  </p:cSld>
+  <p:clrMapOvr>
+    <a:masterClrMapping/>
+  </p:clrMapOvr>
+</p:sld>
+</file>
+
+<file path=ppt/slides/slide14.xml><?xml version="1.0" encoding="utf-8"?>
+<p:sld xmlns:a="http://schemas.openxmlformats.org/drawingml/2006/main" xmlns:r="http://schemas.openxmlformats.org/officeDocument/2006/relationships" xmlns:p="http://schemas.openxmlformats.org/presentationml/2006/main">
+  <p:cSld>
+    <p:spTree>
+      <p:nvGrpSpPr>
+        <p:cNvPr id="1" name=""/>
+        <p:cNvGrpSpPr/>
+        <p:nvPr/>
+      </p:nvGrpSpPr>
+      <p:grpSpPr>
+        <a:xfrm>
+          <a:off x="0" y="0"/>
+          <a:ext cx="0" cy="0"/>
+          <a:chOff x="0" y="0"/>
+          <a:chExt cx="0" cy="0"/>
+        </a:xfrm>
+      </p:grpSpPr>
+      <p:pic>
+        <p:nvPicPr>
+          <p:cNvPr id="2" name="Immagine 1"/>
+          <p:cNvPicPr>
+            <a:picLocks noChangeAspect="1"/>
+          </p:cNvPicPr>
+          <p:nvPr/>
+        </p:nvPicPr>
+        <p:blipFill>
+          <a:blip r:embed="rId3"/>
+          <a:stretch>
+            <a:fillRect/>
+          </a:stretch>
+        </p:blipFill>
+        <p:spPr>
+          <a:xfrm>
+            <a:off x="0" y="1707"/>
+            <a:ext cx="9180512" cy="6872633"/>
+          </a:xfrm>
+          <a:prstGeom prst="rect">
+            <a:avLst/>
+          </a:prstGeom>
+        </p:spPr>
+      </p:pic>
+      <p:sp>
+        <p:nvSpPr>
+          <p:cNvPr id="7" name="CasellaDiTesto 6"/>
+          <p:cNvSpPr txBox="1"/>
+          <p:nvPr/>
+        </p:nvSpPr>
+        <p:spPr>
+          <a:xfrm>
+            <a:off x="648253" y="1305402"/>
+            <a:ext cx="5196702" cy="461665"/>
+          </a:xfrm>
+          <a:prstGeom prst="rect">
+            <a:avLst/>
+          </a:prstGeom>
+          <a:noFill/>
+        </p:spPr>
+        <p:txBody>
+          <a:bodyPr wrap="square" rtlCol="0">
+            <a:spAutoFit/>
+          </a:bodyPr>
+          <a:lstStyle/>
+          <a:p>
+            <a:r>
+              <a:rPr lang="it-IT" sz="2400" b="1" dirty="0" err="1">
+                <a:solidFill>
+                  <a:schemeClr val="accent1">
+                    <a:lumMod val="75000"/>
+                  </a:schemeClr>
+                </a:solidFill>
+                <a:latin typeface="Arial"/>
+                <a:cs typeface="Arial"/>
+              </a:rPr>
+              <a:t>Speedup</a:t>
+            </a:r>
+            <a:r>
+              <a:rPr lang="it-IT" sz="2400" b="1" dirty="0">
+                <a:solidFill>
+                  <a:schemeClr val="accent1">
+                    <a:lumMod val="75000"/>
+                  </a:schemeClr>
+                </a:solidFill>
+                <a:latin typeface="Arial"/>
+                <a:cs typeface="Arial"/>
+              </a:rPr>
+              <a:t> Analysis</a:t>
+            </a:r>
+          </a:p>
+        </p:txBody>
+      </p:sp>
+      <p:sp>
+        <p:nvSpPr>
+          <p:cNvPr id="8" name="CasellaDiTesto 7"/>
+          <p:cNvSpPr txBox="1"/>
+          <p:nvPr/>
+        </p:nvSpPr>
+        <p:spPr>
+          <a:xfrm>
+            <a:off x="648253" y="1705113"/>
+            <a:ext cx="4117474" cy="369332"/>
+          </a:xfrm>
+          <a:prstGeom prst="rect">
+            <a:avLst/>
+          </a:prstGeom>
+          <a:noFill/>
+        </p:spPr>
+        <p:txBody>
+          <a:bodyPr wrap="none" rtlCol="0">
+            <a:spAutoFit/>
+          </a:bodyPr>
+          <a:lstStyle/>
+          <a:p>
+            <a:r>
+              <a:rPr lang="it-IT" dirty="0" err="1">
+                <a:latin typeface="Arial"/>
+                <a:cs typeface="Arial"/>
+              </a:rPr>
+              <a:t>Speedup</a:t>
+            </a:r>
+            <a:r>
+              <a:rPr lang="it-IT" dirty="0">
+                <a:latin typeface="Arial"/>
+                <a:cs typeface="Arial"/>
+              </a:rPr>
+              <a:t> </a:t>
+            </a:r>
+            <a:r>
+              <a:rPr lang="it-IT" dirty="0" err="1">
+                <a:latin typeface="Arial"/>
+                <a:cs typeface="Arial"/>
+              </a:rPr>
+              <a:t>results</a:t>
+            </a:r>
+            <a:r>
+              <a:rPr lang="it-IT" dirty="0">
+                <a:latin typeface="Arial"/>
+                <a:cs typeface="Arial"/>
+              </a:rPr>
+              <a:t> with </a:t>
+            </a:r>
+            <a:r>
+              <a:rPr lang="it-IT" dirty="0" err="1">
+                <a:latin typeface="Arial"/>
+                <a:cs typeface="Arial"/>
+              </a:rPr>
+              <a:t>different</a:t>
+            </a:r>
+            <a:r>
+              <a:rPr lang="it-IT" dirty="0">
+                <a:latin typeface="Arial"/>
+                <a:cs typeface="Arial"/>
+              </a:rPr>
+              <a:t> K and N</a:t>
+            </a:r>
+          </a:p>
+        </p:txBody>
+      </p:sp>
+      <p:sp>
+        <p:nvSpPr>
+          <p:cNvPr id="12" name="Rettangolo 11"/>
+          <p:cNvSpPr/>
+          <p:nvPr/>
+        </p:nvSpPr>
+        <p:spPr>
+          <a:xfrm>
+            <a:off x="8255000" y="6366466"/>
+            <a:ext cx="280763" cy="501650"/>
+          </a:xfrm>
+          <a:prstGeom prst="rect">
+            <a:avLst/>
+          </a:prstGeom>
+          <a:solidFill>
+            <a:srgbClr val="003053"/>
+          </a:solidFill>
+        </p:spPr>
+        <p:style>
+          <a:lnRef idx="1">
+            <a:schemeClr val="accent1"/>
+          </a:lnRef>
+          <a:fillRef idx="3">
+            <a:schemeClr val="accent1"/>
+          </a:fillRef>
+          <a:effectRef idx="2">
+            <a:schemeClr val="accent1"/>
+          </a:effectRef>
+          <a:fontRef idx="minor">
+            <a:schemeClr val="lt1"/>
+          </a:fontRef>
+        </p:style>
+        <p:txBody>
+          <a:bodyPr rtlCol="0" anchor="ctr"/>
+          <a:lstStyle/>
+          <a:p>
+            <a:pPr algn="ctr"/>
+            <a:endParaRPr lang="it-IT">
+              <a:solidFill>
+                <a:srgbClr val="003257"/>
+              </a:solidFill>
+            </a:endParaRPr>
+          </a:p>
+        </p:txBody>
+      </p:sp>
+      <p:sp>
+        <p:nvSpPr>
+          <p:cNvPr id="11" name="Segnaposto numero diapositiva 10"/>
+          <p:cNvSpPr>
+            <a:spLocks noGrp="1"/>
+          </p:cNvSpPr>
+          <p:nvPr>
+            <p:ph type="sldNum" sz="quarter" idx="12"/>
+          </p:nvPr>
+        </p:nvSpPr>
+        <p:spPr>
+          <a:xfrm>
+            <a:off x="6402163" y="6356350"/>
+            <a:ext cx="2133600" cy="365125"/>
+          </a:xfrm>
+        </p:spPr>
+        <p:txBody>
+          <a:bodyPr/>
+          <a:lstStyle/>
+          <a:p>
+            <a:fld id="{8EB8520A-26EA-DE4B-B141-4532FC98FF0E}" type="slidenum">
+              <a:rPr lang="it-IT" b="1" smtClean="0">
+                <a:solidFill>
+                  <a:schemeClr val="bg1"/>
+                </a:solidFill>
+                <a:latin typeface="Arial"/>
+                <a:cs typeface="Arial"/>
+              </a:rPr>
+              <a:pPr/>
+              <a:t>14</a:t>
+            </a:fld>
+            <a:endParaRPr lang="it-IT" b="1" dirty="0">
+              <a:solidFill>
+                <a:schemeClr val="bg1"/>
+              </a:solidFill>
+              <a:latin typeface="Arial"/>
+              <a:cs typeface="Arial"/>
+            </a:endParaRPr>
+          </a:p>
+        </p:txBody>
+      </p:sp>
+      <p:sp>
+        <p:nvSpPr>
+          <p:cNvPr id="10" name="CasellaDiTesto 9"/>
+          <p:cNvSpPr txBox="1"/>
+          <p:nvPr/>
+        </p:nvSpPr>
+        <p:spPr>
+          <a:xfrm>
+            <a:off x="5844956" y="51433"/>
+            <a:ext cx="2848857" cy="338554"/>
+          </a:xfrm>
+          <a:prstGeom prst="rect">
+            <a:avLst/>
+          </a:prstGeom>
+          <a:noFill/>
+        </p:spPr>
+        <p:txBody>
+          <a:bodyPr wrap="none" rtlCol="0">
+            <a:spAutoFit/>
+          </a:bodyPr>
+          <a:lstStyle/>
+          <a:p>
+            <a:pPr algn="r"/>
+            <a:r>
+              <a:rPr lang="it-IT" sz="800" b="1" dirty="0">
+                <a:solidFill>
+                  <a:schemeClr val="bg1"/>
+                </a:solidFill>
+                <a:latin typeface="Arial"/>
+                <a:cs typeface="Arial"/>
+              </a:rPr>
+              <a:t>Kernel Image Processing</a:t>
+            </a:r>
+          </a:p>
+          <a:p>
+            <a:pPr algn="r"/>
+            <a:r>
+              <a:rPr lang="it-IT" sz="800" b="1" dirty="0" err="1">
+                <a:solidFill>
+                  <a:schemeClr val="bg1"/>
+                </a:solidFill>
+                <a:latin typeface="Arial"/>
+                <a:cs typeface="Arial"/>
+              </a:rPr>
+              <a:t>Comparison</a:t>
+            </a:r>
+            <a:r>
+              <a:rPr lang="it-IT" sz="800" b="1" dirty="0">
+                <a:solidFill>
+                  <a:schemeClr val="bg1"/>
+                </a:solidFill>
+                <a:latin typeface="Arial"/>
+                <a:cs typeface="Arial"/>
+              </a:rPr>
+              <a:t> </a:t>
+            </a:r>
+            <a:r>
+              <a:rPr lang="it-IT" sz="800" b="1" dirty="0" err="1">
+                <a:solidFill>
+                  <a:schemeClr val="bg1"/>
+                </a:solidFill>
+                <a:latin typeface="Arial"/>
+                <a:cs typeface="Arial"/>
+              </a:rPr>
+              <a:t>between</a:t>
+            </a:r>
+            <a:r>
+              <a:rPr lang="it-IT" sz="800" b="1" dirty="0">
+                <a:solidFill>
+                  <a:schemeClr val="bg1"/>
+                </a:solidFill>
+                <a:latin typeface="Arial"/>
+                <a:cs typeface="Arial"/>
+              </a:rPr>
+              <a:t> a </a:t>
+            </a:r>
+            <a:r>
+              <a:rPr lang="it-IT" sz="800" b="1" dirty="0" err="1">
+                <a:solidFill>
+                  <a:schemeClr val="bg1"/>
+                </a:solidFill>
+                <a:latin typeface="Arial"/>
+                <a:cs typeface="Arial"/>
+              </a:rPr>
+              <a:t>sequential</a:t>
+            </a:r>
+            <a:r>
+              <a:rPr lang="it-IT" sz="800" b="1" dirty="0">
+                <a:solidFill>
+                  <a:schemeClr val="bg1"/>
+                </a:solidFill>
+                <a:latin typeface="Arial"/>
+                <a:cs typeface="Arial"/>
+              </a:rPr>
+              <a:t> and </a:t>
+            </a:r>
+            <a:r>
+              <a:rPr lang="it-IT" sz="800" b="1" dirty="0" err="1">
+                <a:solidFill>
+                  <a:schemeClr val="bg1"/>
+                </a:solidFill>
+                <a:latin typeface="Arial"/>
+                <a:cs typeface="Arial"/>
+              </a:rPr>
+              <a:t>parallel</a:t>
+            </a:r>
+            <a:r>
+              <a:rPr lang="it-IT" sz="800" b="1" dirty="0">
+                <a:solidFill>
+                  <a:schemeClr val="bg1"/>
+                </a:solidFill>
+                <a:latin typeface="Arial"/>
+                <a:cs typeface="Arial"/>
+              </a:rPr>
+              <a:t> </a:t>
+            </a:r>
+            <a:r>
+              <a:rPr lang="it-IT" sz="800" b="1" dirty="0" err="1">
+                <a:solidFill>
+                  <a:schemeClr val="bg1"/>
+                </a:solidFill>
+                <a:latin typeface="Arial"/>
+                <a:cs typeface="Arial"/>
+              </a:rPr>
+              <a:t>version</a:t>
+            </a:r>
+            <a:endParaRPr lang="it-IT" sz="800" b="1" dirty="0">
+              <a:solidFill>
+                <a:schemeClr val="bg1"/>
+              </a:solidFill>
+              <a:latin typeface="Arial"/>
+              <a:cs typeface="Arial"/>
+            </a:endParaRPr>
+          </a:p>
+        </p:txBody>
+      </p:sp>
+      <p:sp>
+        <p:nvSpPr>
+          <p:cNvPr id="14" name="CasellaDiTesto 13"/>
+          <p:cNvSpPr txBox="1"/>
+          <p:nvPr/>
+        </p:nvSpPr>
+        <p:spPr>
+          <a:xfrm>
+            <a:off x="7082015" y="403482"/>
+            <a:ext cx="1621846" cy="492443"/>
+          </a:xfrm>
+          <a:prstGeom prst="rect">
+            <a:avLst/>
+          </a:prstGeom>
+          <a:noFill/>
+        </p:spPr>
+        <p:txBody>
+          <a:bodyPr wrap="none" rtlCol="0">
+            <a:spAutoFit/>
+          </a:bodyPr>
+          <a:lstStyle/>
+          <a:p>
+            <a:pPr algn="r"/>
+            <a:r>
+              <a:rPr lang="it-IT" sz="800" dirty="0">
+                <a:solidFill>
+                  <a:schemeClr val="bg1"/>
+                </a:solidFill>
+                <a:latin typeface="Arial"/>
+                <a:cs typeface="Arial"/>
+              </a:rPr>
+              <a:t>Firenze – 12/1/2023</a:t>
+            </a:r>
+          </a:p>
+          <a:p>
+            <a:endParaRPr lang="it-IT" dirty="0"/>
+          </a:p>
+        </p:txBody>
+      </p:sp>
+      <p:sp>
+        <p:nvSpPr>
+          <p:cNvPr id="3" name="CasellaDiTesto 2">
+            <a:extLst>
+              <a:ext uri="{FF2B5EF4-FFF2-40B4-BE49-F238E27FC236}">
+                <a16:creationId xmlns:a16="http://schemas.microsoft.com/office/drawing/2014/main" id="{B95BC8D1-F5D2-3865-EF9B-C4FEEBA9C244}"/>
+              </a:ext>
+            </a:extLst>
+          </p:cNvPr>
+          <p:cNvSpPr txBox="1"/>
+          <p:nvPr/>
+        </p:nvSpPr>
+        <p:spPr>
+          <a:xfrm>
+            <a:off x="648253" y="2378264"/>
+            <a:ext cx="7819027" cy="738664"/>
+          </a:xfrm>
+          <a:prstGeom prst="rect">
+            <a:avLst/>
+          </a:prstGeom>
+          <a:noFill/>
+        </p:spPr>
+        <p:txBody>
+          <a:bodyPr wrap="square" rtlCol="0">
+            <a:spAutoFit/>
+          </a:bodyPr>
+          <a:lstStyle/>
+          <a:p>
+            <a:pPr algn="just"/>
+            <a:r>
+              <a:rPr lang="en-US" sz="1400" dirty="0"/>
+              <a:t>The experiments were performed on a Intel Core i7-1165G7 with 4 physical cores 8 logical cores.</a:t>
+            </a:r>
+          </a:p>
+          <a:p>
+            <a:pPr algn="just"/>
+            <a:endParaRPr lang="en-US" sz="1400" dirty="0"/>
+          </a:p>
+          <a:p>
+            <a:pPr algn="just"/>
+            <a:r>
+              <a:rPr lang="en-US" sz="1400" dirty="0"/>
+              <a:t>To evaluate the application performance, different images and kernel sizes were used.</a:t>
+            </a:r>
+          </a:p>
+        </p:txBody>
+      </p:sp>
+      <p:pic>
+        <p:nvPicPr>
+          <p:cNvPr id="9" name="Immagine 8">
+            <a:extLst>
+              <a:ext uri="{FF2B5EF4-FFF2-40B4-BE49-F238E27FC236}">
+                <a16:creationId xmlns:a16="http://schemas.microsoft.com/office/drawing/2014/main" id="{10857534-F219-B1DB-7276-B82CC8185C70}"/>
+              </a:ext>
+            </a:extLst>
+          </p:cNvPr>
+          <p:cNvPicPr>
+            <a:picLocks noChangeAspect="1"/>
+          </p:cNvPicPr>
+          <p:nvPr/>
+        </p:nvPicPr>
+        <p:blipFill>
+          <a:blip r:embed="rId4"/>
+          <a:stretch>
+            <a:fillRect/>
+          </a:stretch>
+        </p:blipFill>
+        <p:spPr>
+          <a:xfrm>
+            <a:off x="4799747" y="3426989"/>
+            <a:ext cx="4221659" cy="3336770"/>
+          </a:xfrm>
+          <a:prstGeom prst="rect">
+            <a:avLst/>
+          </a:prstGeom>
+        </p:spPr>
+      </p:pic>
+      <p:pic>
+        <p:nvPicPr>
+          <p:cNvPr id="15" name="Immagine 14">
+            <a:extLst>
+              <a:ext uri="{FF2B5EF4-FFF2-40B4-BE49-F238E27FC236}">
+                <a16:creationId xmlns:a16="http://schemas.microsoft.com/office/drawing/2014/main" id="{5D01A203-6486-DB8F-EAB1-71C84FB6C7D1}"/>
+              </a:ext>
+            </a:extLst>
+          </p:cNvPr>
+          <p:cNvPicPr>
+            <a:picLocks noChangeAspect="1"/>
+          </p:cNvPicPr>
+          <p:nvPr/>
+        </p:nvPicPr>
+        <p:blipFill>
+          <a:blip r:embed="rId5"/>
+          <a:stretch>
+            <a:fillRect/>
+          </a:stretch>
+        </p:blipFill>
+        <p:spPr>
+          <a:xfrm>
+            <a:off x="544068" y="3291642"/>
+            <a:ext cx="4221659" cy="3487729"/>
+          </a:xfrm>
+          <a:prstGeom prst="rect">
+            <a:avLst/>
+          </a:prstGeom>
+        </p:spPr>
+      </p:pic>
+    </p:spTree>
+    <p:extLst>
+      <p:ext uri="{BB962C8B-B14F-4D97-AF65-F5344CB8AC3E}">
+        <p14:creationId xmlns:p14="http://schemas.microsoft.com/office/powerpoint/2010/main" val="3113929549"/>
+      </p:ext>
+    </p:extLst>
+  </p:cSld>
+  <p:clrMapOvr>
+    <a:masterClrMapping/>
+  </p:clrMapOvr>
+</p:sld>
+</file>
+
+<file path=ppt/slides/slide15.xml><?xml version="1.0" encoding="utf-8"?>
+<p:sld xmlns:a="http://schemas.openxmlformats.org/drawingml/2006/main" xmlns:r="http://schemas.openxmlformats.org/officeDocument/2006/relationships" xmlns:p="http://schemas.openxmlformats.org/presentationml/2006/main">
+  <p:cSld>
+    <p:spTree>
+      <p:nvGrpSpPr>
+        <p:cNvPr id="1" name=""/>
+        <p:cNvGrpSpPr/>
+        <p:nvPr/>
+      </p:nvGrpSpPr>
+      <p:grpSpPr>
+        <a:xfrm>
+          <a:off x="0" y="0"/>
+          <a:ext cx="0" cy="0"/>
+          <a:chOff x="0" y="0"/>
+          <a:chExt cx="0" cy="0"/>
+        </a:xfrm>
+      </p:grpSpPr>
+      <p:pic>
+        <p:nvPicPr>
+          <p:cNvPr id="2" name="Immagine 1"/>
+          <p:cNvPicPr>
+            <a:picLocks noChangeAspect="1"/>
+          </p:cNvPicPr>
+          <p:nvPr/>
+        </p:nvPicPr>
+        <p:blipFill>
+          <a:blip r:embed="rId3"/>
+          <a:stretch>
+            <a:fillRect/>
+          </a:stretch>
+        </p:blipFill>
+        <p:spPr>
+          <a:xfrm>
+            <a:off x="0" y="1707"/>
+            <a:ext cx="9180512" cy="6872633"/>
+          </a:xfrm>
+          <a:prstGeom prst="rect">
+            <a:avLst/>
+          </a:prstGeom>
+        </p:spPr>
+      </p:pic>
+      <p:sp>
+        <p:nvSpPr>
+          <p:cNvPr id="7" name="CasellaDiTesto 6"/>
+          <p:cNvSpPr txBox="1"/>
+          <p:nvPr/>
+        </p:nvSpPr>
+        <p:spPr>
+          <a:xfrm>
+            <a:off x="648253" y="1305402"/>
+            <a:ext cx="5196702" cy="461665"/>
+          </a:xfrm>
+          <a:prstGeom prst="rect">
+            <a:avLst/>
+          </a:prstGeom>
+          <a:noFill/>
+        </p:spPr>
+        <p:txBody>
+          <a:bodyPr wrap="square" rtlCol="0">
+            <a:spAutoFit/>
+          </a:bodyPr>
+          <a:lstStyle/>
+          <a:p>
+            <a:r>
+              <a:rPr lang="it-IT" sz="2400" b="1" dirty="0" err="1">
+                <a:solidFill>
+                  <a:schemeClr val="accent1">
+                    <a:lumMod val="75000"/>
+                  </a:schemeClr>
+                </a:solidFill>
+                <a:latin typeface="Arial"/>
+                <a:cs typeface="Arial"/>
+              </a:rPr>
+              <a:t>Speedup</a:t>
+            </a:r>
+            <a:r>
+              <a:rPr lang="it-IT" sz="2400" b="1" dirty="0">
+                <a:solidFill>
+                  <a:schemeClr val="accent1">
+                    <a:lumMod val="75000"/>
+                  </a:schemeClr>
+                </a:solidFill>
+                <a:latin typeface="Arial"/>
+                <a:cs typeface="Arial"/>
+              </a:rPr>
+              <a:t> Analysis</a:t>
+            </a:r>
+          </a:p>
+        </p:txBody>
+      </p:sp>
+      <p:sp>
+        <p:nvSpPr>
+          <p:cNvPr id="8" name="CasellaDiTesto 7"/>
+          <p:cNvSpPr txBox="1"/>
+          <p:nvPr/>
+        </p:nvSpPr>
+        <p:spPr>
+          <a:xfrm>
+            <a:off x="648253" y="1705113"/>
+            <a:ext cx="1877502" cy="369332"/>
+          </a:xfrm>
+          <a:prstGeom prst="rect">
+            <a:avLst/>
+          </a:prstGeom>
+          <a:noFill/>
+        </p:spPr>
+        <p:txBody>
+          <a:bodyPr wrap="none" rtlCol="0">
+            <a:spAutoFit/>
+          </a:bodyPr>
+          <a:lstStyle/>
+          <a:p>
+            <a:r>
+              <a:rPr lang="it-IT" dirty="0" err="1">
+                <a:latin typeface="Arial"/>
+                <a:cs typeface="Arial"/>
+              </a:rPr>
+              <a:t>Execution</a:t>
+            </a:r>
+            <a:r>
+              <a:rPr lang="it-IT" dirty="0">
+                <a:latin typeface="Arial"/>
+                <a:cs typeface="Arial"/>
+              </a:rPr>
+              <a:t> Times</a:t>
+            </a:r>
+          </a:p>
+        </p:txBody>
+      </p:sp>
+      <p:sp>
+        <p:nvSpPr>
+          <p:cNvPr id="12" name="Rettangolo 11"/>
+          <p:cNvSpPr/>
+          <p:nvPr/>
+        </p:nvSpPr>
+        <p:spPr>
+          <a:xfrm>
+            <a:off x="8255000" y="6366466"/>
+            <a:ext cx="280763" cy="501650"/>
+          </a:xfrm>
+          <a:prstGeom prst="rect">
+            <a:avLst/>
+          </a:prstGeom>
+          <a:solidFill>
+            <a:srgbClr val="003053"/>
+          </a:solidFill>
+        </p:spPr>
+        <p:style>
+          <a:lnRef idx="1">
+            <a:schemeClr val="accent1"/>
+          </a:lnRef>
+          <a:fillRef idx="3">
+            <a:schemeClr val="accent1"/>
+          </a:fillRef>
+          <a:effectRef idx="2">
+            <a:schemeClr val="accent1"/>
+          </a:effectRef>
+          <a:fontRef idx="minor">
+            <a:schemeClr val="lt1"/>
+          </a:fontRef>
+        </p:style>
+        <p:txBody>
+          <a:bodyPr rtlCol="0" anchor="ctr"/>
+          <a:lstStyle/>
+          <a:p>
+            <a:pPr algn="ctr"/>
+            <a:endParaRPr lang="it-IT">
+              <a:solidFill>
+                <a:srgbClr val="003257"/>
+              </a:solidFill>
+            </a:endParaRPr>
+          </a:p>
+        </p:txBody>
+      </p:sp>
+      <p:sp>
+        <p:nvSpPr>
+          <p:cNvPr id="11" name="Segnaposto numero diapositiva 10"/>
+          <p:cNvSpPr>
+            <a:spLocks noGrp="1"/>
+          </p:cNvSpPr>
+          <p:nvPr>
+            <p:ph type="sldNum" sz="quarter" idx="12"/>
+          </p:nvPr>
+        </p:nvSpPr>
+        <p:spPr>
+          <a:xfrm>
+            <a:off x="6402163" y="6356350"/>
+            <a:ext cx="2133600" cy="365125"/>
+          </a:xfrm>
+        </p:spPr>
+        <p:txBody>
+          <a:bodyPr/>
+          <a:lstStyle/>
+          <a:p>
+            <a:fld id="{8EB8520A-26EA-DE4B-B141-4532FC98FF0E}" type="slidenum">
+              <a:rPr lang="it-IT" b="1" smtClean="0">
+                <a:solidFill>
+                  <a:schemeClr val="bg1"/>
+                </a:solidFill>
+                <a:latin typeface="Arial"/>
+                <a:cs typeface="Arial"/>
+              </a:rPr>
+              <a:pPr/>
+              <a:t>15</a:t>
+            </a:fld>
+            <a:endParaRPr lang="it-IT" b="1" dirty="0">
+              <a:solidFill>
+                <a:schemeClr val="bg1"/>
+              </a:solidFill>
+              <a:latin typeface="Arial"/>
+              <a:cs typeface="Arial"/>
+            </a:endParaRPr>
+          </a:p>
+        </p:txBody>
+      </p:sp>
+      <p:sp>
+        <p:nvSpPr>
+          <p:cNvPr id="10" name="CasellaDiTesto 9"/>
+          <p:cNvSpPr txBox="1"/>
+          <p:nvPr/>
+        </p:nvSpPr>
+        <p:spPr>
+          <a:xfrm>
+            <a:off x="5844956" y="51433"/>
+            <a:ext cx="2848857" cy="338554"/>
+          </a:xfrm>
+          <a:prstGeom prst="rect">
+            <a:avLst/>
+          </a:prstGeom>
+          <a:noFill/>
+        </p:spPr>
+        <p:txBody>
+          <a:bodyPr wrap="none" rtlCol="0">
+            <a:spAutoFit/>
+          </a:bodyPr>
+          <a:lstStyle/>
+          <a:p>
+            <a:pPr algn="r"/>
+            <a:r>
+              <a:rPr lang="it-IT" sz="800" b="1" dirty="0">
+                <a:solidFill>
+                  <a:schemeClr val="bg1"/>
+                </a:solidFill>
+                <a:latin typeface="Arial"/>
+                <a:cs typeface="Arial"/>
+              </a:rPr>
+              <a:t>Kernel Image Processing</a:t>
+            </a:r>
+          </a:p>
+          <a:p>
+            <a:pPr algn="r"/>
+            <a:r>
+              <a:rPr lang="it-IT" sz="800" b="1" dirty="0" err="1">
+                <a:solidFill>
+                  <a:schemeClr val="bg1"/>
+                </a:solidFill>
+                <a:latin typeface="Arial"/>
+                <a:cs typeface="Arial"/>
+              </a:rPr>
+              <a:t>Comparison</a:t>
+            </a:r>
+            <a:r>
+              <a:rPr lang="it-IT" sz="800" b="1" dirty="0">
+                <a:solidFill>
+                  <a:schemeClr val="bg1"/>
+                </a:solidFill>
+                <a:latin typeface="Arial"/>
+                <a:cs typeface="Arial"/>
+              </a:rPr>
+              <a:t> </a:t>
+            </a:r>
+            <a:r>
+              <a:rPr lang="it-IT" sz="800" b="1" dirty="0" err="1">
+                <a:solidFill>
+                  <a:schemeClr val="bg1"/>
+                </a:solidFill>
+                <a:latin typeface="Arial"/>
+                <a:cs typeface="Arial"/>
+              </a:rPr>
+              <a:t>between</a:t>
+            </a:r>
+            <a:r>
+              <a:rPr lang="it-IT" sz="800" b="1" dirty="0">
+                <a:solidFill>
+                  <a:schemeClr val="bg1"/>
+                </a:solidFill>
+                <a:latin typeface="Arial"/>
+                <a:cs typeface="Arial"/>
+              </a:rPr>
+              <a:t> a </a:t>
+            </a:r>
+            <a:r>
+              <a:rPr lang="it-IT" sz="800" b="1" dirty="0" err="1">
+                <a:solidFill>
+                  <a:schemeClr val="bg1"/>
+                </a:solidFill>
+                <a:latin typeface="Arial"/>
+                <a:cs typeface="Arial"/>
+              </a:rPr>
+              <a:t>sequential</a:t>
+            </a:r>
+            <a:r>
+              <a:rPr lang="it-IT" sz="800" b="1" dirty="0">
+                <a:solidFill>
+                  <a:schemeClr val="bg1"/>
+                </a:solidFill>
+                <a:latin typeface="Arial"/>
+                <a:cs typeface="Arial"/>
+              </a:rPr>
+              <a:t> and </a:t>
+            </a:r>
+            <a:r>
+              <a:rPr lang="it-IT" sz="800" b="1" dirty="0" err="1">
+                <a:solidFill>
+                  <a:schemeClr val="bg1"/>
+                </a:solidFill>
+                <a:latin typeface="Arial"/>
+                <a:cs typeface="Arial"/>
+              </a:rPr>
+              <a:t>parallel</a:t>
+            </a:r>
+            <a:r>
+              <a:rPr lang="it-IT" sz="800" b="1" dirty="0">
+                <a:solidFill>
+                  <a:schemeClr val="bg1"/>
+                </a:solidFill>
+                <a:latin typeface="Arial"/>
+                <a:cs typeface="Arial"/>
+              </a:rPr>
+              <a:t> </a:t>
+            </a:r>
+            <a:r>
+              <a:rPr lang="it-IT" sz="800" b="1" dirty="0" err="1">
+                <a:solidFill>
+                  <a:schemeClr val="bg1"/>
+                </a:solidFill>
+                <a:latin typeface="Arial"/>
+                <a:cs typeface="Arial"/>
+              </a:rPr>
+              <a:t>version</a:t>
+            </a:r>
+            <a:endParaRPr lang="it-IT" sz="800" b="1" dirty="0">
+              <a:solidFill>
+                <a:schemeClr val="bg1"/>
+              </a:solidFill>
+              <a:latin typeface="Arial"/>
+              <a:cs typeface="Arial"/>
+            </a:endParaRPr>
+          </a:p>
+        </p:txBody>
+      </p:sp>
+      <p:sp>
+        <p:nvSpPr>
+          <p:cNvPr id="14" name="CasellaDiTesto 13"/>
+          <p:cNvSpPr txBox="1"/>
+          <p:nvPr/>
+        </p:nvSpPr>
+        <p:spPr>
+          <a:xfrm>
+            <a:off x="7082015" y="403482"/>
+            <a:ext cx="1621846" cy="492443"/>
+          </a:xfrm>
+          <a:prstGeom prst="rect">
+            <a:avLst/>
+          </a:prstGeom>
+          <a:noFill/>
+        </p:spPr>
+        <p:txBody>
+          <a:bodyPr wrap="none" rtlCol="0">
+            <a:spAutoFit/>
+          </a:bodyPr>
+          <a:lstStyle/>
+          <a:p>
+            <a:pPr algn="r"/>
+            <a:r>
+              <a:rPr lang="it-IT" sz="800" dirty="0">
+                <a:solidFill>
+                  <a:schemeClr val="bg1"/>
+                </a:solidFill>
+                <a:latin typeface="Arial"/>
+                <a:cs typeface="Arial"/>
+              </a:rPr>
+              <a:t>Firenze – 12/1/2023</a:t>
+            </a:r>
+          </a:p>
+          <a:p>
+            <a:endParaRPr lang="it-IT" dirty="0"/>
+          </a:p>
+        </p:txBody>
+      </p:sp>
+      <p:pic>
+        <p:nvPicPr>
+          <p:cNvPr id="4" name="Immagine 3" descr="Immagine che contiene tavolo&#10;&#10;Descrizione generata automaticamente">
+            <a:extLst>
+              <a:ext uri="{FF2B5EF4-FFF2-40B4-BE49-F238E27FC236}">
+                <a16:creationId xmlns:a16="http://schemas.microsoft.com/office/drawing/2014/main" id="{B4B15DC2-E009-372D-9662-353A87104BB8}"/>
+              </a:ext>
+            </a:extLst>
+          </p:cNvPr>
+          <p:cNvPicPr>
+            <a:picLocks noChangeAspect="1"/>
+          </p:cNvPicPr>
+          <p:nvPr/>
+        </p:nvPicPr>
+        <p:blipFill>
+          <a:blip r:embed="rId4"/>
+          <a:stretch>
+            <a:fillRect/>
+          </a:stretch>
+        </p:blipFill>
+        <p:spPr>
+          <a:xfrm>
+            <a:off x="648253" y="2246488"/>
+            <a:ext cx="3492679" cy="1797142"/>
+          </a:xfrm>
+          <a:prstGeom prst="rect">
+            <a:avLst/>
+          </a:prstGeom>
+        </p:spPr>
+      </p:pic>
+      <p:pic>
+        <p:nvPicPr>
+          <p:cNvPr id="9" name="Immagine 8" descr="Immagine che contiene tavolo&#10;&#10;Descrizione generata automaticamente">
+            <a:extLst>
+              <a:ext uri="{FF2B5EF4-FFF2-40B4-BE49-F238E27FC236}">
+                <a16:creationId xmlns:a16="http://schemas.microsoft.com/office/drawing/2014/main" id="{F4C8D6E4-823A-0EEE-F6CC-0BD0D9131245}"/>
+              </a:ext>
+            </a:extLst>
+          </p:cNvPr>
+          <p:cNvPicPr>
+            <a:picLocks noChangeAspect="1"/>
+          </p:cNvPicPr>
+          <p:nvPr/>
+        </p:nvPicPr>
+        <p:blipFill>
+          <a:blip r:embed="rId5"/>
+          <a:stretch>
+            <a:fillRect/>
+          </a:stretch>
+        </p:blipFill>
+        <p:spPr>
+          <a:xfrm>
+            <a:off x="4921752" y="2199620"/>
+            <a:ext cx="3473629" cy="1835244"/>
+          </a:xfrm>
+          <a:prstGeom prst="rect">
+            <a:avLst/>
+          </a:prstGeom>
+        </p:spPr>
+      </p:pic>
+      <p:pic>
+        <p:nvPicPr>
+          <p:cNvPr id="17" name="Immagine 16" descr="Immagine che contiene tavolo&#10;&#10;Descrizione generata automaticamente">
+            <a:extLst>
+              <a:ext uri="{FF2B5EF4-FFF2-40B4-BE49-F238E27FC236}">
+                <a16:creationId xmlns:a16="http://schemas.microsoft.com/office/drawing/2014/main" id="{9D827D87-8A9B-E327-CCC9-189ED9197A10}"/>
+              </a:ext>
+            </a:extLst>
+          </p:cNvPr>
+          <p:cNvPicPr>
+            <a:picLocks noChangeAspect="1"/>
+          </p:cNvPicPr>
+          <p:nvPr/>
+        </p:nvPicPr>
+        <p:blipFill>
+          <a:blip r:embed="rId6"/>
+          <a:stretch>
+            <a:fillRect/>
+          </a:stretch>
+        </p:blipFill>
+        <p:spPr>
+          <a:xfrm>
+            <a:off x="705405" y="4201888"/>
+            <a:ext cx="3435527" cy="1778091"/>
+          </a:xfrm>
+          <a:prstGeom prst="rect">
+            <a:avLst/>
+          </a:prstGeom>
+        </p:spPr>
+      </p:pic>
+      <p:pic>
+        <p:nvPicPr>
+          <p:cNvPr id="20" name="Immagine 19" descr="Immagine che contiene tavolo&#10;&#10;Descrizione generata automaticamente">
+            <a:extLst>
+              <a:ext uri="{FF2B5EF4-FFF2-40B4-BE49-F238E27FC236}">
+                <a16:creationId xmlns:a16="http://schemas.microsoft.com/office/drawing/2014/main" id="{F66D0063-C10D-C32C-6CEF-0FFE397D0E8C}"/>
+              </a:ext>
+            </a:extLst>
+          </p:cNvPr>
+          <p:cNvPicPr>
+            <a:picLocks noChangeAspect="1"/>
+          </p:cNvPicPr>
+          <p:nvPr/>
+        </p:nvPicPr>
+        <p:blipFill>
+          <a:blip r:embed="rId7"/>
+          <a:stretch>
+            <a:fillRect/>
+          </a:stretch>
+        </p:blipFill>
+        <p:spPr>
+          <a:xfrm>
+            <a:off x="4883542" y="4154552"/>
+            <a:ext cx="3448227" cy="1835244"/>
+          </a:xfrm>
+          <a:prstGeom prst="rect">
+            <a:avLst/>
+          </a:prstGeom>
+        </p:spPr>
+      </p:pic>
+    </p:spTree>
+    <p:extLst>
+      <p:ext uri="{BB962C8B-B14F-4D97-AF65-F5344CB8AC3E}">
+        <p14:creationId xmlns:p14="http://schemas.microsoft.com/office/powerpoint/2010/main" val="3526100407"/>
+      </p:ext>
+    </p:extLst>
+  </p:cSld>
+  <p:clrMapOvr>
+    <a:masterClrMapping/>
+  </p:clrMapOvr>
+</p:sld>
+</file>
+
+<file path=ppt/slides/slide16.xml><?xml version="1.0" encoding="utf-8"?>
+<p:sld xmlns:a="http://schemas.openxmlformats.org/drawingml/2006/main" xmlns:r="http://schemas.openxmlformats.org/officeDocument/2006/relationships" xmlns:p="http://schemas.openxmlformats.org/presentationml/2006/main">
+  <p:cSld>
+    <p:spTree>
+      <p:nvGrpSpPr>
+        <p:cNvPr id="1" name=""/>
+        <p:cNvGrpSpPr/>
+        <p:nvPr/>
+      </p:nvGrpSpPr>
+      <p:grpSpPr>
+        <a:xfrm>
+          <a:off x="0" y="0"/>
+          <a:ext cx="0" cy="0"/>
+          <a:chOff x="0" y="0"/>
+          <a:chExt cx="0" cy="0"/>
+        </a:xfrm>
+      </p:grpSpPr>
+      <p:pic>
+        <p:nvPicPr>
+          <p:cNvPr id="2" name="Immagine 1"/>
+          <p:cNvPicPr>
+            <a:picLocks noChangeAspect="1"/>
+          </p:cNvPicPr>
+          <p:nvPr/>
+        </p:nvPicPr>
+        <p:blipFill>
+          <a:blip r:embed="rId3"/>
+          <a:stretch>
+            <a:fillRect/>
+          </a:stretch>
+        </p:blipFill>
+        <p:spPr>
+          <a:xfrm>
+            <a:off x="0" y="1707"/>
+            <a:ext cx="9180512" cy="6872633"/>
+          </a:xfrm>
+          <a:prstGeom prst="rect">
+            <a:avLst/>
+          </a:prstGeom>
+        </p:spPr>
+      </p:pic>
+      <p:sp>
+        <p:nvSpPr>
+          <p:cNvPr id="7" name="CasellaDiTesto 6"/>
+          <p:cNvSpPr txBox="1"/>
+          <p:nvPr/>
+        </p:nvSpPr>
+        <p:spPr>
+          <a:xfrm>
+            <a:off x="648253" y="1305402"/>
+            <a:ext cx="5196702" cy="461665"/>
+          </a:xfrm>
+          <a:prstGeom prst="rect">
+            <a:avLst/>
+          </a:prstGeom>
+          <a:noFill/>
+        </p:spPr>
+        <p:txBody>
+          <a:bodyPr wrap="square" rtlCol="0">
+            <a:spAutoFit/>
+          </a:bodyPr>
+          <a:lstStyle/>
+          <a:p>
+            <a:r>
+              <a:rPr lang="it-IT" sz="2400" b="1" dirty="0" err="1">
+                <a:solidFill>
+                  <a:schemeClr val="accent1">
+                    <a:lumMod val="75000"/>
+                  </a:schemeClr>
+                </a:solidFill>
+                <a:latin typeface="Arial"/>
+                <a:cs typeface="Arial"/>
+              </a:rPr>
+              <a:t>Speedup</a:t>
+            </a:r>
+            <a:r>
+              <a:rPr lang="it-IT" sz="2400" b="1" dirty="0">
+                <a:solidFill>
+                  <a:schemeClr val="accent1">
+                    <a:lumMod val="75000"/>
+                  </a:schemeClr>
+                </a:solidFill>
+                <a:latin typeface="Arial"/>
+                <a:cs typeface="Arial"/>
+              </a:rPr>
+              <a:t> Analysis</a:t>
+            </a:r>
+          </a:p>
+        </p:txBody>
+      </p:sp>
+      <p:sp>
+        <p:nvSpPr>
+          <p:cNvPr id="8" name="CasellaDiTesto 7"/>
+          <p:cNvSpPr txBox="1"/>
+          <p:nvPr/>
+        </p:nvSpPr>
+        <p:spPr>
+          <a:xfrm>
+            <a:off x="648253" y="1705113"/>
+            <a:ext cx="1877502" cy="369332"/>
+          </a:xfrm>
+          <a:prstGeom prst="rect">
+            <a:avLst/>
+          </a:prstGeom>
+          <a:noFill/>
+        </p:spPr>
+        <p:txBody>
+          <a:bodyPr wrap="none" rtlCol="0">
+            <a:spAutoFit/>
+          </a:bodyPr>
+          <a:lstStyle/>
+          <a:p>
+            <a:r>
+              <a:rPr lang="it-IT" dirty="0" err="1">
+                <a:latin typeface="Arial"/>
+                <a:cs typeface="Arial"/>
+              </a:rPr>
+              <a:t>Execution</a:t>
+            </a:r>
+            <a:r>
+              <a:rPr lang="it-IT" dirty="0">
+                <a:latin typeface="Arial"/>
+                <a:cs typeface="Arial"/>
+              </a:rPr>
+              <a:t> Times</a:t>
+            </a:r>
+          </a:p>
+        </p:txBody>
+      </p:sp>
+      <p:sp>
+        <p:nvSpPr>
+          <p:cNvPr id="12" name="Rettangolo 11"/>
+          <p:cNvSpPr/>
+          <p:nvPr/>
+        </p:nvSpPr>
+        <p:spPr>
+          <a:xfrm>
+            <a:off x="8255000" y="6366466"/>
+            <a:ext cx="280763" cy="501650"/>
+          </a:xfrm>
+          <a:prstGeom prst="rect">
+            <a:avLst/>
+          </a:prstGeom>
+          <a:solidFill>
+            <a:srgbClr val="003053"/>
+          </a:solidFill>
+        </p:spPr>
+        <p:style>
+          <a:lnRef idx="1">
+            <a:schemeClr val="accent1"/>
+          </a:lnRef>
+          <a:fillRef idx="3">
+            <a:schemeClr val="accent1"/>
+          </a:fillRef>
+          <a:effectRef idx="2">
+            <a:schemeClr val="accent1"/>
+          </a:effectRef>
+          <a:fontRef idx="minor">
+            <a:schemeClr val="lt1"/>
+          </a:fontRef>
+        </p:style>
+        <p:txBody>
+          <a:bodyPr rtlCol="0" anchor="ctr"/>
+          <a:lstStyle/>
+          <a:p>
+            <a:pPr algn="ctr"/>
+            <a:endParaRPr lang="it-IT">
+              <a:solidFill>
+                <a:srgbClr val="003257"/>
+              </a:solidFill>
+            </a:endParaRPr>
+          </a:p>
+        </p:txBody>
+      </p:sp>
+      <p:sp>
+        <p:nvSpPr>
+          <p:cNvPr id="11" name="Segnaposto numero diapositiva 10"/>
+          <p:cNvSpPr>
+            <a:spLocks noGrp="1"/>
+          </p:cNvSpPr>
+          <p:nvPr>
+            <p:ph type="sldNum" sz="quarter" idx="12"/>
+          </p:nvPr>
+        </p:nvSpPr>
+        <p:spPr>
+          <a:xfrm>
+            <a:off x="6402163" y="6356350"/>
+            <a:ext cx="2133600" cy="365125"/>
+          </a:xfrm>
+        </p:spPr>
+        <p:txBody>
+          <a:bodyPr/>
+          <a:lstStyle/>
+          <a:p>
+            <a:fld id="{8EB8520A-26EA-DE4B-B141-4532FC98FF0E}" type="slidenum">
+              <a:rPr lang="it-IT" b="1" smtClean="0">
+                <a:solidFill>
+                  <a:schemeClr val="bg1"/>
+                </a:solidFill>
+                <a:latin typeface="Arial"/>
+                <a:cs typeface="Arial"/>
+              </a:rPr>
+              <a:pPr/>
+              <a:t>16</a:t>
             </a:fld>
             <a:endParaRPr lang="it-IT" b="1" dirty="0">
               <a:solidFill>
@@ -8647,7 +10249,7 @@
         </p:blipFill>
         <p:spPr>
           <a:xfrm>
-            <a:off x="0" y="26081"/>
+            <a:off x="0" y="-23293"/>
             <a:ext cx="9180512" cy="6872633"/>
           </a:xfrm>
           <a:prstGeom prst="rect">
@@ -10612,7 +12214,7 @@
         <p:spPr>
           <a:xfrm>
             <a:off x="648253" y="1705113"/>
-            <a:ext cx="847348" cy="369332"/>
+            <a:ext cx="774571" cy="369332"/>
           </a:xfrm>
           <a:prstGeom prst="rect">
             <a:avLst/>
@@ -10630,7 +12232,7 @@
                 <a:latin typeface="Arial"/>
                 <a:cs typeface="Arial"/>
               </a:rPr>
-              <a:t>TODO</a:t>
+              <a:t>Steps</a:t>
             </a:r>
           </a:p>
         </p:txBody>
@@ -10644,7 +12246,7 @@
         <p:spPr>
           <a:xfrm>
             <a:off x="648253" y="2378264"/>
-            <a:ext cx="7819027" cy="307777"/>
+            <a:ext cx="7819027" cy="3108543"/>
           </a:xfrm>
           <a:prstGeom prst="rect">
             <a:avLst/>
@@ -10659,14 +12261,130 @@
           <a:p>
             <a:pPr algn="just"/>
             <a:r>
+              <a:rPr lang="en-US" sz="1400" b="1" dirty="0" err="1"/>
+              <a:t>Joblib</a:t>
+            </a:r>
+            <a:r>
               <a:rPr lang="en-US" sz="1400" dirty="0"/>
-              <a:t>TODO: da </a:t>
+              <a:t> is a high-level library that allows to parallelize computation through the use of a backend library (multiprocessing or </a:t>
             </a:r>
             <a:r>
               <a:rPr lang="en-US" sz="1400" dirty="0" err="1"/>
-              <a:t>modificare</a:t>
-            </a:r>
+              <a:t>loki</a:t>
+            </a:r>
+            <a:r>
+              <a:rPr lang="en-US" sz="1400" dirty="0"/>
+              <a:t>) by spawning </a:t>
+            </a:r>
+            <a:r>
+              <a:rPr lang="en-US" sz="1400" b="1" dirty="0"/>
+              <a:t>processes</a:t>
+            </a:r>
+            <a:r>
+              <a:rPr lang="en-US" sz="1400" dirty="0"/>
+              <a:t> instead of </a:t>
+            </a:r>
+            <a:r>
+              <a:rPr lang="en-US" sz="1400" b="1" dirty="0"/>
+              <a:t>threads</a:t>
+            </a:r>
+            <a:r>
+              <a:rPr lang="en-US" sz="1400" dirty="0"/>
+              <a:t>.</a:t>
+            </a:r>
+          </a:p>
+          <a:p>
+            <a:pPr algn="just"/>
             <a:endParaRPr lang="en-US" sz="1400" dirty="0"/>
+          </a:p>
+          <a:p>
+            <a:pPr algn="just"/>
+            <a:r>
+              <a:rPr lang="en-US" sz="1400" dirty="0"/>
+              <a:t>The kernel convolution algorithm is an </a:t>
+            </a:r>
+            <a:r>
+              <a:rPr lang="en-US" sz="1400" b="1" dirty="0" err="1"/>
+              <a:t>embarassingly</a:t>
+            </a:r>
+            <a:r>
+              <a:rPr lang="en-US" sz="1400" b="1" dirty="0"/>
+              <a:t> parallel problem</a:t>
+            </a:r>
+            <a:r>
+              <a:rPr lang="en-US" sz="1400" dirty="0"/>
+              <a:t>: the computation of each output pixel is independent from one another, and the input image and kernel are only read, </a:t>
+            </a:r>
+            <a:r>
+              <a:rPr lang="en-US" sz="1400" b="1" dirty="0"/>
+              <a:t>no synchronization </a:t>
+            </a:r>
+            <a:r>
+              <a:rPr lang="en-US" sz="1400" dirty="0"/>
+              <a:t>is needed.</a:t>
+            </a:r>
+          </a:p>
+          <a:p>
+            <a:pPr algn="just"/>
+            <a:endParaRPr lang="en-US" sz="1400" dirty="0"/>
+          </a:p>
+          <a:p>
+            <a:pPr algn="just"/>
+            <a:r>
+              <a:rPr lang="en-US" sz="1400" dirty="0"/>
+              <a:t>However, it isn't convenient to have each pixel computed independently because of the drastic increase in overhead for process management. Therefore, the image is split in sub-images, and each process computes the output for a single slice.</a:t>
+            </a:r>
+          </a:p>
+          <a:p>
+            <a:pPr algn="just"/>
+            <a:endParaRPr lang="en-US" sz="1400" dirty="0"/>
+          </a:p>
+          <a:p>
+            <a:pPr algn="just"/>
+            <a:r>
+              <a:rPr lang="en-US" sz="1400" dirty="0"/>
+              <a:t>Another problem: each process needs the input image (a </a:t>
+            </a:r>
+            <a:r>
+              <a:rPr lang="en-US" sz="1400" dirty="0" err="1"/>
+              <a:t>numpy</a:t>
+            </a:r>
+            <a:r>
+              <a:rPr lang="en-US" sz="1400" dirty="0"/>
+              <a:t> array), a large object that needs to be copied every time and slows down the process instantiation. To avoid this, we can use the </a:t>
+            </a:r>
+            <a:r>
+              <a:rPr lang="en-US" sz="1400" b="1" dirty="0" err="1"/>
+              <a:t>joblib.dump</a:t>
+            </a:r>
+            <a:r>
+              <a:rPr lang="en-US" sz="1400" b="1" dirty="0"/>
+              <a:t>() </a:t>
+            </a:r>
+            <a:r>
+              <a:rPr lang="en-US" sz="1400" dirty="0"/>
+              <a:t>and </a:t>
+            </a:r>
+            <a:r>
+              <a:rPr lang="en-US" sz="1400" b="1" dirty="0" err="1"/>
+              <a:t>joblib.load</a:t>
+            </a:r>
+            <a:r>
+              <a:rPr lang="en-US" sz="1400" b="1" dirty="0"/>
+              <a:t>() </a:t>
+            </a:r>
+            <a:r>
+              <a:rPr lang="en-US" sz="1400" dirty="0"/>
+              <a:t>functions to save and reload the </a:t>
+            </a:r>
+            <a:r>
+              <a:rPr lang="en-US" sz="1400" dirty="0" err="1"/>
+              <a:t>numpy</a:t>
+            </a:r>
+            <a:r>
+              <a:rPr lang="en-US" sz="1400" dirty="0"/>
+              <a:t> array efficiently. </a:t>
+            </a:r>
           </a:p>
         </p:txBody>
       </p:sp>

--- a/presentation/KernelImageProcessing.pptx
+++ b/presentation/KernelImageProcessing.pptx
@@ -255,7 +255,7 @@
             <a:fld id="{45BF3CCC-77DD-F84F-A249-CA3C5045A043}" type="datetime1">
               <a:rPr lang="it-IT" smtClean="0"/>
               <a:pPr/>
-              <a:t>31/12/2022</a:t>
+              <a:t>14/01/2023</a:t>
             </a:fld>
             <a:endParaRPr lang="it-IT"/>
           </a:p>
@@ -423,7 +423,7 @@
             <a:fld id="{FE692227-D6DC-FD45-9507-DB2BAD58473C}" type="datetime1">
               <a:rPr lang="it-IT" smtClean="0"/>
               <a:pPr/>
-              <a:t>31/12/2022</a:t>
+              <a:t>14/01/2023</a:t>
             </a:fld>
             <a:endParaRPr lang="it-IT"/>
           </a:p>
@@ -2147,7 +2147,7 @@
             <a:fld id="{AD8BF249-6BAC-CD40-AAE9-334F110649E5}" type="datetimeFigureOut">
               <a:rPr lang="it-IT" smtClean="0"/>
               <a:pPr/>
-              <a:t>31/12/2022</a:t>
+              <a:t>14/01/2023</a:t>
             </a:fld>
             <a:endParaRPr lang="it-IT"/>
           </a:p>
@@ -2317,7 +2317,7 @@
             <a:fld id="{AD8BF249-6BAC-CD40-AAE9-334F110649E5}" type="datetimeFigureOut">
               <a:rPr lang="it-IT" smtClean="0"/>
               <a:pPr/>
-              <a:t>31/12/2022</a:t>
+              <a:t>14/01/2023</a:t>
             </a:fld>
             <a:endParaRPr lang="it-IT"/>
           </a:p>
@@ -2497,7 +2497,7 @@
             <a:fld id="{AD8BF249-6BAC-CD40-AAE9-334F110649E5}" type="datetimeFigureOut">
               <a:rPr lang="it-IT" smtClean="0"/>
               <a:pPr/>
-              <a:t>31/12/2022</a:t>
+              <a:t>14/01/2023</a:t>
             </a:fld>
             <a:endParaRPr lang="it-IT"/>
           </a:p>
@@ -2667,7 +2667,7 @@
             <a:fld id="{AD8BF249-6BAC-CD40-AAE9-334F110649E5}" type="datetimeFigureOut">
               <a:rPr lang="it-IT" smtClean="0"/>
               <a:pPr/>
-              <a:t>31/12/2022</a:t>
+              <a:t>14/01/2023</a:t>
             </a:fld>
             <a:endParaRPr lang="it-IT"/>
           </a:p>
@@ -2914,7 +2914,7 @@
             <a:fld id="{AD8BF249-6BAC-CD40-AAE9-334F110649E5}" type="datetimeFigureOut">
               <a:rPr lang="it-IT" smtClean="0"/>
               <a:pPr/>
-              <a:t>31/12/2022</a:t>
+              <a:t>14/01/2023</a:t>
             </a:fld>
             <a:endParaRPr lang="it-IT"/>
           </a:p>
@@ -3201,7 +3201,7 @@
             <a:fld id="{AD8BF249-6BAC-CD40-AAE9-334F110649E5}" type="datetimeFigureOut">
               <a:rPr lang="it-IT" smtClean="0"/>
               <a:pPr/>
-              <a:t>31/12/2022</a:t>
+              <a:t>14/01/2023</a:t>
             </a:fld>
             <a:endParaRPr lang="it-IT"/>
           </a:p>
@@ -3622,7 +3622,7 @@
             <a:fld id="{AD8BF249-6BAC-CD40-AAE9-334F110649E5}" type="datetimeFigureOut">
               <a:rPr lang="it-IT" smtClean="0"/>
               <a:pPr/>
-              <a:t>31/12/2022</a:t>
+              <a:t>14/01/2023</a:t>
             </a:fld>
             <a:endParaRPr lang="it-IT"/>
           </a:p>
@@ -3741,7 +3741,7 @@
             <a:fld id="{AD8BF249-6BAC-CD40-AAE9-334F110649E5}" type="datetimeFigureOut">
               <a:rPr lang="it-IT" smtClean="0"/>
               <a:pPr/>
-              <a:t>31/12/2022</a:t>
+              <a:t>14/01/2023</a:t>
             </a:fld>
             <a:endParaRPr lang="it-IT"/>
           </a:p>
@@ -3838,7 +3838,7 @@
             <a:fld id="{AD8BF249-6BAC-CD40-AAE9-334F110649E5}" type="datetimeFigureOut">
               <a:rPr lang="it-IT" smtClean="0"/>
               <a:pPr/>
-              <a:t>31/12/2022</a:t>
+              <a:t>14/01/2023</a:t>
             </a:fld>
             <a:endParaRPr lang="it-IT"/>
           </a:p>
@@ -4115,7 +4115,7 @@
             <a:fld id="{AD8BF249-6BAC-CD40-AAE9-334F110649E5}" type="datetimeFigureOut">
               <a:rPr lang="it-IT" smtClean="0"/>
               <a:pPr/>
-              <a:t>31/12/2022</a:t>
+              <a:t>14/01/2023</a:t>
             </a:fld>
             <a:endParaRPr lang="it-IT"/>
           </a:p>
@@ -4369,7 +4369,7 @@
             <a:fld id="{AD8BF249-6BAC-CD40-AAE9-334F110649E5}" type="datetimeFigureOut">
               <a:rPr lang="it-IT" smtClean="0"/>
               <a:pPr/>
-              <a:t>31/12/2022</a:t>
+              <a:t>14/01/2023</a:t>
             </a:fld>
             <a:endParaRPr lang="it-IT"/>
           </a:p>
@@ -4582,7 +4582,7 @@
             <a:fld id="{AD8BF249-6BAC-CD40-AAE9-334F110649E5}" type="datetimeFigureOut">
               <a:rPr lang="it-IT" smtClean="0"/>
               <a:pPr/>
-              <a:t>31/12/2022</a:t>
+              <a:t>14/01/2023</a:t>
             </a:fld>
             <a:endParaRPr lang="it-IT"/>
           </a:p>
@@ -5605,10 +5605,10 @@
       </p:sp>
       <p:pic>
         <p:nvPicPr>
-          <p:cNvPr id="4" name="Immagine 3" descr="Immagine che contiene testo&#10;&#10;Descrizione generata automaticamente">
+          <p:cNvPr id="5" name="Immagine 4" descr="Immagine che contiene testo&#10;&#10;Descrizione generata automaticamente">
             <a:extLst>
               <a:ext uri="{FF2B5EF4-FFF2-40B4-BE49-F238E27FC236}">
-                <a16:creationId xmlns:a16="http://schemas.microsoft.com/office/drawing/2014/main" id="{4CF9567F-F609-552A-7929-B54989AC7A7A}"/>
+                <a16:creationId xmlns:a16="http://schemas.microsoft.com/office/drawing/2014/main" id="{9E2BC4B6-9281-0C7E-09EB-F98C9C3249C9}"/>
               </a:ext>
             </a:extLst>
           </p:cNvPr>
@@ -5625,8 +5625,8 @@
         </p:blipFill>
         <p:spPr>
           <a:xfrm>
-            <a:off x="453813" y="2166778"/>
-            <a:ext cx="8236373" cy="4083260"/>
+            <a:off x="587170" y="2166778"/>
+            <a:ext cx="7969660" cy="4038808"/>
           </a:xfrm>
           <a:prstGeom prst="rect">
             <a:avLst/>

--- a/presentation/KernelImageProcessing.pptx
+++ b/presentation/KernelImageProcessing.pptx
@@ -5,10 +5,10 @@
     <p:sldMasterId id="2147483648" r:id="rId1"/>
   </p:sldMasterIdLst>
   <p:notesMasterIdLst>
-    <p:notesMasterId r:id="rId18"/>
+    <p:notesMasterId r:id="rId19"/>
   </p:notesMasterIdLst>
   <p:handoutMasterIdLst>
-    <p:handoutMasterId r:id="rId19"/>
+    <p:handoutMasterId r:id="rId20"/>
   </p:handoutMasterIdLst>
   <p:sldIdLst>
     <p:sldId id="256" r:id="rId2"/>
@@ -19,14 +19,15 @@
     <p:sldId id="266" r:id="rId7"/>
     <p:sldId id="261" r:id="rId8"/>
     <p:sldId id="272" r:id="rId9"/>
-    <p:sldId id="264" r:id="rId10"/>
-    <p:sldId id="273" r:id="rId11"/>
-    <p:sldId id="274" r:id="rId12"/>
-    <p:sldId id="275" r:id="rId13"/>
-    <p:sldId id="269" r:id="rId14"/>
-    <p:sldId id="267" r:id="rId15"/>
-    <p:sldId id="268" r:id="rId16"/>
-    <p:sldId id="270" r:id="rId17"/>
+    <p:sldId id="276" r:id="rId10"/>
+    <p:sldId id="264" r:id="rId11"/>
+    <p:sldId id="273" r:id="rId12"/>
+    <p:sldId id="274" r:id="rId13"/>
+    <p:sldId id="275" r:id="rId14"/>
+    <p:sldId id="269" r:id="rId15"/>
+    <p:sldId id="267" r:id="rId16"/>
+    <p:sldId id="268" r:id="rId17"/>
+    <p:sldId id="270" r:id="rId18"/>
   </p:sldIdLst>
   <p:sldSz cx="9144000" cy="6858000" type="screen4x3"/>
   <p:notesSz cx="6858000" cy="9144000"/>
@@ -142,6 +143,7 @@
             <p14:sldId id="266"/>
             <p14:sldId id="261"/>
             <p14:sldId id="272"/>
+            <p14:sldId id="276"/>
             <p14:sldId id="264"/>
             <p14:sldId id="273"/>
             <p14:sldId id="274"/>
@@ -852,7 +854,7 @@
     </p:spTree>
     <p:extLst>
       <p:ext uri="{BB962C8B-B14F-4D97-AF65-F5344CB8AC3E}">
-        <p14:creationId xmlns:p14="http://schemas.microsoft.com/office/powerpoint/2010/main" val="234906703"/>
+        <p14:creationId xmlns:p14="http://schemas.microsoft.com/office/powerpoint/2010/main" val="3597911633"/>
       </p:ext>
     </p:extLst>
   </p:cSld>
@@ -937,7 +939,7 @@
     </p:spTree>
     <p:extLst>
       <p:ext uri="{BB962C8B-B14F-4D97-AF65-F5344CB8AC3E}">
-        <p14:creationId xmlns:p14="http://schemas.microsoft.com/office/powerpoint/2010/main" val="4247510288"/>
+        <p14:creationId xmlns:p14="http://schemas.microsoft.com/office/powerpoint/2010/main" val="234906703"/>
       </p:ext>
     </p:extLst>
   </p:cSld>
@@ -1022,7 +1024,7 @@
     </p:spTree>
     <p:extLst>
       <p:ext uri="{BB962C8B-B14F-4D97-AF65-F5344CB8AC3E}">
-        <p14:creationId xmlns:p14="http://schemas.microsoft.com/office/powerpoint/2010/main" val="922020138"/>
+        <p14:creationId xmlns:p14="http://schemas.microsoft.com/office/powerpoint/2010/main" val="4247510288"/>
       </p:ext>
     </p:extLst>
   </p:cSld>
@@ -1107,7 +1109,7 @@
     </p:spTree>
     <p:extLst>
       <p:ext uri="{BB962C8B-B14F-4D97-AF65-F5344CB8AC3E}">
-        <p14:creationId xmlns:p14="http://schemas.microsoft.com/office/powerpoint/2010/main" val="2956334855"/>
+        <p14:creationId xmlns:p14="http://schemas.microsoft.com/office/powerpoint/2010/main" val="922020138"/>
       </p:ext>
     </p:extLst>
   </p:cSld>
@@ -1192,7 +1194,7 @@
     </p:spTree>
     <p:extLst>
       <p:ext uri="{BB962C8B-B14F-4D97-AF65-F5344CB8AC3E}">
-        <p14:creationId xmlns:p14="http://schemas.microsoft.com/office/powerpoint/2010/main" val="4123982893"/>
+        <p14:creationId xmlns:p14="http://schemas.microsoft.com/office/powerpoint/2010/main" val="2956334855"/>
       </p:ext>
     </p:extLst>
   </p:cSld>
@@ -1269,6 +1271,91 @@
               <a:rPr lang="it-IT" smtClean="0"/>
               <a:pPr/>
               <a:t>16</a:t>
+            </a:fld>
+            <a:endParaRPr lang="it-IT"/>
+          </a:p>
+        </p:txBody>
+      </p:sp>
+    </p:spTree>
+    <p:extLst>
+      <p:ext uri="{BB962C8B-B14F-4D97-AF65-F5344CB8AC3E}">
+        <p14:creationId xmlns:p14="http://schemas.microsoft.com/office/powerpoint/2010/main" val="4123982893"/>
+      </p:ext>
+    </p:extLst>
+  </p:cSld>
+  <p:clrMapOvr>
+    <a:masterClrMapping/>
+  </p:clrMapOvr>
+</p:notes>
+</file>
+
+<file path=ppt/notesSlides/notesSlide16.xml><?xml version="1.0" encoding="utf-8"?>
+<p:notes xmlns:a="http://schemas.openxmlformats.org/drawingml/2006/main" xmlns:r="http://schemas.openxmlformats.org/officeDocument/2006/relationships" xmlns:p="http://schemas.openxmlformats.org/presentationml/2006/main">
+  <p:cSld>
+    <p:spTree>
+      <p:nvGrpSpPr>
+        <p:cNvPr id="1" name=""/>
+        <p:cNvGrpSpPr/>
+        <p:nvPr/>
+      </p:nvGrpSpPr>
+      <p:grpSpPr>
+        <a:xfrm>
+          <a:off x="0" y="0"/>
+          <a:ext cx="0" cy="0"/>
+          <a:chOff x="0" y="0"/>
+          <a:chExt cx="0" cy="0"/>
+        </a:xfrm>
+      </p:grpSpPr>
+      <p:sp>
+        <p:nvSpPr>
+          <p:cNvPr id="2" name="Segnaposto immagine diapositiva 1"/>
+          <p:cNvSpPr>
+            <a:spLocks noGrp="1" noRot="1" noChangeAspect="1"/>
+          </p:cNvSpPr>
+          <p:nvPr>
+            <p:ph type="sldImg"/>
+          </p:nvPr>
+        </p:nvSpPr>
+        <p:spPr/>
+      </p:sp>
+      <p:sp>
+        <p:nvSpPr>
+          <p:cNvPr id="3" name="Segnaposto note 2"/>
+          <p:cNvSpPr>
+            <a:spLocks noGrp="1"/>
+          </p:cNvSpPr>
+          <p:nvPr>
+            <p:ph type="body" idx="1"/>
+          </p:nvPr>
+        </p:nvSpPr>
+        <p:spPr/>
+        <p:txBody>
+          <a:bodyPr/>
+          <a:lstStyle/>
+          <a:p>
+            <a:endParaRPr lang="it-IT"/>
+          </a:p>
+        </p:txBody>
+      </p:sp>
+      <p:sp>
+        <p:nvSpPr>
+          <p:cNvPr id="4" name="Segnaposto numero diapositiva 3"/>
+          <p:cNvSpPr>
+            <a:spLocks noGrp="1"/>
+          </p:cNvSpPr>
+          <p:nvPr>
+            <p:ph type="sldNum" sz="quarter" idx="10"/>
+          </p:nvPr>
+        </p:nvSpPr>
+        <p:spPr/>
+        <p:txBody>
+          <a:bodyPr/>
+          <a:lstStyle/>
+          <a:p>
+            <a:fld id="{96986711-015B-0142-88C4-65D50E44FA77}" type="slidenum">
+              <a:rPr lang="it-IT" smtClean="0"/>
+              <a:pPr/>
+              <a:t>17</a:t>
             </a:fld>
             <a:endParaRPr lang="it-IT"/>
           </a:p>
@@ -1872,7 +1959,7 @@
     </p:spTree>
     <p:extLst>
       <p:ext uri="{BB962C8B-B14F-4D97-AF65-F5344CB8AC3E}">
-        <p14:creationId xmlns:p14="http://schemas.microsoft.com/office/powerpoint/2010/main" val="3401772804"/>
+        <p14:creationId xmlns:p14="http://schemas.microsoft.com/office/powerpoint/2010/main" val="2113758998"/>
       </p:ext>
     </p:extLst>
   </p:cSld>
@@ -1957,7 +2044,7 @@
     </p:spTree>
     <p:extLst>
       <p:ext uri="{BB962C8B-B14F-4D97-AF65-F5344CB8AC3E}">
-        <p14:creationId xmlns:p14="http://schemas.microsoft.com/office/powerpoint/2010/main" val="3597911633"/>
+        <p14:creationId xmlns:p14="http://schemas.microsoft.com/office/powerpoint/2010/main" val="3401772804"/>
       </p:ext>
     </p:extLst>
   </p:cSld>
@@ -5319,7 +5406,7 @@
         <p:spPr>
           <a:xfrm>
             <a:off x="648253" y="1705113"/>
-            <a:ext cx="736099" cy="369332"/>
+            <a:ext cx="774571" cy="369332"/>
           </a:xfrm>
           <a:prstGeom prst="rect">
             <a:avLst/>
@@ -5337,7 +5424,158 @@
                 <a:latin typeface="Arial"/>
                 <a:cs typeface="Arial"/>
               </a:rPr>
-              <a:t>Code</a:t>
+              <a:t>Steps</a:t>
+            </a:r>
+          </a:p>
+        </p:txBody>
+      </p:sp>
+      <p:sp>
+        <p:nvSpPr>
+          <p:cNvPr id="9" name="CasellaDiTesto 8"/>
+          <p:cNvSpPr txBox="1"/>
+          <p:nvPr/>
+        </p:nvSpPr>
+        <p:spPr>
+          <a:xfrm>
+            <a:off x="648253" y="2378264"/>
+            <a:ext cx="7819027" cy="3108543"/>
+          </a:xfrm>
+          <a:prstGeom prst="rect">
+            <a:avLst/>
+          </a:prstGeom>
+          <a:noFill/>
+        </p:spPr>
+        <p:txBody>
+          <a:bodyPr wrap="square" rtlCol="0">
+            <a:spAutoFit/>
+          </a:bodyPr>
+          <a:lstStyle/>
+          <a:p>
+            <a:pPr algn="just"/>
+            <a:r>
+              <a:rPr lang="en-US" sz="1400" b="1" dirty="0" err="1"/>
+              <a:t>Joblib</a:t>
+            </a:r>
+            <a:r>
+              <a:rPr lang="en-US" sz="1400" dirty="0"/>
+              <a:t> is a high-level library that allows to parallelize computation through the use of a backend library (multiprocessing or </a:t>
+            </a:r>
+            <a:r>
+              <a:rPr lang="en-US" sz="1400" dirty="0" err="1"/>
+              <a:t>loki</a:t>
+            </a:r>
+            <a:r>
+              <a:rPr lang="en-US" sz="1400" dirty="0"/>
+              <a:t>) by spawning </a:t>
+            </a:r>
+            <a:r>
+              <a:rPr lang="en-US" sz="1400" b="1" dirty="0"/>
+              <a:t>processes</a:t>
+            </a:r>
+            <a:r>
+              <a:rPr lang="en-US" sz="1400" dirty="0"/>
+              <a:t> instead of </a:t>
+            </a:r>
+            <a:r>
+              <a:rPr lang="en-US" sz="1400" b="1" dirty="0"/>
+              <a:t>threads</a:t>
+            </a:r>
+            <a:r>
+              <a:rPr lang="en-US" sz="1400" dirty="0"/>
+              <a:t>.</a:t>
+            </a:r>
+          </a:p>
+          <a:p>
+            <a:pPr algn="just"/>
+            <a:endParaRPr lang="en-US" sz="1400" dirty="0"/>
+          </a:p>
+          <a:p>
+            <a:pPr algn="just"/>
+            <a:r>
+              <a:rPr lang="en-US" sz="1400" dirty="0"/>
+              <a:t>The kernel convolution algorithm is an </a:t>
+            </a:r>
+            <a:r>
+              <a:rPr lang="en-US" sz="1400" b="1" dirty="0" err="1"/>
+              <a:t>embarassingly</a:t>
+            </a:r>
+            <a:r>
+              <a:rPr lang="en-US" sz="1400" b="1" dirty="0"/>
+              <a:t> parallel problem</a:t>
+            </a:r>
+            <a:r>
+              <a:rPr lang="en-US" sz="1400" dirty="0"/>
+              <a:t>: the computation of each output pixel is independent from one another, and the input image and kernel are only read, </a:t>
+            </a:r>
+            <a:r>
+              <a:rPr lang="en-US" sz="1400" b="1" dirty="0"/>
+              <a:t>no synchronization </a:t>
+            </a:r>
+            <a:r>
+              <a:rPr lang="en-US" sz="1400" dirty="0"/>
+              <a:t>is needed.</a:t>
+            </a:r>
+          </a:p>
+          <a:p>
+            <a:pPr algn="just"/>
+            <a:endParaRPr lang="en-US" sz="1400" dirty="0"/>
+          </a:p>
+          <a:p>
+            <a:pPr algn="just"/>
+            <a:r>
+              <a:rPr lang="en-US" sz="1400" dirty="0"/>
+              <a:t>However, it isn't convenient to have each pixel computed independently because of the drastic increase in overhead for process management. Therefore, the image is split in sub-images, and each process computes the output for a single slice.</a:t>
+            </a:r>
+          </a:p>
+          <a:p>
+            <a:pPr algn="just"/>
+            <a:endParaRPr lang="en-US" sz="1400" dirty="0"/>
+          </a:p>
+          <a:p>
+            <a:pPr algn="just"/>
+            <a:r>
+              <a:rPr lang="en-US" sz="1400" dirty="0"/>
+              <a:t>Another problem: each process needs the input image (a </a:t>
+            </a:r>
+            <a:r>
+              <a:rPr lang="en-US" sz="1400" dirty="0" err="1"/>
+              <a:t>numpy</a:t>
+            </a:r>
+            <a:r>
+              <a:rPr lang="en-US" sz="1400" dirty="0"/>
+              <a:t> array), a large object that needs to be copied every time and slows down the process instantiation. To avoid this, we can use the </a:t>
+            </a:r>
+            <a:r>
+              <a:rPr lang="en-US" sz="1400" b="1" dirty="0" err="1"/>
+              <a:t>joblib.dump</a:t>
+            </a:r>
+            <a:r>
+              <a:rPr lang="en-US" sz="1400" b="1" dirty="0"/>
+              <a:t>() </a:t>
+            </a:r>
+            <a:r>
+              <a:rPr lang="en-US" sz="1400" dirty="0"/>
+              <a:t>and </a:t>
+            </a:r>
+            <a:r>
+              <a:rPr lang="en-US" sz="1400" b="1" dirty="0" err="1"/>
+              <a:t>joblib.load</a:t>
+            </a:r>
+            <a:r>
+              <a:rPr lang="en-US" sz="1400" b="1" dirty="0"/>
+              <a:t>() </a:t>
+            </a:r>
+            <a:r>
+              <a:rPr lang="en-US" sz="1400" dirty="0"/>
+              <a:t>functions to save and reload the </a:t>
+            </a:r>
+            <a:r>
+              <a:rPr lang="en-US" sz="1400" dirty="0" err="1"/>
+              <a:t>numpy</a:t>
+            </a:r>
+            <a:r>
+              <a:rPr lang="en-US" sz="1400" dirty="0"/>
+              <a:t> array efficiently. </a:t>
             </a:r>
           </a:p>
         </p:txBody>
@@ -5603,40 +5841,10 @@
           </a:p>
         </p:txBody>
       </p:sp>
-      <p:pic>
-        <p:nvPicPr>
-          <p:cNvPr id="5" name="Immagine 4" descr="Immagine che contiene testo&#10;&#10;Descrizione generata automaticamente">
-            <a:extLst>
-              <a:ext uri="{FF2B5EF4-FFF2-40B4-BE49-F238E27FC236}">
-                <a16:creationId xmlns:a16="http://schemas.microsoft.com/office/drawing/2014/main" id="{9E2BC4B6-9281-0C7E-09EB-F98C9C3249C9}"/>
-              </a:ext>
-            </a:extLst>
-          </p:cNvPr>
-          <p:cNvPicPr>
-            <a:picLocks noChangeAspect="1"/>
-          </p:cNvPicPr>
-          <p:nvPr/>
-        </p:nvPicPr>
-        <p:blipFill>
-          <a:blip r:embed="rId4"/>
-          <a:stretch>
-            <a:fillRect/>
-          </a:stretch>
-        </p:blipFill>
-        <p:spPr>
-          <a:xfrm>
-            <a:off x="587170" y="2166778"/>
-            <a:ext cx="7969660" cy="4038808"/>
-          </a:xfrm>
-          <a:prstGeom prst="rect">
-            <a:avLst/>
-          </a:prstGeom>
-        </p:spPr>
-      </p:pic>
     </p:spTree>
     <p:extLst>
       <p:ext uri="{BB962C8B-B14F-4D97-AF65-F5344CB8AC3E}">
-        <p14:creationId xmlns:p14="http://schemas.microsoft.com/office/powerpoint/2010/main" val="939164369"/>
+        <p14:creationId xmlns:p14="http://schemas.microsoft.com/office/powerpoint/2010/main" val="3721392338"/>
       </p:ext>
     </p:extLst>
   </p:cSld>
@@ -6055,7 +6263,7 @@
           <p:cNvPr id="5" name="Immagine 4" descr="Immagine che contiene testo&#10;&#10;Descrizione generata automaticamente">
             <a:extLst>
               <a:ext uri="{FF2B5EF4-FFF2-40B4-BE49-F238E27FC236}">
-                <a16:creationId xmlns:a16="http://schemas.microsoft.com/office/drawing/2014/main" id="{84E7D8A8-2021-8FCB-9AA5-1AE666E05FA3}"/>
+                <a16:creationId xmlns:a16="http://schemas.microsoft.com/office/drawing/2014/main" id="{9E2BC4B6-9281-0C7E-09EB-F98C9C3249C9}"/>
               </a:ext>
             </a:extLst>
           </p:cNvPr>
@@ -6072,8 +6280,8 @@
         </p:blipFill>
         <p:spPr>
           <a:xfrm>
-            <a:off x="2465328" y="2910357"/>
-            <a:ext cx="4616687" cy="1949550"/>
+            <a:off x="587170" y="2166778"/>
+            <a:ext cx="7969660" cy="4038808"/>
           </a:xfrm>
           <a:prstGeom prst="rect">
             <a:avLst/>
@@ -6083,7 +6291,7 @@
     </p:spTree>
     <p:extLst>
       <p:ext uri="{BB962C8B-B14F-4D97-AF65-F5344CB8AC3E}">
-        <p14:creationId xmlns:p14="http://schemas.microsoft.com/office/powerpoint/2010/main" val="4286268623"/>
+        <p14:creationId xmlns:p14="http://schemas.microsoft.com/office/powerpoint/2010/main" val="939164369"/>
       </p:ext>
     </p:extLst>
   </p:cSld>
@@ -6499,10 +6707,10 @@
       </p:sp>
       <p:pic>
         <p:nvPicPr>
-          <p:cNvPr id="4" name="Immagine 3" descr="Immagine che contiene testo&#10;&#10;Descrizione generata automaticamente">
+          <p:cNvPr id="5" name="Immagine 4" descr="Immagine che contiene testo&#10;&#10;Descrizione generata automaticamente">
             <a:extLst>
               <a:ext uri="{FF2B5EF4-FFF2-40B4-BE49-F238E27FC236}">
-                <a16:creationId xmlns:a16="http://schemas.microsoft.com/office/drawing/2014/main" id="{197E8CA9-F312-0B4F-936A-DC9DC27D64F0}"/>
+                <a16:creationId xmlns:a16="http://schemas.microsoft.com/office/drawing/2014/main" id="{84E7D8A8-2021-8FCB-9AA5-1AE666E05FA3}"/>
               </a:ext>
             </a:extLst>
           </p:cNvPr>
@@ -6519,8 +6727,8 @@
         </p:blipFill>
         <p:spPr>
           <a:xfrm>
-            <a:off x="648253" y="2074445"/>
-            <a:ext cx="7556998" cy="4553873"/>
+            <a:off x="2465328" y="2910357"/>
+            <a:ext cx="4616687" cy="1949550"/>
           </a:xfrm>
           <a:prstGeom prst="rect">
             <a:avLst/>
@@ -6530,7 +6738,7 @@
     </p:spTree>
     <p:extLst>
       <p:ext uri="{BB962C8B-B14F-4D97-AF65-F5344CB8AC3E}">
-        <p14:creationId xmlns:p14="http://schemas.microsoft.com/office/powerpoint/2010/main" val="3873782385"/>
+        <p14:creationId xmlns:p14="http://schemas.microsoft.com/office/powerpoint/2010/main" val="4286268623"/>
       </p:ext>
     </p:extLst>
   </p:cSld>
@@ -6590,7 +6798,7 @@
         <p:spPr>
           <a:xfrm>
             <a:off x="648253" y="1305402"/>
-            <a:ext cx="5196702" cy="830997"/>
+            <a:ext cx="5196702" cy="461665"/>
           </a:xfrm>
           <a:prstGeom prst="rect">
             <a:avLst/>
@@ -6613,7 +6821,7 @@
                 <a:latin typeface="Arial"/>
                 <a:cs typeface="Arial"/>
               </a:rPr>
-              <a:t>Speedup</a:t>
+              <a:t>Parallelization</a:t>
             </a:r>
             <a:r>
               <a:rPr lang="it-IT" sz="2400" b="1" dirty="0">
@@ -6625,10 +6833,20 @@
                 <a:latin typeface="Arial"/>
                 <a:cs typeface="Arial"/>
               </a:rPr>
-              <a:t> Analysis</a:t>
-            </a:r>
-          </a:p>
-          <a:p>
+              <a:t> with </a:t>
+            </a:r>
+            <a:r>
+              <a:rPr lang="it-IT" sz="2400" b="1" dirty="0" err="1">
+                <a:solidFill>
+                  <a:schemeClr val="accent1">
+                    <a:lumMod val="75000"/>
+                  </a:schemeClr>
+                </a:solidFill>
+                <a:latin typeface="Arial"/>
+                <a:cs typeface="Arial"/>
+              </a:rPr>
+              <a:t>Joblib</a:t>
+            </a:r>
             <a:endParaRPr lang="it-IT" sz="2400" b="1" dirty="0">
               <a:solidFill>
                 <a:schemeClr val="accent1">
@@ -6650,7 +6868,7 @@
         <p:spPr>
           <a:xfrm>
             <a:off x="648253" y="1705113"/>
-            <a:ext cx="1146468" cy="369332"/>
+            <a:ext cx="736099" cy="369332"/>
           </a:xfrm>
           <a:prstGeom prst="rect">
             <a:avLst/>
@@ -6668,56 +6886,7 @@
                 <a:latin typeface="Arial"/>
                 <a:cs typeface="Arial"/>
               </a:rPr>
-              <a:t>Definition</a:t>
-            </a:r>
-          </a:p>
-        </p:txBody>
-      </p:sp>
-      <p:sp>
-        <p:nvSpPr>
-          <p:cNvPr id="9" name="CasellaDiTesto 8"/>
-          <p:cNvSpPr txBox="1"/>
-          <p:nvPr/>
-        </p:nvSpPr>
-        <p:spPr>
-          <a:xfrm>
-            <a:off x="648253" y="2378264"/>
-            <a:ext cx="7819027" cy="1169551"/>
-          </a:xfrm>
-          <a:prstGeom prst="rect">
-            <a:avLst/>
-          </a:prstGeom>
-          <a:noFill/>
-        </p:spPr>
-        <p:txBody>
-          <a:bodyPr wrap="square" rtlCol="0">
-            <a:spAutoFit/>
-          </a:bodyPr>
-          <a:lstStyle/>
-          <a:p>
-            <a:pPr algn="just"/>
-            <a:r>
-              <a:rPr lang="en-US" sz="1400" dirty="0"/>
-              <a:t>In order to compare the performance of a sequential algorithm with its parallel version we can use the concept of </a:t>
-            </a:r>
-            <a:r>
-              <a:rPr lang="en-US" sz="1400" b="1" dirty="0"/>
-              <a:t>speedup</a:t>
-            </a:r>
-            <a:r>
-              <a:rPr lang="en-US" sz="1400" dirty="0"/>
-              <a:t>.</a:t>
-            </a:r>
-          </a:p>
-          <a:p>
-            <a:pPr algn="just"/>
-            <a:endParaRPr lang="en-US" sz="1400" dirty="0"/>
-          </a:p>
-          <a:p>
-            <a:pPr algn="just"/>
-            <a:r>
-              <a:rPr lang="en-US" sz="1400" dirty="0"/>
-              <a:t>Speedup is measured as the ratio between the execution time of the sequential algorithm and the parallel one.</a:t>
+              <a:t>Code</a:t>
             </a:r>
           </a:p>
         </p:txBody>
@@ -6985,10 +7154,10 @@
       </p:sp>
       <p:pic>
         <p:nvPicPr>
-          <p:cNvPr id="5" name="Immagine 4">
+          <p:cNvPr id="4" name="Immagine 3" descr="Immagine che contiene testo&#10;&#10;Descrizione generata automaticamente">
             <a:extLst>
               <a:ext uri="{FF2B5EF4-FFF2-40B4-BE49-F238E27FC236}">
-                <a16:creationId xmlns:a16="http://schemas.microsoft.com/office/drawing/2014/main" id="{50110DEC-1E9A-2C82-AA49-62E6374C5D9F}"/>
+                <a16:creationId xmlns:a16="http://schemas.microsoft.com/office/drawing/2014/main" id="{197E8CA9-F312-0B4F-936A-DC9DC27D64F0}"/>
               </a:ext>
             </a:extLst>
           </p:cNvPr>
@@ -7005,70 +7174,18 @@
         </p:blipFill>
         <p:spPr>
           <a:xfrm>
-            <a:off x="4040484" y="3547815"/>
-            <a:ext cx="1099544" cy="1056842"/>
+            <a:off x="648253" y="2074445"/>
+            <a:ext cx="7556998" cy="4553873"/>
           </a:xfrm>
           <a:prstGeom prst="rect">
             <a:avLst/>
           </a:prstGeom>
         </p:spPr>
       </p:pic>
-      <p:sp>
-        <p:nvSpPr>
-          <p:cNvPr id="6" name="CasellaDiTesto 5">
-            <a:extLst>
-              <a:ext uri="{FF2B5EF4-FFF2-40B4-BE49-F238E27FC236}">
-                <a16:creationId xmlns:a16="http://schemas.microsoft.com/office/drawing/2014/main" id="{1ABFE85D-59C6-350B-0C36-765E48E99E35}"/>
-              </a:ext>
-            </a:extLst>
-          </p:cNvPr>
-          <p:cNvSpPr txBox="1"/>
-          <p:nvPr/>
-        </p:nvSpPr>
-        <p:spPr>
-          <a:xfrm>
-            <a:off x="648252" y="4768544"/>
-            <a:ext cx="7819027" cy="523220"/>
-          </a:xfrm>
-          <a:prstGeom prst="rect">
-            <a:avLst/>
-          </a:prstGeom>
-          <a:noFill/>
-        </p:spPr>
-        <p:txBody>
-          <a:bodyPr wrap="square" rtlCol="0">
-            <a:spAutoFit/>
-          </a:bodyPr>
-          <a:lstStyle/>
-          <a:p>
-            <a:pPr algn="just"/>
-            <a:r>
-              <a:rPr lang="en-US" sz="1400" dirty="0"/>
-              <a:t>Ideally, we should look for </a:t>
-            </a:r>
-            <a:r>
-              <a:rPr lang="en-US" sz="1400" i="1" dirty="0"/>
-              <a:t>perfect speedup </a:t>
-            </a:r>
-            <a:r>
-              <a:rPr lang="en-US" sz="1400" dirty="0"/>
-              <a:t>or even </a:t>
-            </a:r>
-            <a:r>
-              <a:rPr lang="en-US" sz="1400" i="1" dirty="0"/>
-              <a:t>linear speedup</a:t>
-            </a:r>
-            <a:r>
-              <a:rPr lang="en-US" sz="1400" dirty="0"/>
-              <a:t>, meaning S should be equal or similar to the number of processors used to perform the parallel algorithm.</a:t>
-            </a:r>
-          </a:p>
-        </p:txBody>
-      </p:sp>
     </p:spTree>
     <p:extLst>
       <p:ext uri="{BB962C8B-B14F-4D97-AF65-F5344CB8AC3E}">
-        <p14:creationId xmlns:p14="http://schemas.microsoft.com/office/powerpoint/2010/main" val="2140452309"/>
+        <p14:creationId xmlns:p14="http://schemas.microsoft.com/office/powerpoint/2010/main" val="3873782385"/>
       </p:ext>
     </p:extLst>
   </p:cSld>
@@ -7128,7 +7245,7 @@
         <p:spPr>
           <a:xfrm>
             <a:off x="648253" y="1305402"/>
-            <a:ext cx="5196702" cy="461665"/>
+            <a:ext cx="5196702" cy="830997"/>
           </a:xfrm>
           <a:prstGeom prst="rect">
             <a:avLst/>
@@ -7166,6 +7283,17 @@
               <a:t> Analysis</a:t>
             </a:r>
           </a:p>
+          <a:p>
+            <a:endParaRPr lang="it-IT" sz="2400" b="1" dirty="0">
+              <a:solidFill>
+                <a:schemeClr val="accent1">
+                  <a:lumMod val="75000"/>
+                </a:schemeClr>
+              </a:solidFill>
+              <a:latin typeface="Arial"/>
+              <a:cs typeface="Arial"/>
+            </a:endParaRPr>
+          </a:p>
         </p:txBody>
       </p:sp>
       <p:sp>
@@ -7177,7 +7305,7 @@
         <p:spPr>
           <a:xfrm>
             <a:off x="648253" y="1705113"/>
-            <a:ext cx="4117474" cy="369332"/>
+            <a:ext cx="1146468" cy="369332"/>
           </a:xfrm>
           <a:prstGeom prst="rect">
             <a:avLst/>
@@ -7191,46 +7319,60 @@
           <a:lstStyle/>
           <a:p>
             <a:r>
-              <a:rPr lang="it-IT" dirty="0" err="1">
-                <a:latin typeface="Arial"/>
-                <a:cs typeface="Arial"/>
-              </a:rPr>
-              <a:t>Speedup</a:t>
-            </a:r>
-            <a:r>
               <a:rPr lang="it-IT" dirty="0">
                 <a:latin typeface="Arial"/>
                 <a:cs typeface="Arial"/>
               </a:rPr>
-              <a:t> </a:t>
-            </a:r>
-            <a:r>
-              <a:rPr lang="it-IT" dirty="0" err="1">
-                <a:latin typeface="Arial"/>
-                <a:cs typeface="Arial"/>
-              </a:rPr>
-              <a:t>results</a:t>
-            </a:r>
-            <a:r>
-              <a:rPr lang="it-IT" dirty="0">
-                <a:latin typeface="Arial"/>
-                <a:cs typeface="Arial"/>
-              </a:rPr>
-              <a:t> with </a:t>
-            </a:r>
-            <a:r>
-              <a:rPr lang="it-IT" dirty="0" err="1">
-                <a:latin typeface="Arial"/>
-                <a:cs typeface="Arial"/>
-              </a:rPr>
-              <a:t>different</a:t>
-            </a:r>
-            <a:r>
-              <a:rPr lang="it-IT" dirty="0">
-                <a:latin typeface="Arial"/>
-                <a:cs typeface="Arial"/>
-              </a:rPr>
-              <a:t> K and N</a:t>
+              <a:t>Definition</a:t>
+            </a:r>
+          </a:p>
+        </p:txBody>
+      </p:sp>
+      <p:sp>
+        <p:nvSpPr>
+          <p:cNvPr id="9" name="CasellaDiTesto 8"/>
+          <p:cNvSpPr txBox="1"/>
+          <p:nvPr/>
+        </p:nvSpPr>
+        <p:spPr>
+          <a:xfrm>
+            <a:off x="648253" y="2378264"/>
+            <a:ext cx="7819027" cy="1169551"/>
+          </a:xfrm>
+          <a:prstGeom prst="rect">
+            <a:avLst/>
+          </a:prstGeom>
+          <a:noFill/>
+        </p:spPr>
+        <p:txBody>
+          <a:bodyPr wrap="square" rtlCol="0">
+            <a:spAutoFit/>
+          </a:bodyPr>
+          <a:lstStyle/>
+          <a:p>
+            <a:pPr algn="just"/>
+            <a:r>
+              <a:rPr lang="en-US" sz="1400" dirty="0"/>
+              <a:t>In order to compare the performance of a sequential algorithm with its parallel version we can use the concept of </a:t>
+            </a:r>
+            <a:r>
+              <a:rPr lang="en-US" sz="1400" b="1" dirty="0"/>
+              <a:t>speedup</a:t>
+            </a:r>
+            <a:r>
+              <a:rPr lang="en-US" sz="1400" dirty="0"/>
+              <a:t>.</a:t>
+            </a:r>
+          </a:p>
+          <a:p>
+            <a:pPr algn="just"/>
+            <a:endParaRPr lang="en-US" sz="1400" dirty="0"/>
+          </a:p>
+          <a:p>
+            <a:pPr algn="just"/>
+            <a:r>
+              <a:rPr lang="en-US" sz="1400" dirty="0"/>
+              <a:t>Speedup is measured as the ratio between the execution time of the sequential algorithm and the parallel one.</a:t>
             </a:r>
           </a:p>
         </p:txBody>
@@ -7496,59 +7638,12 @@
           </a:p>
         </p:txBody>
       </p:sp>
-      <p:sp>
-        <p:nvSpPr>
-          <p:cNvPr id="3" name="CasellaDiTesto 2">
+      <p:pic>
+        <p:nvPicPr>
+          <p:cNvPr id="5" name="Immagine 4">
             <a:extLst>
               <a:ext uri="{FF2B5EF4-FFF2-40B4-BE49-F238E27FC236}">
-                <a16:creationId xmlns:a16="http://schemas.microsoft.com/office/drawing/2014/main" id="{B95BC8D1-F5D2-3865-EF9B-C4FEEBA9C244}"/>
-              </a:ext>
-            </a:extLst>
-          </p:cNvPr>
-          <p:cNvSpPr txBox="1"/>
-          <p:nvPr/>
-        </p:nvSpPr>
-        <p:spPr>
-          <a:xfrm>
-            <a:off x="648253" y="2378264"/>
-            <a:ext cx="7819027" cy="738664"/>
-          </a:xfrm>
-          <a:prstGeom prst="rect">
-            <a:avLst/>
-          </a:prstGeom>
-          <a:noFill/>
-        </p:spPr>
-        <p:txBody>
-          <a:bodyPr wrap="square" rtlCol="0">
-            <a:spAutoFit/>
-          </a:bodyPr>
-          <a:lstStyle/>
-          <a:p>
-            <a:pPr algn="just"/>
-            <a:r>
-              <a:rPr lang="en-US" sz="1400" dirty="0"/>
-              <a:t>The experiments were performed on a Intel Core i7-1165G7 with 4 physical cores 8 logical cores.</a:t>
-            </a:r>
-          </a:p>
-          <a:p>
-            <a:pPr algn="just"/>
-            <a:endParaRPr lang="en-US" sz="1400" dirty="0"/>
-          </a:p>
-          <a:p>
-            <a:pPr algn="just"/>
-            <a:r>
-              <a:rPr lang="en-US" sz="1400" dirty="0"/>
-              <a:t>To evaluate the application performance, different images and kernel sizes were used.</a:t>
-            </a:r>
-          </a:p>
-        </p:txBody>
-      </p:sp>
-      <p:pic>
-        <p:nvPicPr>
-          <p:cNvPr id="9" name="Immagine 8">
-            <a:extLst>
-              <a:ext uri="{FF2B5EF4-FFF2-40B4-BE49-F238E27FC236}">
-                <a16:creationId xmlns:a16="http://schemas.microsoft.com/office/drawing/2014/main" id="{10857534-F219-B1DB-7276-B82CC8185C70}"/>
+                <a16:creationId xmlns:a16="http://schemas.microsoft.com/office/drawing/2014/main" id="{50110DEC-1E9A-2C82-AA49-62E6374C5D9F}"/>
               </a:ext>
             </a:extLst>
           </p:cNvPr>
@@ -7565,48 +7660,70 @@
         </p:blipFill>
         <p:spPr>
           <a:xfrm>
-            <a:off x="4799747" y="3426989"/>
-            <a:ext cx="4221659" cy="3336770"/>
+            <a:off x="4040484" y="3547815"/>
+            <a:ext cx="1099544" cy="1056842"/>
           </a:xfrm>
           <a:prstGeom prst="rect">
             <a:avLst/>
           </a:prstGeom>
         </p:spPr>
       </p:pic>
-      <p:pic>
-        <p:nvPicPr>
-          <p:cNvPr id="15" name="Immagine 14">
+      <p:sp>
+        <p:nvSpPr>
+          <p:cNvPr id="6" name="CasellaDiTesto 5">
             <a:extLst>
               <a:ext uri="{FF2B5EF4-FFF2-40B4-BE49-F238E27FC236}">
-                <a16:creationId xmlns:a16="http://schemas.microsoft.com/office/drawing/2014/main" id="{5D01A203-6486-DB8F-EAB1-71C84FB6C7D1}"/>
+                <a16:creationId xmlns:a16="http://schemas.microsoft.com/office/drawing/2014/main" id="{1ABFE85D-59C6-350B-0C36-765E48E99E35}"/>
               </a:ext>
             </a:extLst>
           </p:cNvPr>
-          <p:cNvPicPr>
-            <a:picLocks noChangeAspect="1"/>
-          </p:cNvPicPr>
+          <p:cNvSpPr txBox="1"/>
           <p:nvPr/>
-        </p:nvPicPr>
-        <p:blipFill>
-          <a:blip r:embed="rId5"/>
-          <a:stretch>
-            <a:fillRect/>
-          </a:stretch>
-        </p:blipFill>
-        <p:spPr>
-          <a:xfrm>
-            <a:off x="544068" y="3291642"/>
-            <a:ext cx="4221659" cy="3487729"/>
-          </a:xfrm>
-          <a:prstGeom prst="rect">
-            <a:avLst/>
-          </a:prstGeom>
-        </p:spPr>
-      </p:pic>
+        </p:nvSpPr>
+        <p:spPr>
+          <a:xfrm>
+            <a:off x="648252" y="4768544"/>
+            <a:ext cx="7819027" cy="523220"/>
+          </a:xfrm>
+          <a:prstGeom prst="rect">
+            <a:avLst/>
+          </a:prstGeom>
+          <a:noFill/>
+        </p:spPr>
+        <p:txBody>
+          <a:bodyPr wrap="square" rtlCol="0">
+            <a:spAutoFit/>
+          </a:bodyPr>
+          <a:lstStyle/>
+          <a:p>
+            <a:pPr algn="just"/>
+            <a:r>
+              <a:rPr lang="en-US" sz="1400" dirty="0"/>
+              <a:t>Ideally, we should look for </a:t>
+            </a:r>
+            <a:r>
+              <a:rPr lang="en-US" sz="1400" i="1" dirty="0"/>
+              <a:t>perfect speedup </a:t>
+            </a:r>
+            <a:r>
+              <a:rPr lang="en-US" sz="1400" dirty="0"/>
+              <a:t>or even </a:t>
+            </a:r>
+            <a:r>
+              <a:rPr lang="en-US" sz="1400" i="1" dirty="0"/>
+              <a:t>linear speedup</a:t>
+            </a:r>
+            <a:r>
+              <a:rPr lang="en-US" sz="1400" dirty="0"/>
+              <a:t>, meaning S should be equal or similar to the number of processors used to perform the parallel algorithm.</a:t>
+            </a:r>
+          </a:p>
+        </p:txBody>
+      </p:sp>
     </p:spTree>
     <p:extLst>
       <p:ext uri="{BB962C8B-B14F-4D97-AF65-F5344CB8AC3E}">
-        <p14:creationId xmlns:p14="http://schemas.microsoft.com/office/powerpoint/2010/main" val="3113929549"/>
+        <p14:creationId xmlns:p14="http://schemas.microsoft.com/office/powerpoint/2010/main" val="2140452309"/>
       </p:ext>
     </p:extLst>
   </p:cSld>
@@ -7715,7 +7832,7 @@
         <p:spPr>
           <a:xfrm>
             <a:off x="648253" y="1705113"/>
-            <a:ext cx="1877502" cy="369332"/>
+            <a:ext cx="4117474" cy="369332"/>
           </a:xfrm>
           <a:prstGeom prst="rect">
             <a:avLst/>
@@ -7733,14 +7850,42 @@
                 <a:latin typeface="Arial"/>
                 <a:cs typeface="Arial"/>
               </a:rPr>
-              <a:t>Execution</a:t>
+              <a:t>Speedup</a:t>
             </a:r>
             <a:r>
               <a:rPr lang="it-IT" dirty="0">
                 <a:latin typeface="Arial"/>
                 <a:cs typeface="Arial"/>
               </a:rPr>
-              <a:t> Times</a:t>
+              <a:t> </a:t>
+            </a:r>
+            <a:r>
+              <a:rPr lang="it-IT" dirty="0" err="1">
+                <a:latin typeface="Arial"/>
+                <a:cs typeface="Arial"/>
+              </a:rPr>
+              <a:t>results</a:t>
+            </a:r>
+            <a:r>
+              <a:rPr lang="it-IT" dirty="0">
+                <a:latin typeface="Arial"/>
+                <a:cs typeface="Arial"/>
+              </a:rPr>
+              <a:t> with </a:t>
+            </a:r>
+            <a:r>
+              <a:rPr lang="it-IT" dirty="0" err="1">
+                <a:latin typeface="Arial"/>
+                <a:cs typeface="Arial"/>
+              </a:rPr>
+              <a:t>different</a:t>
+            </a:r>
+            <a:r>
+              <a:rPr lang="it-IT" dirty="0">
+                <a:latin typeface="Arial"/>
+                <a:cs typeface="Arial"/>
+              </a:rPr>
+              <a:t> K and N</a:t>
             </a:r>
           </a:p>
         </p:txBody>
@@ -8006,12 +8151,59 @@
           </a:p>
         </p:txBody>
       </p:sp>
+      <p:sp>
+        <p:nvSpPr>
+          <p:cNvPr id="3" name="CasellaDiTesto 2">
+            <a:extLst>
+              <a:ext uri="{FF2B5EF4-FFF2-40B4-BE49-F238E27FC236}">
+                <a16:creationId xmlns:a16="http://schemas.microsoft.com/office/drawing/2014/main" id="{B95BC8D1-F5D2-3865-EF9B-C4FEEBA9C244}"/>
+              </a:ext>
+            </a:extLst>
+          </p:cNvPr>
+          <p:cNvSpPr txBox="1"/>
+          <p:nvPr/>
+        </p:nvSpPr>
+        <p:spPr>
+          <a:xfrm>
+            <a:off x="648253" y="2378264"/>
+            <a:ext cx="7819027" cy="738664"/>
+          </a:xfrm>
+          <a:prstGeom prst="rect">
+            <a:avLst/>
+          </a:prstGeom>
+          <a:noFill/>
+        </p:spPr>
+        <p:txBody>
+          <a:bodyPr wrap="square" rtlCol="0">
+            <a:spAutoFit/>
+          </a:bodyPr>
+          <a:lstStyle/>
+          <a:p>
+            <a:pPr algn="just"/>
+            <a:r>
+              <a:rPr lang="en-US" sz="1400" dirty="0"/>
+              <a:t>The experiments were performed on a Intel Core i7-1165G7 with 4 physical cores 8 logical cores.</a:t>
+            </a:r>
+          </a:p>
+          <a:p>
+            <a:pPr algn="just"/>
+            <a:endParaRPr lang="en-US" sz="1400" dirty="0"/>
+          </a:p>
+          <a:p>
+            <a:pPr algn="just"/>
+            <a:r>
+              <a:rPr lang="en-US" sz="1400" dirty="0"/>
+              <a:t>To evaluate the application performance, different images and kernel sizes were used.</a:t>
+            </a:r>
+          </a:p>
+        </p:txBody>
+      </p:sp>
       <p:pic>
         <p:nvPicPr>
-          <p:cNvPr id="4" name="Immagine 3" descr="Immagine che contiene tavolo&#10;&#10;Descrizione generata automaticamente">
+          <p:cNvPr id="9" name="Immagine 8">
             <a:extLst>
               <a:ext uri="{FF2B5EF4-FFF2-40B4-BE49-F238E27FC236}">
-                <a16:creationId xmlns:a16="http://schemas.microsoft.com/office/drawing/2014/main" id="{B4B15DC2-E009-372D-9662-353A87104BB8}"/>
+                <a16:creationId xmlns:a16="http://schemas.microsoft.com/office/drawing/2014/main" id="{10857534-F219-B1DB-7276-B82CC8185C70}"/>
               </a:ext>
             </a:extLst>
           </p:cNvPr>
@@ -8028,8 +8220,8 @@
         </p:blipFill>
         <p:spPr>
           <a:xfrm>
-            <a:off x="648253" y="2246488"/>
-            <a:ext cx="3492679" cy="1797142"/>
+            <a:off x="4799747" y="3426989"/>
+            <a:ext cx="4221659" cy="3336770"/>
           </a:xfrm>
           <a:prstGeom prst="rect">
             <a:avLst/>
@@ -8038,10 +8230,10 @@
       </p:pic>
       <p:pic>
         <p:nvPicPr>
-          <p:cNvPr id="9" name="Immagine 8" descr="Immagine che contiene tavolo&#10;&#10;Descrizione generata automaticamente">
+          <p:cNvPr id="15" name="Immagine 14">
             <a:extLst>
               <a:ext uri="{FF2B5EF4-FFF2-40B4-BE49-F238E27FC236}">
-                <a16:creationId xmlns:a16="http://schemas.microsoft.com/office/drawing/2014/main" id="{F4C8D6E4-823A-0EEE-F6CC-0BD0D9131245}"/>
+                <a16:creationId xmlns:a16="http://schemas.microsoft.com/office/drawing/2014/main" id="{5D01A203-6486-DB8F-EAB1-71C84FB6C7D1}"/>
               </a:ext>
             </a:extLst>
           </p:cNvPr>
@@ -8058,68 +8250,8 @@
         </p:blipFill>
         <p:spPr>
           <a:xfrm>
-            <a:off x="4921752" y="2199620"/>
-            <a:ext cx="3473629" cy="1835244"/>
-          </a:xfrm>
-          <a:prstGeom prst="rect">
-            <a:avLst/>
-          </a:prstGeom>
-        </p:spPr>
-      </p:pic>
-      <p:pic>
-        <p:nvPicPr>
-          <p:cNvPr id="17" name="Immagine 16" descr="Immagine che contiene tavolo&#10;&#10;Descrizione generata automaticamente">
-            <a:extLst>
-              <a:ext uri="{FF2B5EF4-FFF2-40B4-BE49-F238E27FC236}">
-                <a16:creationId xmlns:a16="http://schemas.microsoft.com/office/drawing/2014/main" id="{9D827D87-8A9B-E327-CCC9-189ED9197A10}"/>
-              </a:ext>
-            </a:extLst>
-          </p:cNvPr>
-          <p:cNvPicPr>
-            <a:picLocks noChangeAspect="1"/>
-          </p:cNvPicPr>
-          <p:nvPr/>
-        </p:nvPicPr>
-        <p:blipFill>
-          <a:blip r:embed="rId6"/>
-          <a:stretch>
-            <a:fillRect/>
-          </a:stretch>
-        </p:blipFill>
-        <p:spPr>
-          <a:xfrm>
-            <a:off x="705405" y="4201888"/>
-            <a:ext cx="3435527" cy="1778091"/>
-          </a:xfrm>
-          <a:prstGeom prst="rect">
-            <a:avLst/>
-          </a:prstGeom>
-        </p:spPr>
-      </p:pic>
-      <p:pic>
-        <p:nvPicPr>
-          <p:cNvPr id="20" name="Immagine 19" descr="Immagine che contiene tavolo&#10;&#10;Descrizione generata automaticamente">
-            <a:extLst>
-              <a:ext uri="{FF2B5EF4-FFF2-40B4-BE49-F238E27FC236}">
-                <a16:creationId xmlns:a16="http://schemas.microsoft.com/office/drawing/2014/main" id="{F66D0063-C10D-C32C-6CEF-0FFE397D0E8C}"/>
-              </a:ext>
-            </a:extLst>
-          </p:cNvPr>
-          <p:cNvPicPr>
-            <a:picLocks noChangeAspect="1"/>
-          </p:cNvPicPr>
-          <p:nvPr/>
-        </p:nvPicPr>
-        <p:blipFill>
-          <a:blip r:embed="rId7"/>
-          <a:stretch>
-            <a:fillRect/>
-          </a:stretch>
-        </p:blipFill>
-        <p:spPr>
-          <a:xfrm>
-            <a:off x="4883542" y="4154552"/>
-            <a:ext cx="3448227" cy="1835244"/>
+            <a:off x="544068" y="3291642"/>
+            <a:ext cx="4221659" cy="3487729"/>
           </a:xfrm>
           <a:prstGeom prst="rect">
             <a:avLst/>
@@ -8129,7 +8261,7 @@
     </p:spTree>
     <p:extLst>
       <p:ext uri="{BB962C8B-B14F-4D97-AF65-F5344CB8AC3E}">
-        <p14:creationId xmlns:p14="http://schemas.microsoft.com/office/powerpoint/2010/main" val="3526100407"/>
+        <p14:creationId xmlns:p14="http://schemas.microsoft.com/office/powerpoint/2010/main" val="3113929549"/>
       </p:ext>
     </p:extLst>
   </p:cSld>
@@ -8343,6 +8475,529 @@
               </a:rPr>
               <a:pPr/>
               <a:t>16</a:t>
+            </a:fld>
+            <a:endParaRPr lang="it-IT" b="1" dirty="0">
+              <a:solidFill>
+                <a:schemeClr val="bg1"/>
+              </a:solidFill>
+              <a:latin typeface="Arial"/>
+              <a:cs typeface="Arial"/>
+            </a:endParaRPr>
+          </a:p>
+        </p:txBody>
+      </p:sp>
+      <p:sp>
+        <p:nvSpPr>
+          <p:cNvPr id="10" name="CasellaDiTesto 9"/>
+          <p:cNvSpPr txBox="1"/>
+          <p:nvPr/>
+        </p:nvSpPr>
+        <p:spPr>
+          <a:xfrm>
+            <a:off x="5844956" y="51433"/>
+            <a:ext cx="2848857" cy="338554"/>
+          </a:xfrm>
+          <a:prstGeom prst="rect">
+            <a:avLst/>
+          </a:prstGeom>
+          <a:noFill/>
+        </p:spPr>
+        <p:txBody>
+          <a:bodyPr wrap="none" rtlCol="0">
+            <a:spAutoFit/>
+          </a:bodyPr>
+          <a:lstStyle/>
+          <a:p>
+            <a:pPr algn="r"/>
+            <a:r>
+              <a:rPr lang="it-IT" sz="800" b="1" dirty="0">
+                <a:solidFill>
+                  <a:schemeClr val="bg1"/>
+                </a:solidFill>
+                <a:latin typeface="Arial"/>
+                <a:cs typeface="Arial"/>
+              </a:rPr>
+              <a:t>Kernel Image Processing</a:t>
+            </a:r>
+          </a:p>
+          <a:p>
+            <a:pPr algn="r"/>
+            <a:r>
+              <a:rPr lang="it-IT" sz="800" b="1" dirty="0" err="1">
+                <a:solidFill>
+                  <a:schemeClr val="bg1"/>
+                </a:solidFill>
+                <a:latin typeface="Arial"/>
+                <a:cs typeface="Arial"/>
+              </a:rPr>
+              <a:t>Comparison</a:t>
+            </a:r>
+            <a:r>
+              <a:rPr lang="it-IT" sz="800" b="1" dirty="0">
+                <a:solidFill>
+                  <a:schemeClr val="bg1"/>
+                </a:solidFill>
+                <a:latin typeface="Arial"/>
+                <a:cs typeface="Arial"/>
+              </a:rPr>
+              <a:t> </a:t>
+            </a:r>
+            <a:r>
+              <a:rPr lang="it-IT" sz="800" b="1" dirty="0" err="1">
+                <a:solidFill>
+                  <a:schemeClr val="bg1"/>
+                </a:solidFill>
+                <a:latin typeface="Arial"/>
+                <a:cs typeface="Arial"/>
+              </a:rPr>
+              <a:t>between</a:t>
+            </a:r>
+            <a:r>
+              <a:rPr lang="it-IT" sz="800" b="1" dirty="0">
+                <a:solidFill>
+                  <a:schemeClr val="bg1"/>
+                </a:solidFill>
+                <a:latin typeface="Arial"/>
+                <a:cs typeface="Arial"/>
+              </a:rPr>
+              <a:t> a </a:t>
+            </a:r>
+            <a:r>
+              <a:rPr lang="it-IT" sz="800" b="1" dirty="0" err="1">
+                <a:solidFill>
+                  <a:schemeClr val="bg1"/>
+                </a:solidFill>
+                <a:latin typeface="Arial"/>
+                <a:cs typeface="Arial"/>
+              </a:rPr>
+              <a:t>sequential</a:t>
+            </a:r>
+            <a:r>
+              <a:rPr lang="it-IT" sz="800" b="1" dirty="0">
+                <a:solidFill>
+                  <a:schemeClr val="bg1"/>
+                </a:solidFill>
+                <a:latin typeface="Arial"/>
+                <a:cs typeface="Arial"/>
+              </a:rPr>
+              <a:t> and </a:t>
+            </a:r>
+            <a:r>
+              <a:rPr lang="it-IT" sz="800" b="1" dirty="0" err="1">
+                <a:solidFill>
+                  <a:schemeClr val="bg1"/>
+                </a:solidFill>
+                <a:latin typeface="Arial"/>
+                <a:cs typeface="Arial"/>
+              </a:rPr>
+              <a:t>parallel</a:t>
+            </a:r>
+            <a:r>
+              <a:rPr lang="it-IT" sz="800" b="1" dirty="0">
+                <a:solidFill>
+                  <a:schemeClr val="bg1"/>
+                </a:solidFill>
+                <a:latin typeface="Arial"/>
+                <a:cs typeface="Arial"/>
+              </a:rPr>
+              <a:t> </a:t>
+            </a:r>
+            <a:r>
+              <a:rPr lang="it-IT" sz="800" b="1" dirty="0" err="1">
+                <a:solidFill>
+                  <a:schemeClr val="bg1"/>
+                </a:solidFill>
+                <a:latin typeface="Arial"/>
+                <a:cs typeface="Arial"/>
+              </a:rPr>
+              <a:t>version</a:t>
+            </a:r>
+            <a:endParaRPr lang="it-IT" sz="800" b="1" dirty="0">
+              <a:solidFill>
+                <a:schemeClr val="bg1"/>
+              </a:solidFill>
+              <a:latin typeface="Arial"/>
+              <a:cs typeface="Arial"/>
+            </a:endParaRPr>
+          </a:p>
+        </p:txBody>
+      </p:sp>
+      <p:sp>
+        <p:nvSpPr>
+          <p:cNvPr id="14" name="CasellaDiTesto 13"/>
+          <p:cNvSpPr txBox="1"/>
+          <p:nvPr/>
+        </p:nvSpPr>
+        <p:spPr>
+          <a:xfrm>
+            <a:off x="7082015" y="403482"/>
+            <a:ext cx="1621846" cy="492443"/>
+          </a:xfrm>
+          <a:prstGeom prst="rect">
+            <a:avLst/>
+          </a:prstGeom>
+          <a:noFill/>
+        </p:spPr>
+        <p:txBody>
+          <a:bodyPr wrap="none" rtlCol="0">
+            <a:spAutoFit/>
+          </a:bodyPr>
+          <a:lstStyle/>
+          <a:p>
+            <a:pPr algn="r"/>
+            <a:r>
+              <a:rPr lang="it-IT" sz="800" dirty="0">
+                <a:solidFill>
+                  <a:schemeClr val="bg1"/>
+                </a:solidFill>
+                <a:latin typeface="Arial"/>
+                <a:cs typeface="Arial"/>
+              </a:rPr>
+              <a:t>Firenze – 12/1/2023</a:t>
+            </a:r>
+          </a:p>
+          <a:p>
+            <a:endParaRPr lang="it-IT" dirty="0"/>
+          </a:p>
+        </p:txBody>
+      </p:sp>
+      <p:pic>
+        <p:nvPicPr>
+          <p:cNvPr id="4" name="Immagine 3" descr="Immagine che contiene tavolo&#10;&#10;Descrizione generata automaticamente">
+            <a:extLst>
+              <a:ext uri="{FF2B5EF4-FFF2-40B4-BE49-F238E27FC236}">
+                <a16:creationId xmlns:a16="http://schemas.microsoft.com/office/drawing/2014/main" id="{B4B15DC2-E009-372D-9662-353A87104BB8}"/>
+              </a:ext>
+            </a:extLst>
+          </p:cNvPr>
+          <p:cNvPicPr>
+            <a:picLocks noChangeAspect="1"/>
+          </p:cNvPicPr>
+          <p:nvPr/>
+        </p:nvPicPr>
+        <p:blipFill>
+          <a:blip r:embed="rId4"/>
+          <a:stretch>
+            <a:fillRect/>
+          </a:stretch>
+        </p:blipFill>
+        <p:spPr>
+          <a:xfrm>
+            <a:off x="648253" y="2246488"/>
+            <a:ext cx="3492679" cy="1797142"/>
+          </a:xfrm>
+          <a:prstGeom prst="rect">
+            <a:avLst/>
+          </a:prstGeom>
+        </p:spPr>
+      </p:pic>
+      <p:pic>
+        <p:nvPicPr>
+          <p:cNvPr id="9" name="Immagine 8" descr="Immagine che contiene tavolo&#10;&#10;Descrizione generata automaticamente">
+            <a:extLst>
+              <a:ext uri="{FF2B5EF4-FFF2-40B4-BE49-F238E27FC236}">
+                <a16:creationId xmlns:a16="http://schemas.microsoft.com/office/drawing/2014/main" id="{F4C8D6E4-823A-0EEE-F6CC-0BD0D9131245}"/>
+              </a:ext>
+            </a:extLst>
+          </p:cNvPr>
+          <p:cNvPicPr>
+            <a:picLocks noChangeAspect="1"/>
+          </p:cNvPicPr>
+          <p:nvPr/>
+        </p:nvPicPr>
+        <p:blipFill>
+          <a:blip r:embed="rId5"/>
+          <a:stretch>
+            <a:fillRect/>
+          </a:stretch>
+        </p:blipFill>
+        <p:spPr>
+          <a:xfrm>
+            <a:off x="4921752" y="2199620"/>
+            <a:ext cx="3473629" cy="1835244"/>
+          </a:xfrm>
+          <a:prstGeom prst="rect">
+            <a:avLst/>
+          </a:prstGeom>
+        </p:spPr>
+      </p:pic>
+      <p:pic>
+        <p:nvPicPr>
+          <p:cNvPr id="17" name="Immagine 16" descr="Immagine che contiene tavolo&#10;&#10;Descrizione generata automaticamente">
+            <a:extLst>
+              <a:ext uri="{FF2B5EF4-FFF2-40B4-BE49-F238E27FC236}">
+                <a16:creationId xmlns:a16="http://schemas.microsoft.com/office/drawing/2014/main" id="{9D827D87-8A9B-E327-CCC9-189ED9197A10}"/>
+              </a:ext>
+            </a:extLst>
+          </p:cNvPr>
+          <p:cNvPicPr>
+            <a:picLocks noChangeAspect="1"/>
+          </p:cNvPicPr>
+          <p:nvPr/>
+        </p:nvPicPr>
+        <p:blipFill>
+          <a:blip r:embed="rId6"/>
+          <a:stretch>
+            <a:fillRect/>
+          </a:stretch>
+        </p:blipFill>
+        <p:spPr>
+          <a:xfrm>
+            <a:off x="705405" y="4201888"/>
+            <a:ext cx="3435527" cy="1778091"/>
+          </a:xfrm>
+          <a:prstGeom prst="rect">
+            <a:avLst/>
+          </a:prstGeom>
+        </p:spPr>
+      </p:pic>
+      <p:pic>
+        <p:nvPicPr>
+          <p:cNvPr id="20" name="Immagine 19" descr="Immagine che contiene tavolo&#10;&#10;Descrizione generata automaticamente">
+            <a:extLst>
+              <a:ext uri="{FF2B5EF4-FFF2-40B4-BE49-F238E27FC236}">
+                <a16:creationId xmlns:a16="http://schemas.microsoft.com/office/drawing/2014/main" id="{F66D0063-C10D-C32C-6CEF-0FFE397D0E8C}"/>
+              </a:ext>
+            </a:extLst>
+          </p:cNvPr>
+          <p:cNvPicPr>
+            <a:picLocks noChangeAspect="1"/>
+          </p:cNvPicPr>
+          <p:nvPr/>
+        </p:nvPicPr>
+        <p:blipFill>
+          <a:blip r:embed="rId7"/>
+          <a:stretch>
+            <a:fillRect/>
+          </a:stretch>
+        </p:blipFill>
+        <p:spPr>
+          <a:xfrm>
+            <a:off x="4883542" y="4154552"/>
+            <a:ext cx="3448227" cy="1835244"/>
+          </a:xfrm>
+          <a:prstGeom prst="rect">
+            <a:avLst/>
+          </a:prstGeom>
+        </p:spPr>
+      </p:pic>
+    </p:spTree>
+    <p:extLst>
+      <p:ext uri="{BB962C8B-B14F-4D97-AF65-F5344CB8AC3E}">
+        <p14:creationId xmlns:p14="http://schemas.microsoft.com/office/powerpoint/2010/main" val="3526100407"/>
+      </p:ext>
+    </p:extLst>
+  </p:cSld>
+  <p:clrMapOvr>
+    <a:masterClrMapping/>
+  </p:clrMapOvr>
+</p:sld>
+</file>
+
+<file path=ppt/slides/slide17.xml><?xml version="1.0" encoding="utf-8"?>
+<p:sld xmlns:a="http://schemas.openxmlformats.org/drawingml/2006/main" xmlns:r="http://schemas.openxmlformats.org/officeDocument/2006/relationships" xmlns:p="http://schemas.openxmlformats.org/presentationml/2006/main">
+  <p:cSld>
+    <p:spTree>
+      <p:nvGrpSpPr>
+        <p:cNvPr id="1" name=""/>
+        <p:cNvGrpSpPr/>
+        <p:nvPr/>
+      </p:nvGrpSpPr>
+      <p:grpSpPr>
+        <a:xfrm>
+          <a:off x="0" y="0"/>
+          <a:ext cx="0" cy="0"/>
+          <a:chOff x="0" y="0"/>
+          <a:chExt cx="0" cy="0"/>
+        </a:xfrm>
+      </p:grpSpPr>
+      <p:pic>
+        <p:nvPicPr>
+          <p:cNvPr id="2" name="Immagine 1"/>
+          <p:cNvPicPr>
+            <a:picLocks noChangeAspect="1"/>
+          </p:cNvPicPr>
+          <p:nvPr/>
+        </p:nvPicPr>
+        <p:blipFill>
+          <a:blip r:embed="rId3"/>
+          <a:stretch>
+            <a:fillRect/>
+          </a:stretch>
+        </p:blipFill>
+        <p:spPr>
+          <a:xfrm>
+            <a:off x="0" y="1707"/>
+            <a:ext cx="9180512" cy="6872633"/>
+          </a:xfrm>
+          <a:prstGeom prst="rect">
+            <a:avLst/>
+          </a:prstGeom>
+        </p:spPr>
+      </p:pic>
+      <p:sp>
+        <p:nvSpPr>
+          <p:cNvPr id="7" name="CasellaDiTesto 6"/>
+          <p:cNvSpPr txBox="1"/>
+          <p:nvPr/>
+        </p:nvSpPr>
+        <p:spPr>
+          <a:xfrm>
+            <a:off x="648253" y="1305402"/>
+            <a:ext cx="5196702" cy="461665"/>
+          </a:xfrm>
+          <a:prstGeom prst="rect">
+            <a:avLst/>
+          </a:prstGeom>
+          <a:noFill/>
+        </p:spPr>
+        <p:txBody>
+          <a:bodyPr wrap="square" rtlCol="0">
+            <a:spAutoFit/>
+          </a:bodyPr>
+          <a:lstStyle/>
+          <a:p>
+            <a:r>
+              <a:rPr lang="it-IT" sz="2400" b="1" dirty="0" err="1">
+                <a:solidFill>
+                  <a:schemeClr val="accent1">
+                    <a:lumMod val="75000"/>
+                  </a:schemeClr>
+                </a:solidFill>
+                <a:latin typeface="Arial"/>
+                <a:cs typeface="Arial"/>
+              </a:rPr>
+              <a:t>Speedup</a:t>
+            </a:r>
+            <a:r>
+              <a:rPr lang="it-IT" sz="2400" b="1" dirty="0">
+                <a:solidFill>
+                  <a:schemeClr val="accent1">
+                    <a:lumMod val="75000"/>
+                  </a:schemeClr>
+                </a:solidFill>
+                <a:latin typeface="Arial"/>
+                <a:cs typeface="Arial"/>
+              </a:rPr>
+              <a:t> Analysis</a:t>
+            </a:r>
+          </a:p>
+        </p:txBody>
+      </p:sp>
+      <p:sp>
+        <p:nvSpPr>
+          <p:cNvPr id="8" name="CasellaDiTesto 7"/>
+          <p:cNvSpPr txBox="1"/>
+          <p:nvPr/>
+        </p:nvSpPr>
+        <p:spPr>
+          <a:xfrm>
+            <a:off x="648253" y="1705113"/>
+            <a:ext cx="1877502" cy="369332"/>
+          </a:xfrm>
+          <a:prstGeom prst="rect">
+            <a:avLst/>
+          </a:prstGeom>
+          <a:noFill/>
+        </p:spPr>
+        <p:txBody>
+          <a:bodyPr wrap="none" rtlCol="0">
+            <a:spAutoFit/>
+          </a:bodyPr>
+          <a:lstStyle/>
+          <a:p>
+            <a:r>
+              <a:rPr lang="it-IT" dirty="0" err="1">
+                <a:latin typeface="Arial"/>
+                <a:cs typeface="Arial"/>
+              </a:rPr>
+              <a:t>Execution</a:t>
+            </a:r>
+            <a:r>
+              <a:rPr lang="it-IT" dirty="0">
+                <a:latin typeface="Arial"/>
+                <a:cs typeface="Arial"/>
+              </a:rPr>
+              <a:t> Times</a:t>
+            </a:r>
+          </a:p>
+        </p:txBody>
+      </p:sp>
+      <p:sp>
+        <p:nvSpPr>
+          <p:cNvPr id="12" name="Rettangolo 11"/>
+          <p:cNvSpPr/>
+          <p:nvPr/>
+        </p:nvSpPr>
+        <p:spPr>
+          <a:xfrm>
+            <a:off x="8255000" y="6366466"/>
+            <a:ext cx="280763" cy="501650"/>
+          </a:xfrm>
+          <a:prstGeom prst="rect">
+            <a:avLst/>
+          </a:prstGeom>
+          <a:solidFill>
+            <a:srgbClr val="003053"/>
+          </a:solidFill>
+        </p:spPr>
+        <p:style>
+          <a:lnRef idx="1">
+            <a:schemeClr val="accent1"/>
+          </a:lnRef>
+          <a:fillRef idx="3">
+            <a:schemeClr val="accent1"/>
+          </a:fillRef>
+          <a:effectRef idx="2">
+            <a:schemeClr val="accent1"/>
+          </a:effectRef>
+          <a:fontRef idx="minor">
+            <a:schemeClr val="lt1"/>
+          </a:fontRef>
+        </p:style>
+        <p:txBody>
+          <a:bodyPr rtlCol="0" anchor="ctr"/>
+          <a:lstStyle/>
+          <a:p>
+            <a:pPr algn="ctr"/>
+            <a:endParaRPr lang="it-IT">
+              <a:solidFill>
+                <a:srgbClr val="003257"/>
+              </a:solidFill>
+            </a:endParaRPr>
+          </a:p>
+        </p:txBody>
+      </p:sp>
+      <p:sp>
+        <p:nvSpPr>
+          <p:cNvPr id="11" name="Segnaposto numero diapositiva 10"/>
+          <p:cNvSpPr>
+            <a:spLocks noGrp="1"/>
+          </p:cNvSpPr>
+          <p:nvPr>
+            <p:ph type="sldNum" sz="quarter" idx="12"/>
+          </p:nvPr>
+        </p:nvSpPr>
+        <p:spPr>
+          <a:xfrm>
+            <a:off x="6402163" y="6356350"/>
+            <a:ext cx="2133600" cy="365125"/>
+          </a:xfrm>
+        </p:spPr>
+        <p:txBody>
+          <a:bodyPr/>
+          <a:lstStyle/>
+          <a:p>
+            <a:fld id="{8EB8520A-26EA-DE4B-B141-4532FC98FF0E}" type="slidenum">
+              <a:rPr lang="it-IT" b="1" smtClean="0">
+                <a:solidFill>
+                  <a:schemeClr val="bg1"/>
+                </a:solidFill>
+                <a:latin typeface="Arial"/>
+                <a:cs typeface="Arial"/>
+              </a:rPr>
+              <a:pPr/>
+              <a:t>17</a:t>
             </a:fld>
             <a:endParaRPr lang="it-IT" b="1" dirty="0">
               <a:solidFill>
@@ -12167,31 +12822,7 @@
                 <a:latin typeface="Arial"/>
                 <a:cs typeface="Arial"/>
               </a:rPr>
-              <a:t>Parallelization</a:t>
-            </a:r>
-            <a:r>
-              <a:rPr lang="it-IT" sz="2400" b="1" dirty="0">
-                <a:solidFill>
-                  <a:schemeClr val="accent1">
-                    <a:lumMod val="75000"/>
-                  </a:schemeClr>
-                </a:solidFill>
-                <a:latin typeface="Arial"/>
-                <a:cs typeface="Arial"/>
-              </a:rPr>
-              <a:t> with </a:t>
-            </a:r>
-            <a:r>
-              <a:rPr lang="it-IT" sz="2400" b="1" dirty="0" err="1">
-                <a:solidFill>
-                  <a:schemeClr val="accent1">
-                    <a:lumMod val="75000"/>
-                  </a:schemeClr>
-                </a:solidFill>
-                <a:latin typeface="Arial"/>
-                <a:cs typeface="Arial"/>
-              </a:rPr>
-              <a:t>Joblib</a:t>
+              <a:t>Result</a:t>
             </a:r>
             <a:endParaRPr lang="it-IT" sz="2400" b="1" dirty="0">
               <a:solidFill>
@@ -12214,7 +12845,7 @@
         <p:spPr>
           <a:xfrm>
             <a:off x="648253" y="1705113"/>
-            <a:ext cx="774571" cy="369332"/>
+            <a:ext cx="595035" cy="369332"/>
           </a:xfrm>
           <a:prstGeom prst="rect">
             <a:avLst/>
@@ -12232,158 +12863,7 @@
                 <a:latin typeface="Arial"/>
                 <a:cs typeface="Arial"/>
               </a:rPr>
-              <a:t>Steps</a:t>
-            </a:r>
-          </a:p>
-        </p:txBody>
-      </p:sp>
-      <p:sp>
-        <p:nvSpPr>
-          <p:cNvPr id="9" name="CasellaDiTesto 8"/>
-          <p:cNvSpPr txBox="1"/>
-          <p:nvPr/>
-        </p:nvSpPr>
-        <p:spPr>
-          <a:xfrm>
-            <a:off x="648253" y="2378264"/>
-            <a:ext cx="7819027" cy="3108543"/>
-          </a:xfrm>
-          <a:prstGeom prst="rect">
-            <a:avLst/>
-          </a:prstGeom>
-          <a:noFill/>
-        </p:spPr>
-        <p:txBody>
-          <a:bodyPr wrap="square" rtlCol="0">
-            <a:spAutoFit/>
-          </a:bodyPr>
-          <a:lstStyle/>
-          <a:p>
-            <a:pPr algn="just"/>
-            <a:r>
-              <a:rPr lang="en-US" sz="1400" b="1" dirty="0" err="1"/>
-              <a:t>Joblib</a:t>
-            </a:r>
-            <a:r>
-              <a:rPr lang="en-US" sz="1400" dirty="0"/>
-              <a:t> is a high-level library that allows to parallelize computation through the use of a backend library (multiprocessing or </a:t>
-            </a:r>
-            <a:r>
-              <a:rPr lang="en-US" sz="1400" dirty="0" err="1"/>
-              <a:t>loki</a:t>
-            </a:r>
-            <a:r>
-              <a:rPr lang="en-US" sz="1400" dirty="0"/>
-              <a:t>) by spawning </a:t>
-            </a:r>
-            <a:r>
-              <a:rPr lang="en-US" sz="1400" b="1" dirty="0"/>
-              <a:t>processes</a:t>
-            </a:r>
-            <a:r>
-              <a:rPr lang="en-US" sz="1400" dirty="0"/>
-              <a:t> instead of </a:t>
-            </a:r>
-            <a:r>
-              <a:rPr lang="en-US" sz="1400" b="1" dirty="0"/>
-              <a:t>threads</a:t>
-            </a:r>
-            <a:r>
-              <a:rPr lang="en-US" sz="1400" dirty="0"/>
-              <a:t>.</a:t>
-            </a:r>
-          </a:p>
-          <a:p>
-            <a:pPr algn="just"/>
-            <a:endParaRPr lang="en-US" sz="1400" dirty="0"/>
-          </a:p>
-          <a:p>
-            <a:pPr algn="just"/>
-            <a:r>
-              <a:rPr lang="en-US" sz="1400" dirty="0"/>
-              <a:t>The kernel convolution algorithm is an </a:t>
-            </a:r>
-            <a:r>
-              <a:rPr lang="en-US" sz="1400" b="1" dirty="0" err="1"/>
-              <a:t>embarassingly</a:t>
-            </a:r>
-            <a:r>
-              <a:rPr lang="en-US" sz="1400" b="1" dirty="0"/>
-              <a:t> parallel problem</a:t>
-            </a:r>
-            <a:r>
-              <a:rPr lang="en-US" sz="1400" dirty="0"/>
-              <a:t>: the computation of each output pixel is independent from one another, and the input image and kernel are only read, </a:t>
-            </a:r>
-            <a:r>
-              <a:rPr lang="en-US" sz="1400" b="1" dirty="0"/>
-              <a:t>no synchronization </a:t>
-            </a:r>
-            <a:r>
-              <a:rPr lang="en-US" sz="1400" dirty="0"/>
-              <a:t>is needed.</a:t>
-            </a:r>
-          </a:p>
-          <a:p>
-            <a:pPr algn="just"/>
-            <a:endParaRPr lang="en-US" sz="1400" dirty="0"/>
-          </a:p>
-          <a:p>
-            <a:pPr algn="just"/>
-            <a:r>
-              <a:rPr lang="en-US" sz="1400" dirty="0"/>
-              <a:t>However, it isn't convenient to have each pixel computed independently because of the drastic increase in overhead for process management. Therefore, the image is split in sub-images, and each process computes the output for a single slice.</a:t>
-            </a:r>
-          </a:p>
-          <a:p>
-            <a:pPr algn="just"/>
-            <a:endParaRPr lang="en-US" sz="1400" dirty="0"/>
-          </a:p>
-          <a:p>
-            <a:pPr algn="just"/>
-            <a:r>
-              <a:rPr lang="en-US" sz="1400" dirty="0"/>
-              <a:t>Another problem: each process needs the input image (a </a:t>
-            </a:r>
-            <a:r>
-              <a:rPr lang="en-US" sz="1400" dirty="0" err="1"/>
-              <a:t>numpy</a:t>
-            </a:r>
-            <a:r>
-              <a:rPr lang="en-US" sz="1400" dirty="0"/>
-              <a:t> array), a large object that needs to be copied every time and slows down the process instantiation. To avoid this, we can use the </a:t>
-            </a:r>
-            <a:r>
-              <a:rPr lang="en-US" sz="1400" b="1" dirty="0" err="1"/>
-              <a:t>joblib.dump</a:t>
-            </a:r>
-            <a:r>
-              <a:rPr lang="en-US" sz="1400" b="1" dirty="0"/>
-              <a:t>() </a:t>
-            </a:r>
-            <a:r>
-              <a:rPr lang="en-US" sz="1400" dirty="0"/>
-              <a:t>and </a:t>
-            </a:r>
-            <a:r>
-              <a:rPr lang="en-US" sz="1400" b="1" dirty="0" err="1"/>
-              <a:t>joblib.load</a:t>
-            </a:r>
-            <a:r>
-              <a:rPr lang="en-US" sz="1400" b="1" dirty="0"/>
-              <a:t>() </a:t>
-            </a:r>
-            <a:r>
-              <a:rPr lang="en-US" sz="1400" dirty="0"/>
-              <a:t>functions to save and reload the </a:t>
-            </a:r>
-            <a:r>
-              <a:rPr lang="en-US" sz="1400" dirty="0" err="1"/>
-              <a:t>numpy</a:t>
-            </a:r>
-            <a:r>
-              <a:rPr lang="en-US" sz="1400" dirty="0"/>
-              <a:t> array efficiently. </a:t>
+              <a:t>Blur</a:t>
             </a:r>
           </a:p>
         </p:txBody>
@@ -12649,10 +13129,70 @@
           </a:p>
         </p:txBody>
       </p:sp>
+      <p:pic>
+        <p:nvPicPr>
+          <p:cNvPr id="15" name="Immagine 14" descr="Immagine che contiene gatto, mammifero, gatto domestico, vicino&#10;&#10;Descrizione generata automaticamente">
+            <a:extLst>
+              <a:ext uri="{FF2B5EF4-FFF2-40B4-BE49-F238E27FC236}">
+                <a16:creationId xmlns:a16="http://schemas.microsoft.com/office/drawing/2014/main" id="{D118F3DB-8C83-1696-170D-954BE1527EF3}"/>
+              </a:ext>
+            </a:extLst>
+          </p:cNvPr>
+          <p:cNvPicPr>
+            <a:picLocks noChangeAspect="1"/>
+          </p:cNvPicPr>
+          <p:nvPr/>
+        </p:nvPicPr>
+        <p:blipFill>
+          <a:blip r:embed="rId4"/>
+          <a:stretch>
+            <a:fillRect/>
+          </a:stretch>
+        </p:blipFill>
+        <p:spPr>
+          <a:xfrm>
+            <a:off x="742840" y="2474155"/>
+            <a:ext cx="3542767" cy="3349701"/>
+          </a:xfrm>
+          <a:prstGeom prst="rect">
+            <a:avLst/>
+          </a:prstGeom>
+        </p:spPr>
+      </p:pic>
+      <p:pic>
+        <p:nvPicPr>
+          <p:cNvPr id="17" name="Immagine 16" descr="Immagine che contiene gatto, mammifero, sedendo, gatto domestico&#10;&#10;Descrizione generata automaticamente">
+            <a:extLst>
+              <a:ext uri="{FF2B5EF4-FFF2-40B4-BE49-F238E27FC236}">
+                <a16:creationId xmlns:a16="http://schemas.microsoft.com/office/drawing/2014/main" id="{12CD8589-66D3-1471-1573-E5862481E5B9}"/>
+              </a:ext>
+            </a:extLst>
+          </p:cNvPr>
+          <p:cNvPicPr>
+            <a:picLocks noChangeAspect="1"/>
+          </p:cNvPicPr>
+          <p:nvPr/>
+        </p:nvPicPr>
+        <p:blipFill>
+          <a:blip r:embed="rId5"/>
+          <a:stretch>
+            <a:fillRect/>
+          </a:stretch>
+        </p:blipFill>
+        <p:spPr>
+          <a:xfrm>
+            <a:off x="4858395" y="2474155"/>
+            <a:ext cx="3542765" cy="3349699"/>
+          </a:xfrm>
+          <a:prstGeom prst="rect">
+            <a:avLst/>
+          </a:prstGeom>
+        </p:spPr>
+      </p:pic>
     </p:spTree>
     <p:extLst>
       <p:ext uri="{BB962C8B-B14F-4D97-AF65-F5344CB8AC3E}">
-        <p14:creationId xmlns:p14="http://schemas.microsoft.com/office/powerpoint/2010/main" val="3721392338"/>
+        <p14:creationId xmlns:p14="http://schemas.microsoft.com/office/powerpoint/2010/main" val="2794869360"/>
       </p:ext>
     </p:extLst>
   </p:cSld>

--- a/presentation/KernelImageProcessing.pptx
+++ b/presentation/KernelImageProcessing.pptx
@@ -257,7 +257,7 @@
             <a:fld id="{45BF3CCC-77DD-F84F-A249-CA3C5045A043}" type="datetime1">
               <a:rPr lang="it-IT" smtClean="0"/>
               <a:pPr/>
-              <a:t>14/01/2023</a:t>
+              <a:t>22/01/2023</a:t>
             </a:fld>
             <a:endParaRPr lang="it-IT"/>
           </a:p>
@@ -425,7 +425,7 @@
             <a:fld id="{FE692227-D6DC-FD45-9507-DB2BAD58473C}" type="datetime1">
               <a:rPr lang="it-IT" smtClean="0"/>
               <a:pPr/>
-              <a:t>14/01/2023</a:t>
+              <a:t>22/01/2023</a:t>
             </a:fld>
             <a:endParaRPr lang="it-IT"/>
           </a:p>
@@ -2234,7 +2234,7 @@
             <a:fld id="{AD8BF249-6BAC-CD40-AAE9-334F110649E5}" type="datetimeFigureOut">
               <a:rPr lang="it-IT" smtClean="0"/>
               <a:pPr/>
-              <a:t>14/01/2023</a:t>
+              <a:t>22/01/2023</a:t>
             </a:fld>
             <a:endParaRPr lang="it-IT"/>
           </a:p>
@@ -2404,7 +2404,7 @@
             <a:fld id="{AD8BF249-6BAC-CD40-AAE9-334F110649E5}" type="datetimeFigureOut">
               <a:rPr lang="it-IT" smtClean="0"/>
               <a:pPr/>
-              <a:t>14/01/2023</a:t>
+              <a:t>22/01/2023</a:t>
             </a:fld>
             <a:endParaRPr lang="it-IT"/>
           </a:p>
@@ -2584,7 +2584,7 @@
             <a:fld id="{AD8BF249-6BAC-CD40-AAE9-334F110649E5}" type="datetimeFigureOut">
               <a:rPr lang="it-IT" smtClean="0"/>
               <a:pPr/>
-              <a:t>14/01/2023</a:t>
+              <a:t>22/01/2023</a:t>
             </a:fld>
             <a:endParaRPr lang="it-IT"/>
           </a:p>
@@ -2754,7 +2754,7 @@
             <a:fld id="{AD8BF249-6BAC-CD40-AAE9-334F110649E5}" type="datetimeFigureOut">
               <a:rPr lang="it-IT" smtClean="0"/>
               <a:pPr/>
-              <a:t>14/01/2023</a:t>
+              <a:t>22/01/2023</a:t>
             </a:fld>
             <a:endParaRPr lang="it-IT"/>
           </a:p>
@@ -3001,7 +3001,7 @@
             <a:fld id="{AD8BF249-6BAC-CD40-AAE9-334F110649E5}" type="datetimeFigureOut">
               <a:rPr lang="it-IT" smtClean="0"/>
               <a:pPr/>
-              <a:t>14/01/2023</a:t>
+              <a:t>22/01/2023</a:t>
             </a:fld>
             <a:endParaRPr lang="it-IT"/>
           </a:p>
@@ -3288,7 +3288,7 @@
             <a:fld id="{AD8BF249-6BAC-CD40-AAE9-334F110649E5}" type="datetimeFigureOut">
               <a:rPr lang="it-IT" smtClean="0"/>
               <a:pPr/>
-              <a:t>14/01/2023</a:t>
+              <a:t>22/01/2023</a:t>
             </a:fld>
             <a:endParaRPr lang="it-IT"/>
           </a:p>
@@ -3709,7 +3709,7 @@
             <a:fld id="{AD8BF249-6BAC-CD40-AAE9-334F110649E5}" type="datetimeFigureOut">
               <a:rPr lang="it-IT" smtClean="0"/>
               <a:pPr/>
-              <a:t>14/01/2023</a:t>
+              <a:t>22/01/2023</a:t>
             </a:fld>
             <a:endParaRPr lang="it-IT"/>
           </a:p>
@@ -3828,7 +3828,7 @@
             <a:fld id="{AD8BF249-6BAC-CD40-AAE9-334F110649E5}" type="datetimeFigureOut">
               <a:rPr lang="it-IT" smtClean="0"/>
               <a:pPr/>
-              <a:t>14/01/2023</a:t>
+              <a:t>22/01/2023</a:t>
             </a:fld>
             <a:endParaRPr lang="it-IT"/>
           </a:p>
@@ -3925,7 +3925,7 @@
             <a:fld id="{AD8BF249-6BAC-CD40-AAE9-334F110649E5}" type="datetimeFigureOut">
               <a:rPr lang="it-IT" smtClean="0"/>
               <a:pPr/>
-              <a:t>14/01/2023</a:t>
+              <a:t>22/01/2023</a:t>
             </a:fld>
             <a:endParaRPr lang="it-IT"/>
           </a:p>
@@ -4202,7 +4202,7 @@
             <a:fld id="{AD8BF249-6BAC-CD40-AAE9-334F110649E5}" type="datetimeFigureOut">
               <a:rPr lang="it-IT" smtClean="0"/>
               <a:pPr/>
-              <a:t>14/01/2023</a:t>
+              <a:t>22/01/2023</a:t>
             </a:fld>
             <a:endParaRPr lang="it-IT"/>
           </a:p>
@@ -4456,7 +4456,7 @@
             <a:fld id="{AD8BF249-6BAC-CD40-AAE9-334F110649E5}" type="datetimeFigureOut">
               <a:rPr lang="it-IT" smtClean="0"/>
               <a:pPr/>
-              <a:t>14/01/2023</a:t>
+              <a:t>22/01/2023</a:t>
             </a:fld>
             <a:endParaRPr lang="it-IT"/>
           </a:p>
@@ -4669,7 +4669,7 @@
             <a:fld id="{AD8BF249-6BAC-CD40-AAE9-334F110649E5}" type="datetimeFigureOut">
               <a:rPr lang="it-IT" smtClean="0"/>
               <a:pPr/>
-              <a:t>14/01/2023</a:t>
+              <a:t>22/01/2023</a:t>
             </a:fld>
             <a:endParaRPr lang="it-IT"/>
           </a:p>
@@ -5196,8 +5196,8 @@
         </p:nvSpPr>
         <p:spPr>
           <a:xfrm>
-            <a:off x="6653001" y="6474363"/>
-            <a:ext cx="1774845" cy="307777"/>
+            <a:off x="6752386" y="6474363"/>
+            <a:ext cx="1675460" cy="307777"/>
           </a:xfrm>
           <a:prstGeom prst="rect">
             <a:avLst/>
@@ -5231,7 +5231,7 @@
                 </a:effectLst>
                 <a:latin typeface=""/>
               </a:rPr>
-              <a:t>Firenze – 12/1/2023</a:t>
+              <a:t>Firenze – 2/2/2023</a:t>
             </a:r>
           </a:p>
         </p:txBody>
@@ -5833,7 +5833,7 @@
                 <a:latin typeface="Arial"/>
                 <a:cs typeface="Arial"/>
               </a:rPr>
-              <a:t>Firenze – 12/1/2023</a:t>
+              <a:t>Firenze – 2/2/2023</a:t>
             </a:r>
           </a:p>
           <a:p>
@@ -6250,7 +6250,7 @@
                 <a:latin typeface="Arial"/>
                 <a:cs typeface="Arial"/>
               </a:rPr>
-              <a:t>Firenze – 12/1/2023</a:t>
+              <a:t>Firenze – 2/2/2023</a:t>
             </a:r>
           </a:p>
           <a:p>
@@ -6697,7 +6697,7 @@
                 <a:latin typeface="Arial"/>
                 <a:cs typeface="Arial"/>
               </a:rPr>
-              <a:t>Firenze – 12/1/2023</a:t>
+              <a:t>Firenze – 2/2/2023</a:t>
             </a:r>
           </a:p>
           <a:p>
@@ -7144,7 +7144,7 @@
                 <a:latin typeface="Arial"/>
                 <a:cs typeface="Arial"/>
               </a:rPr>
-              <a:t>Firenze – 12/1/2023</a:t>
+              <a:t>Firenze – 2/2/2023</a:t>
             </a:r>
           </a:p>
           <a:p>
@@ -7630,7 +7630,7 @@
                 <a:latin typeface="Arial"/>
                 <a:cs typeface="Arial"/>
               </a:rPr>
-              <a:t>Firenze – 12/1/2023</a:t>
+              <a:t>Firenze – 2/2/2023</a:t>
             </a:r>
           </a:p>
           <a:p>
@@ -8143,7 +8143,7 @@
                 <a:latin typeface="Arial"/>
                 <a:cs typeface="Arial"/>
               </a:rPr>
-              <a:t>Firenze – 12/1/2023</a:t>
+              <a:t>Firenze – 2/2/2023</a:t>
             </a:r>
           </a:p>
           <a:p>
@@ -8653,7 +8653,7 @@
                 <a:latin typeface="Arial"/>
                 <a:cs typeface="Arial"/>
               </a:rPr>
-              <a:t>Firenze – 12/1/2023</a:t>
+              <a:t>Firenze – 2/2/2023</a:t>
             </a:r>
           </a:p>
           <a:p>
@@ -9176,7 +9176,7 @@
                 <a:latin typeface="Arial"/>
                 <a:cs typeface="Arial"/>
               </a:rPr>
-              <a:t>Firenze – 12/1/2023</a:t>
+              <a:t>Firenze – 2/2/2023</a:t>
             </a:r>
           </a:p>
           <a:p>
@@ -9753,7 +9753,7 @@
                 <a:latin typeface="Arial"/>
                 <a:cs typeface="Arial"/>
               </a:rPr>
-              <a:t>Firenze – 12/1/2023</a:t>
+              <a:t>Firenze – 2/2/2023</a:t>
             </a:r>
           </a:p>
           <a:p>
@@ -10254,7 +10254,7 @@
                 <a:latin typeface="Arial"/>
                 <a:cs typeface="Arial"/>
               </a:rPr>
-              <a:t>Firenze – 12/1/2023</a:t>
+              <a:t>Firenze – 2/2/2023</a:t>
             </a:r>
           </a:p>
           <a:p>
@@ -10850,7 +10850,7 @@
                 <a:latin typeface="Arial"/>
                 <a:cs typeface="Arial"/>
               </a:rPr>
-              <a:t>Firenze – 12/1/2023</a:t>
+              <a:t>Firenze – 2/2/2023</a:t>
             </a:r>
           </a:p>
           <a:p>
@@ -11257,7 +11257,7 @@
                 <a:latin typeface="Arial"/>
                 <a:cs typeface="Arial"/>
               </a:rPr>
-              <a:t>Firenze – 12/1/2023</a:t>
+              <a:t>Firenze – 2/2/2023</a:t>
             </a:r>
           </a:p>
           <a:p>
@@ -11841,7 +11841,7 @@
                 <a:latin typeface="Arial"/>
                 <a:cs typeface="Arial"/>
               </a:rPr>
-              <a:t>Firenze – 12/1/2023</a:t>
+              <a:t>Firenze – 2/2/2023</a:t>
             </a:r>
           </a:p>
           <a:p>
@@ -12271,7 +12271,7 @@
                 <a:latin typeface="Arial"/>
                 <a:cs typeface="Arial"/>
               </a:rPr>
-              <a:t>Firenze – 12/1/2023</a:t>
+              <a:t>Firenze – 2/2/2023</a:t>
             </a:r>
           </a:p>
           <a:p>
@@ -12698,7 +12698,7 @@
                 <a:latin typeface="Arial"/>
                 <a:cs typeface="Arial"/>
               </a:rPr>
-              <a:t>Firenze – 12/1/2023</a:t>
+              <a:t>Firenze – 2/2/2023</a:t>
             </a:r>
           </a:p>
           <a:p>
@@ -13121,7 +13121,7 @@
                 <a:latin typeface="Arial"/>
                 <a:cs typeface="Arial"/>
               </a:rPr>
-              <a:t>Firenze – 12/1/2023</a:t>
+              <a:t>Firenze – 2/2/2023</a:t>
             </a:r>
           </a:p>
           <a:p>

--- a/presentation/KernelImageProcessing.pptx
+++ b/presentation/KernelImageProcessing.pptx
@@ -257,7 +257,7 @@
             <a:fld id="{45BF3CCC-77DD-F84F-A249-CA3C5045A043}" type="datetime1">
               <a:rPr lang="it-IT" smtClean="0"/>
               <a:pPr/>
-              <a:t>22/01/2023</a:t>
+              <a:t>28/01/2023</a:t>
             </a:fld>
             <a:endParaRPr lang="it-IT"/>
           </a:p>
@@ -425,7 +425,7 @@
             <a:fld id="{FE692227-D6DC-FD45-9507-DB2BAD58473C}" type="datetime1">
               <a:rPr lang="it-IT" smtClean="0"/>
               <a:pPr/>
-              <a:t>22/01/2023</a:t>
+              <a:t>28/01/2023</a:t>
             </a:fld>
             <a:endParaRPr lang="it-IT"/>
           </a:p>
@@ -2234,7 +2234,7 @@
             <a:fld id="{AD8BF249-6BAC-CD40-AAE9-334F110649E5}" type="datetimeFigureOut">
               <a:rPr lang="it-IT" smtClean="0"/>
               <a:pPr/>
-              <a:t>22/01/2023</a:t>
+              <a:t>28/01/2023</a:t>
             </a:fld>
             <a:endParaRPr lang="it-IT"/>
           </a:p>
@@ -2404,7 +2404,7 @@
             <a:fld id="{AD8BF249-6BAC-CD40-AAE9-334F110649E5}" type="datetimeFigureOut">
               <a:rPr lang="it-IT" smtClean="0"/>
               <a:pPr/>
-              <a:t>22/01/2023</a:t>
+              <a:t>28/01/2023</a:t>
             </a:fld>
             <a:endParaRPr lang="it-IT"/>
           </a:p>
@@ -2584,7 +2584,7 @@
             <a:fld id="{AD8BF249-6BAC-CD40-AAE9-334F110649E5}" type="datetimeFigureOut">
               <a:rPr lang="it-IT" smtClean="0"/>
               <a:pPr/>
-              <a:t>22/01/2023</a:t>
+              <a:t>28/01/2023</a:t>
             </a:fld>
             <a:endParaRPr lang="it-IT"/>
           </a:p>
@@ -2754,7 +2754,7 @@
             <a:fld id="{AD8BF249-6BAC-CD40-AAE9-334F110649E5}" type="datetimeFigureOut">
               <a:rPr lang="it-IT" smtClean="0"/>
               <a:pPr/>
-              <a:t>22/01/2023</a:t>
+              <a:t>28/01/2023</a:t>
             </a:fld>
             <a:endParaRPr lang="it-IT"/>
           </a:p>
@@ -3001,7 +3001,7 @@
             <a:fld id="{AD8BF249-6BAC-CD40-AAE9-334F110649E5}" type="datetimeFigureOut">
               <a:rPr lang="it-IT" smtClean="0"/>
               <a:pPr/>
-              <a:t>22/01/2023</a:t>
+              <a:t>28/01/2023</a:t>
             </a:fld>
             <a:endParaRPr lang="it-IT"/>
           </a:p>
@@ -3288,7 +3288,7 @@
             <a:fld id="{AD8BF249-6BAC-CD40-AAE9-334F110649E5}" type="datetimeFigureOut">
               <a:rPr lang="it-IT" smtClean="0"/>
               <a:pPr/>
-              <a:t>22/01/2023</a:t>
+              <a:t>28/01/2023</a:t>
             </a:fld>
             <a:endParaRPr lang="it-IT"/>
           </a:p>
@@ -3709,7 +3709,7 @@
             <a:fld id="{AD8BF249-6BAC-CD40-AAE9-334F110649E5}" type="datetimeFigureOut">
               <a:rPr lang="it-IT" smtClean="0"/>
               <a:pPr/>
-              <a:t>22/01/2023</a:t>
+              <a:t>28/01/2023</a:t>
             </a:fld>
             <a:endParaRPr lang="it-IT"/>
           </a:p>
@@ -3828,7 +3828,7 @@
             <a:fld id="{AD8BF249-6BAC-CD40-AAE9-334F110649E5}" type="datetimeFigureOut">
               <a:rPr lang="it-IT" smtClean="0"/>
               <a:pPr/>
-              <a:t>22/01/2023</a:t>
+              <a:t>28/01/2023</a:t>
             </a:fld>
             <a:endParaRPr lang="it-IT"/>
           </a:p>
@@ -3925,7 +3925,7 @@
             <a:fld id="{AD8BF249-6BAC-CD40-AAE9-334F110649E5}" type="datetimeFigureOut">
               <a:rPr lang="it-IT" smtClean="0"/>
               <a:pPr/>
-              <a:t>22/01/2023</a:t>
+              <a:t>28/01/2023</a:t>
             </a:fld>
             <a:endParaRPr lang="it-IT"/>
           </a:p>
@@ -4202,7 +4202,7 @@
             <a:fld id="{AD8BF249-6BAC-CD40-AAE9-334F110649E5}" type="datetimeFigureOut">
               <a:rPr lang="it-IT" smtClean="0"/>
               <a:pPr/>
-              <a:t>22/01/2023</a:t>
+              <a:t>28/01/2023</a:t>
             </a:fld>
             <a:endParaRPr lang="it-IT"/>
           </a:p>
@@ -4456,7 +4456,7 @@
             <a:fld id="{AD8BF249-6BAC-CD40-AAE9-334F110649E5}" type="datetimeFigureOut">
               <a:rPr lang="it-IT" smtClean="0"/>
               <a:pPr/>
-              <a:t>22/01/2023</a:t>
+              <a:t>28/01/2023</a:t>
             </a:fld>
             <a:endParaRPr lang="it-IT"/>
           </a:p>
@@ -4669,7 +4669,7 @@
             <a:fld id="{AD8BF249-6BAC-CD40-AAE9-334F110649E5}" type="datetimeFigureOut">
               <a:rPr lang="it-IT" smtClean="0"/>
               <a:pPr/>
-              <a:t>22/01/2023</a:t>
+              <a:t>28/01/2023</a:t>
             </a:fld>
             <a:endParaRPr lang="it-IT"/>
           </a:p>
@@ -6260,10 +6260,10 @@
       </p:sp>
       <p:pic>
         <p:nvPicPr>
-          <p:cNvPr id="5" name="Immagine 4" descr="Immagine che contiene testo&#10;&#10;Descrizione generata automaticamente">
+          <p:cNvPr id="4" name="Immagine 3" descr="Immagine che contiene testo&#10;&#10;Descrizione generata automaticamente">
             <a:extLst>
               <a:ext uri="{FF2B5EF4-FFF2-40B4-BE49-F238E27FC236}">
-                <a16:creationId xmlns:a16="http://schemas.microsoft.com/office/drawing/2014/main" id="{9E2BC4B6-9281-0C7E-09EB-F98C9C3249C9}"/>
+                <a16:creationId xmlns:a16="http://schemas.microsoft.com/office/drawing/2014/main" id="{261A050D-34C2-B374-8FC6-29AA9A2B85D7}"/>
               </a:ext>
             </a:extLst>
           </p:cNvPr>
@@ -6280,8 +6280,8 @@
         </p:blipFill>
         <p:spPr>
           <a:xfrm>
-            <a:off x="587170" y="2166778"/>
-            <a:ext cx="7969660" cy="4038808"/>
+            <a:off x="606221" y="2166661"/>
+            <a:ext cx="7931558" cy="4000706"/>
           </a:xfrm>
           <a:prstGeom prst="rect">
             <a:avLst/>
@@ -11851,10 +11851,10 @@
       </p:sp>
       <p:pic>
         <p:nvPicPr>
-          <p:cNvPr id="15" name="Immagine 14" descr="Immagine che contiene testo&#10;&#10;Descrizione generata automaticamente">
+          <p:cNvPr id="4" name="Immagine 3" descr="Immagine che contiene testo&#10;&#10;Descrizione generata automaticamente">
             <a:extLst>
               <a:ext uri="{FF2B5EF4-FFF2-40B4-BE49-F238E27FC236}">
-                <a16:creationId xmlns:a16="http://schemas.microsoft.com/office/drawing/2014/main" id="{5BDE29D6-B89B-E10F-F9E8-1035E9CA05C2}"/>
+                <a16:creationId xmlns:a16="http://schemas.microsoft.com/office/drawing/2014/main" id="{5A5F8E58-20B9-F6A3-2740-C01BAA99BC37}"/>
               </a:ext>
             </a:extLst>
           </p:cNvPr>
@@ -11871,8 +11871,8 @@
         </p:blipFill>
         <p:spPr>
           <a:xfrm>
-            <a:off x="1743831" y="2287211"/>
-            <a:ext cx="5560484" cy="4079255"/>
+            <a:off x="1024547" y="2199620"/>
+            <a:ext cx="7131417" cy="4426177"/>
           </a:xfrm>
           <a:prstGeom prst="rect">
             <a:avLst/>
@@ -12281,10 +12281,10 @@
       </p:sp>
       <p:pic>
         <p:nvPicPr>
-          <p:cNvPr id="6" name="Immagine 5" descr="Immagine che contiene testo&#10;&#10;Descrizione generata automaticamente">
+          <p:cNvPr id="4" name="Immagine 3" descr="Immagine che contiene testo&#10;&#10;Descrizione generata automaticamente">
             <a:extLst>
               <a:ext uri="{FF2B5EF4-FFF2-40B4-BE49-F238E27FC236}">
-                <a16:creationId xmlns:a16="http://schemas.microsoft.com/office/drawing/2014/main" id="{C4136547-1BFD-E85F-0A56-5CDEAE126137}"/>
+                <a16:creationId xmlns:a16="http://schemas.microsoft.com/office/drawing/2014/main" id="{CCBDD0E7-7B52-5760-A888-0DF55D99DB20}"/>
               </a:ext>
             </a:extLst>
           </p:cNvPr>
@@ -12301,8 +12301,8 @@
         </p:blipFill>
         <p:spPr>
           <a:xfrm>
-            <a:off x="557799" y="2671512"/>
-            <a:ext cx="8064914" cy="2991004"/>
+            <a:off x="567324" y="2708361"/>
+            <a:ext cx="8045863" cy="2724290"/>
           </a:xfrm>
           <a:prstGeom prst="rect">
             <a:avLst/>
